--- a/Presentation/CMPE295B Update.pptx
+++ b/Presentation/CMPE295B Update.pptx
@@ -17,18 +17,20 @@
     <p:sldId id="262" r:id="rId12"/>
     <p:sldId id="263" r:id="rId13"/>
     <p:sldId id="264" r:id="rId14"/>
+    <p:sldId id="265" r:id="rId15"/>
+    <p:sldId id="266" r:id="rId16"/>
   </p:sldIdLst>
   <p:sldSz cy="5143500" cx="9144000"/>
   <p:notesSz cx="6858000" cy="9144000"/>
   <p:embeddedFontLst>
     <p:embeddedFont>
       <p:font typeface="Average"/>
-      <p:regular r:id="rId15"/>
+      <p:regular r:id="rId17"/>
     </p:embeddedFont>
     <p:embeddedFont>
       <p:font typeface="Oswald"/>
-      <p:regular r:id="rId16"/>
-      <p:bold r:id="rId17"/>
+      <p:regular r:id="rId18"/>
+      <p:bold r:id="rId19"/>
     </p:embeddedFont>
   </p:embeddedFontLst>
   <p:defaultTextStyle>
@@ -804,6 +806,204 @@
 </p:notes>
 </file>
 
+<file path=ppt/notesSlides/notesSlide10.xml><?xml version="1.0" encoding="utf-8"?>
+<p:notes xmlns:a="http://schemas.openxmlformats.org/drawingml/2006/main" xmlns:r="http://schemas.openxmlformats.org/officeDocument/2006/relationships" xmlns:mc="http://schemas.openxmlformats.org/markup-compatibility/2006" xmlns:mv="urn:schemas-microsoft-com:mac:vml" xmlns:p="http://schemas.openxmlformats.org/presentationml/2006/main" xmlns:c="http://schemas.openxmlformats.org/drawingml/2006/chart" xmlns:dgm="http://schemas.openxmlformats.org/drawingml/2006/diagram" xmlns:o="urn:schemas-microsoft-com:office:office" xmlns:v="urn:schemas-microsoft-com:vml" xmlns:pvml="urn:schemas-microsoft-com:office:powerpoint" xmlns:com="http://schemas.openxmlformats.org/drawingml/2006/compatibility" xmlns:p14="http://schemas.microsoft.com/office/powerpoint/2010/main" xmlns:p15="http://schemas.microsoft.com/office/powerpoint/2012/main" showMasterPhAnim="0" showMasterSp="0">
+  <p:cSld>
+    <p:spTree>
+      <p:nvGrpSpPr>
+        <p:cNvPr id="119" name="Shape 119"/>
+        <p:cNvGrpSpPr/>
+        <p:nvPr/>
+      </p:nvGrpSpPr>
+      <p:grpSpPr>
+        <a:xfrm>
+          <a:off x="0" y="0"/>
+          <a:ext cx="0" cy="0"/>
+          <a:chOff x="0" y="0"/>
+          <a:chExt cx="0" cy="0"/>
+        </a:xfrm>
+      </p:grpSpPr>
+      <p:sp>
+        <p:nvSpPr>
+          <p:cNvPr id="120" name="Google Shape;120;g725e25efa5_0_0:notes"/>
+          <p:cNvSpPr/>
+          <p:nvPr>
+            <p:ph idx="2" type="sldImg"/>
+          </p:nvPr>
+        </p:nvSpPr>
+        <p:spPr>
+          <a:xfrm>
+            <a:off x="381300" y="685800"/>
+            <a:ext cx="6096000" cy="3429000"/>
+          </a:xfrm>
+          <a:custGeom>
+            <a:rect b="b" l="l" r="r" t="t"/>
+            <a:pathLst>
+              <a:path extrusionOk="0" h="120000" w="120000">
+                <a:moveTo>
+                  <a:pt x="0" y="0"/>
+                </a:moveTo>
+                <a:lnTo>
+                  <a:pt x="120000" y="0"/>
+                </a:lnTo>
+                <a:lnTo>
+                  <a:pt x="120000" y="120000"/>
+                </a:lnTo>
+                <a:lnTo>
+                  <a:pt x="0" y="120000"/>
+                </a:lnTo>
+                <a:close/>
+              </a:path>
+            </a:pathLst>
+          </a:custGeom>
+        </p:spPr>
+      </p:sp>
+      <p:sp>
+        <p:nvSpPr>
+          <p:cNvPr id="121" name="Google Shape;121;g725e25efa5_0_0:notes"/>
+          <p:cNvSpPr txBox="1"/>
+          <p:nvPr>
+            <p:ph idx="1" type="body"/>
+          </p:nvPr>
+        </p:nvSpPr>
+        <p:spPr>
+          <a:xfrm>
+            <a:off x="685800" y="4343400"/>
+            <a:ext cx="5486400" cy="4114800"/>
+          </a:xfrm>
+          <a:prstGeom prst="rect">
+            <a:avLst/>
+          </a:prstGeom>
+        </p:spPr>
+        <p:txBody>
+          <a:bodyPr anchorCtr="0" anchor="t" bIns="91425" lIns="91425" spcFirstLastPara="1" rIns="91425" wrap="square" tIns="91425">
+            <a:noAutofit/>
+          </a:bodyPr>
+          <a:lstStyle/>
+          <a:p>
+            <a:pPr indent="0" lvl="0" marL="0" rtl="0" algn="l">
+              <a:spcBef>
+                <a:spcPts val="0"/>
+              </a:spcBef>
+              <a:spcAft>
+                <a:spcPts val="0"/>
+              </a:spcAft>
+              <a:buNone/>
+            </a:pPr>
+            <a:r>
+              <a:t/>
+            </a:r>
+            <a:endParaRPr/>
+          </a:p>
+        </p:txBody>
+      </p:sp>
+    </p:spTree>
+  </p:cSld>
+  <p:clrMapOvr>
+    <a:masterClrMapping/>
+  </p:clrMapOvr>
+</p:notes>
+</file>
+
+<file path=ppt/notesSlides/notesSlide11.xml><?xml version="1.0" encoding="utf-8"?>
+<p:notes xmlns:a="http://schemas.openxmlformats.org/drawingml/2006/main" xmlns:r="http://schemas.openxmlformats.org/officeDocument/2006/relationships" xmlns:mc="http://schemas.openxmlformats.org/markup-compatibility/2006" xmlns:mv="urn:schemas-microsoft-com:mac:vml" xmlns:p="http://schemas.openxmlformats.org/presentationml/2006/main" xmlns:c="http://schemas.openxmlformats.org/drawingml/2006/chart" xmlns:dgm="http://schemas.openxmlformats.org/drawingml/2006/diagram" xmlns:o="urn:schemas-microsoft-com:office:office" xmlns:v="urn:schemas-microsoft-com:vml" xmlns:pvml="urn:schemas-microsoft-com:office:powerpoint" xmlns:com="http://schemas.openxmlformats.org/drawingml/2006/compatibility" xmlns:p14="http://schemas.microsoft.com/office/powerpoint/2010/main" xmlns:p15="http://schemas.microsoft.com/office/powerpoint/2012/main" showMasterPhAnim="0" showMasterSp="0">
+  <p:cSld>
+    <p:spTree>
+      <p:nvGrpSpPr>
+        <p:cNvPr id="125" name="Shape 125"/>
+        <p:cNvGrpSpPr/>
+        <p:nvPr/>
+      </p:nvGrpSpPr>
+      <p:grpSpPr>
+        <a:xfrm>
+          <a:off x="0" y="0"/>
+          <a:ext cx="0" cy="0"/>
+          <a:chOff x="0" y="0"/>
+          <a:chExt cx="0" cy="0"/>
+        </a:xfrm>
+      </p:grpSpPr>
+      <p:sp>
+        <p:nvSpPr>
+          <p:cNvPr id="126" name="Google Shape;126;g83ae6afe23_0_0:notes"/>
+          <p:cNvSpPr/>
+          <p:nvPr>
+            <p:ph idx="2" type="sldImg"/>
+          </p:nvPr>
+        </p:nvSpPr>
+        <p:spPr>
+          <a:xfrm>
+            <a:off x="381300" y="685800"/>
+            <a:ext cx="6096000" cy="3429000"/>
+          </a:xfrm>
+          <a:custGeom>
+            <a:rect b="b" l="l" r="r" t="t"/>
+            <a:pathLst>
+              <a:path extrusionOk="0" h="120000" w="120000">
+                <a:moveTo>
+                  <a:pt x="0" y="0"/>
+                </a:moveTo>
+                <a:lnTo>
+                  <a:pt x="120000" y="0"/>
+                </a:lnTo>
+                <a:lnTo>
+                  <a:pt x="120000" y="120000"/>
+                </a:lnTo>
+                <a:lnTo>
+                  <a:pt x="0" y="120000"/>
+                </a:lnTo>
+                <a:close/>
+              </a:path>
+            </a:pathLst>
+          </a:custGeom>
+        </p:spPr>
+      </p:sp>
+      <p:sp>
+        <p:nvSpPr>
+          <p:cNvPr id="127" name="Google Shape;127;g83ae6afe23_0_0:notes"/>
+          <p:cNvSpPr txBox="1"/>
+          <p:nvPr>
+            <p:ph idx="1" type="body"/>
+          </p:nvPr>
+        </p:nvSpPr>
+        <p:spPr>
+          <a:xfrm>
+            <a:off x="685800" y="4343400"/>
+            <a:ext cx="5486400" cy="4114800"/>
+          </a:xfrm>
+          <a:prstGeom prst="rect">
+            <a:avLst/>
+          </a:prstGeom>
+        </p:spPr>
+        <p:txBody>
+          <a:bodyPr anchorCtr="0" anchor="t" bIns="91425" lIns="91425" spcFirstLastPara="1" rIns="91425" wrap="square" tIns="91425">
+            <a:noAutofit/>
+          </a:bodyPr>
+          <a:lstStyle/>
+          <a:p>
+            <a:pPr indent="0" lvl="0" marL="0" rtl="0" algn="l">
+              <a:spcBef>
+                <a:spcPts val="0"/>
+              </a:spcBef>
+              <a:spcAft>
+                <a:spcPts val="0"/>
+              </a:spcAft>
+              <a:buNone/>
+            </a:pPr>
+            <a:r>
+              <a:t/>
+            </a:r>
+            <a:endParaRPr/>
+          </a:p>
+        </p:txBody>
+      </p:sp>
+    </p:spTree>
+  </p:cSld>
+  <p:clrMapOvr>
+    <a:masterClrMapping/>
+  </p:clrMapOvr>
+</p:notes>
+</file>
+
 <file path=ppt/notesSlides/notesSlide2.xml><?xml version="1.0" encoding="utf-8"?>
 <p:notes xmlns:a="http://schemas.openxmlformats.org/drawingml/2006/main" xmlns:r="http://schemas.openxmlformats.org/officeDocument/2006/relationships" xmlns:mc="http://schemas.openxmlformats.org/markup-compatibility/2006" xmlns:mv="urn:schemas-microsoft-com:mac:vml" xmlns:p="http://schemas.openxmlformats.org/presentationml/2006/main" xmlns:c="http://schemas.openxmlformats.org/drawingml/2006/chart" xmlns:dgm="http://schemas.openxmlformats.org/drawingml/2006/diagram" xmlns:o="urn:schemas-microsoft-com:office:office" xmlns:v="urn:schemas-microsoft-com:vml" xmlns:pvml="urn:schemas-microsoft-com:office:powerpoint" xmlns:com="http://schemas.openxmlformats.org/drawingml/2006/compatibility" xmlns:p14="http://schemas.microsoft.com/office/powerpoint/2010/main" xmlns:p15="http://schemas.microsoft.com/office/powerpoint/2012/main" showMasterPhAnim="0" showMasterSp="0">
   <p:cSld>
@@ -946,7 +1146,7 @@
   <p:cSld>
     <p:spTree>
       <p:nvGrpSpPr>
-        <p:cNvPr id="68" name="Shape 68"/>
+        <p:cNvPr id="66" name="Shape 66"/>
         <p:cNvGrpSpPr/>
         <p:nvPr/>
       </p:nvGrpSpPr>
@@ -960,7 +1160,7 @@
       </p:grpSpPr>
       <p:sp>
         <p:nvSpPr>
-          <p:cNvPr id="69" name="Google Shape;69;g71e2b47bf6_1_0:notes"/>
+          <p:cNvPr id="67" name="Google Shape;67;g7fe7cfadbe_2_5:notes"/>
           <p:cNvSpPr/>
           <p:nvPr>
             <p:ph idx="2" type="sldImg"/>
@@ -995,7 +1195,7 @@
       </p:sp>
       <p:sp>
         <p:nvSpPr>
-          <p:cNvPr id="70" name="Google Shape;70;g71e2b47bf6_1_0:notes"/>
+          <p:cNvPr id="68" name="Google Shape;68;g7fe7cfadbe_2_5:notes"/>
           <p:cNvSpPr txBox="1"/>
           <p:nvPr>
             <p:ph idx="1" type="body"/>
@@ -1016,161 +1216,55 @@
           </a:bodyPr>
           <a:lstStyle/>
           <a:p>
-            <a:pPr indent="-298450" lvl="0" marL="457200" rtl="0" algn="l">
-              <a:spcBef>
-                <a:spcPts val="0"/>
-              </a:spcBef>
-              <a:spcAft>
-                <a:spcPts val="0"/>
-              </a:spcAft>
-              <a:buSzPts val="1100"/>
-              <a:buChar char="●"/>
+            <a:pPr indent="0" lvl="0" marL="0" rtl="0" algn="l">
+              <a:spcBef>
+                <a:spcPts val="0"/>
+              </a:spcBef>
+              <a:spcAft>
+                <a:spcPts val="0"/>
+              </a:spcAft>
+              <a:buNone/>
+            </a:pPr>
+            <a:r>
+              <a:rPr lang="en" u="sng">
+                <a:solidFill>
+                  <a:schemeClr val="hlink"/>
+                </a:solidFill>
+                <a:hlinkClick r:id="rId2"/>
+              </a:rPr>
+              <a:t>http://wiki.ros.org/melodic/Installation/Ubuntu</a:t>
+            </a:r>
+            <a:endParaRPr/>
+          </a:p>
+          <a:p>
+            <a:pPr indent="0" lvl="0" marL="0" rtl="0" algn="l">
+              <a:spcBef>
+                <a:spcPts val="0"/>
+              </a:spcBef>
+              <a:spcAft>
+                <a:spcPts val="0"/>
+              </a:spcAft>
+              <a:buNone/>
             </a:pPr>
             <a:r>
               <a:rPr lang="en"/>
-              <a:t>Add URL</a:t>
+              <a:t>Add URL, time to setup</a:t>
             </a:r>
             <a:endParaRPr/>
           </a:p>
           <a:p>
-            <a:pPr indent="-298450" lvl="0" marL="457200" rtl="0" algn="l">
-              <a:spcBef>
-                <a:spcPts val="0"/>
-              </a:spcBef>
-              <a:spcAft>
-                <a:spcPts val="0"/>
-              </a:spcAft>
-              <a:buSzPts val="1100"/>
-              <a:buChar char="●"/>
+            <a:pPr indent="0" lvl="0" marL="0" rtl="0" algn="l">
+              <a:spcBef>
+                <a:spcPts val="0"/>
+              </a:spcBef>
+              <a:spcAft>
+                <a:spcPts val="0"/>
+              </a:spcAft>
+              <a:buNone/>
             </a:pPr>
             <a:r>
               <a:rPr lang="en"/>
-              <a:t>Change “materials’ to something along the lines of ‘Basic Building Blocks for graphical model of robot’ </a:t>
-            </a:r>
-            <a:endParaRPr/>
-          </a:p>
-          <a:p>
-            <a:pPr indent="-298450" lvl="0" marL="457200" rtl="0" algn="l">
-              <a:spcBef>
-                <a:spcPts val="0"/>
-              </a:spcBef>
-              <a:spcAft>
-                <a:spcPts val="0"/>
-              </a:spcAft>
-              <a:buSzPts val="1100"/>
-              <a:buChar char="●"/>
-            </a:pPr>
-            <a:r>
-              <a:rPr lang="en"/>
-              <a:t>Complete other 2 wheels</a:t>
-            </a:r>
-            <a:endParaRPr/>
-          </a:p>
-          <a:p>
-            <a:pPr indent="-298450" lvl="0" marL="457200" rtl="0" algn="l">
-              <a:spcBef>
-                <a:spcPts val="0"/>
-              </a:spcBef>
-              <a:spcAft>
-                <a:spcPts val="0"/>
-              </a:spcAft>
-              <a:buSzPts val="1100"/>
-              <a:buChar char="●"/>
-            </a:pPr>
-            <a:r>
-              <a:rPr lang="en"/>
-              <a:t>Define measurements of wheels/body</a:t>
-            </a:r>
-            <a:endParaRPr/>
-          </a:p>
-          <a:p>
-            <a:pPr indent="-298450" lvl="0" marL="457200" rtl="0" algn="l">
-              <a:spcBef>
-                <a:spcPts val="0"/>
-              </a:spcBef>
-              <a:spcAft>
-                <a:spcPts val="0"/>
-              </a:spcAft>
-              <a:buSzPts val="1100"/>
-              <a:buChar char="●"/>
-            </a:pPr>
-            <a:r>
-              <a:rPr lang="en"/>
-              <a:t>Can URDF be converted?</a:t>
-            </a:r>
-            <a:endParaRPr/>
-          </a:p>
-          <a:p>
-            <a:pPr indent="0" lvl="0" marL="0" rtl="0" algn="l">
-              <a:spcBef>
-                <a:spcPts val="0"/>
-              </a:spcBef>
-              <a:spcAft>
-                <a:spcPts val="0"/>
-              </a:spcAft>
-              <a:buNone/>
-            </a:pPr>
-            <a:r>
-              <a:t/>
-            </a:r>
-            <a:endParaRPr/>
-          </a:p>
-          <a:p>
-            <a:pPr indent="0" lvl="0" marL="0" rtl="0" algn="l">
-              <a:spcBef>
-                <a:spcPts val="0"/>
-              </a:spcBef>
-              <a:spcAft>
-                <a:spcPts val="0"/>
-              </a:spcAft>
-              <a:buNone/>
-            </a:pPr>
-            <a:r>
-              <a:t/>
-            </a:r>
-            <a:endParaRPr/>
-          </a:p>
-          <a:p>
-            <a:pPr indent="0" lvl="0" marL="0" rtl="0" algn="l">
-              <a:spcBef>
-                <a:spcPts val="0"/>
-              </a:spcBef>
-              <a:spcAft>
-                <a:spcPts val="0"/>
-              </a:spcAft>
-              <a:buNone/>
-            </a:pPr>
-            <a:r>
-              <a:rPr lang="en" sz="1400">
-                <a:latin typeface="Average"/>
-                <a:ea typeface="Average"/>
-                <a:cs typeface="Average"/>
-                <a:sym typeface="Average"/>
-              </a:rPr>
-              <a:t>Explain if .urdf can be converted to solidworks design file format, such as  </a:t>
-            </a:r>
-            <a:r>
-              <a:rPr b="1" lang="en"/>
-              <a:t>STEP</a:t>
-            </a:r>
-            <a:r>
-              <a:rPr lang="en"/>
-              <a:t>Probably the best of the universal file formats. Two versions are available AP203 and AP214. We can both import and export step files. The models however come in “dumb” with no feature information and no mates. https://www.cadtek.com/solidworks-file-formats/</a:t>
-            </a:r>
-            <a:endParaRPr/>
-          </a:p>
-          <a:p>
-            <a:pPr indent="0" lvl="0" marL="0" rtl="0" algn="l">
-              <a:spcBef>
-                <a:spcPts val="0"/>
-              </a:spcBef>
-              <a:spcAft>
-                <a:spcPts val="0"/>
-              </a:spcAft>
-              <a:buNone/>
-            </a:pPr>
-            <a:r>
-              <a:t/>
+              <a:t>Explain what catkin packages</a:t>
             </a:r>
             <a:endParaRPr/>
           </a:p>
@@ -1189,7 +1283,7 @@
   <p:cSld>
     <p:spTree>
       <p:nvGrpSpPr>
-        <p:cNvPr id="78" name="Shape 78"/>
+        <p:cNvPr id="74" name="Shape 74"/>
         <p:cNvGrpSpPr/>
         <p:nvPr/>
       </p:nvGrpSpPr>
@@ -1203,7 +1297,7 @@
       </p:grpSpPr>
       <p:sp>
         <p:nvSpPr>
-          <p:cNvPr id="79" name="Google Shape;79;g71e2b47bf6_1_26:notes"/>
+          <p:cNvPr id="75" name="Google Shape;75;g7fe7cfadbe_2_16:notes"/>
           <p:cNvSpPr/>
           <p:nvPr>
             <p:ph idx="2" type="sldImg"/>
@@ -1238,7 +1332,7 @@
       </p:sp>
       <p:sp>
         <p:nvSpPr>
-          <p:cNvPr id="80" name="Google Shape;80;g71e2b47bf6_1_26:notes"/>
+          <p:cNvPr id="76" name="Google Shape;76;g7fe7cfadbe_2_16:notes"/>
           <p:cNvSpPr txBox="1"/>
           <p:nvPr>
             <p:ph idx="1" type="body"/>
@@ -1259,49 +1353,9 @@
           </a:bodyPr>
           <a:lstStyle/>
           <a:p>
-            <a:pPr indent="-317500" lvl="1" marL="914400" rtl="0" algn="l">
-              <a:lnSpc>
-                <a:spcPct val="115000"/>
-              </a:lnSpc>
-              <a:spcBef>
-                <a:spcPts val="0"/>
-              </a:spcBef>
-              <a:spcAft>
-                <a:spcPts val="0"/>
-              </a:spcAft>
-              <a:buClr>
-                <a:schemeClr val="dk1"/>
-              </a:buClr>
-              <a:buSzPts val="1400"/>
-              <a:buFont typeface="Average"/>
-              <a:buChar char="○"/>
-            </a:pPr>
-            <a:r>
-              <a:rPr i="1" lang="en" sz="1400">
-                <a:solidFill>
-                  <a:schemeClr val="dk1"/>
-                </a:solidFill>
-                <a:latin typeface="Average"/>
-                <a:ea typeface="Average"/>
-                <a:cs typeface="Average"/>
-                <a:sym typeface="Average"/>
-              </a:rPr>
-              <a:t> and 2. Save and exprot the file; 3. Convert the file to STEP forma. And other format for 3D editing and 3D printing ? such as STL file format? </a:t>
-            </a:r>
-            <a:endParaRPr i="1" sz="1400">
-              <a:solidFill>
-                <a:schemeClr val="dk1"/>
-              </a:solidFill>
-              <a:latin typeface="Average"/>
-              <a:ea typeface="Average"/>
-              <a:cs typeface="Average"/>
-              <a:sym typeface="Average"/>
-            </a:endParaRPr>
-          </a:p>
-          <a:p>
             <a:pPr indent="0" lvl="0" marL="0" rtl="0" algn="l">
               <a:spcBef>
-                <a:spcPts val="1600"/>
+                <a:spcPts val="0"/>
               </a:spcBef>
               <a:spcAft>
                 <a:spcPts val="0"/>
@@ -1328,7 +1382,7 @@
   <p:cSld>
     <p:spTree>
       <p:nvGrpSpPr>
-        <p:cNvPr id="86" name="Shape 86"/>
+        <p:cNvPr id="80" name="Shape 80"/>
         <p:cNvGrpSpPr/>
         <p:nvPr/>
       </p:nvGrpSpPr>
@@ -1342,7 +1396,7 @@
       </p:grpSpPr>
       <p:sp>
         <p:nvSpPr>
-          <p:cNvPr id="87" name="Google Shape;87;g71e2b47bf6_1_5:notes"/>
+          <p:cNvPr id="81" name="Google Shape;81;g71e2b47bf6_1_0:notes"/>
           <p:cNvSpPr/>
           <p:nvPr>
             <p:ph idx="2" type="sldImg"/>
@@ -1377,7 +1431,7 @@
       </p:sp>
       <p:sp>
         <p:nvSpPr>
-          <p:cNvPr id="88" name="Google Shape;88;g71e2b47bf6_1_5:notes"/>
+          <p:cNvPr id="82" name="Google Shape;82;g71e2b47bf6_1_0:notes"/>
           <p:cNvSpPr txBox="1"/>
           <p:nvPr>
             <p:ph idx="1" type="body"/>
@@ -1398,133 +1452,6 @@
           </a:bodyPr>
           <a:lstStyle/>
           <a:p>
-            <a:pPr indent="0" lvl="0" marL="0" rtl="0" algn="l">
-              <a:spcBef>
-                <a:spcPts val="0"/>
-              </a:spcBef>
-              <a:spcAft>
-                <a:spcPts val="0"/>
-              </a:spcAft>
-              <a:buNone/>
-            </a:pPr>
-            <a:r>
-              <a:rPr lang="en"/>
-              <a:t>LIdar Data format = ?</a:t>
-            </a:r>
-            <a:endParaRPr/>
-          </a:p>
-          <a:p>
-            <a:pPr indent="0" lvl="0" marL="0" rtl="0" algn="l">
-              <a:spcBef>
-                <a:spcPts val="0"/>
-              </a:spcBef>
-              <a:spcAft>
-                <a:spcPts val="0"/>
-              </a:spcAft>
-              <a:buNone/>
-            </a:pPr>
-            <a:r>
-              <a:rPr lang="en"/>
-              <a:t>Delete #1 or combine bullet bullets 1,2, and 3</a:t>
-            </a:r>
-            <a:endParaRPr/>
-          </a:p>
-          <a:p>
-            <a:pPr indent="0" lvl="0" marL="0" rtl="0" algn="l">
-              <a:spcBef>
-                <a:spcPts val="0"/>
-              </a:spcBef>
-              <a:spcAft>
-                <a:spcPts val="0"/>
-              </a:spcAft>
-              <a:buNone/>
-            </a:pPr>
-            <a:r>
-              <a:rPr lang="en"/>
-              <a:t>Explain pts to pcd in this slide</a:t>
-            </a:r>
-            <a:endParaRPr/>
-          </a:p>
-          <a:p>
-            <a:pPr indent="0" lvl="0" marL="0" rtl="0" algn="l">
-              <a:spcBef>
-                <a:spcPts val="0"/>
-              </a:spcBef>
-              <a:spcAft>
-                <a:spcPts val="0"/>
-              </a:spcAft>
-              <a:buNone/>
-            </a:pPr>
-            <a:r>
-              <a:rPr lang="en"/>
-              <a:t>Explain about how rosrun is executable after installing ROS</a:t>
-            </a:r>
-            <a:endParaRPr/>
-          </a:p>
-          <a:p>
-            <a:pPr indent="0" lvl="0" marL="0" rtl="0" algn="l">
-              <a:spcBef>
-                <a:spcPts val="0"/>
-              </a:spcBef>
-              <a:spcAft>
-                <a:spcPts val="0"/>
-              </a:spcAft>
-              <a:buNone/>
-            </a:pPr>
-            <a:r>
-              <a:rPr lang="en"/>
-              <a:t>Do screen capture of running commands</a:t>
-            </a:r>
-            <a:endParaRPr/>
-          </a:p>
-          <a:p>
-            <a:pPr indent="0" lvl="0" marL="0" rtl="0" algn="l">
-              <a:spcBef>
-                <a:spcPts val="0"/>
-              </a:spcBef>
-              <a:spcAft>
-                <a:spcPts val="0"/>
-              </a:spcAft>
-              <a:buNone/>
-            </a:pPr>
-            <a:r>
-              <a:rPr lang="en"/>
-              <a:t>Specify that step c is not from command line</a:t>
-            </a:r>
-            <a:endParaRPr/>
-          </a:p>
-          <a:p>
-            <a:pPr indent="0" lvl="0" marL="0" rtl="0" algn="l">
-              <a:spcBef>
-                <a:spcPts val="0"/>
-              </a:spcBef>
-              <a:spcAft>
-                <a:spcPts val="0"/>
-              </a:spcAft>
-              <a:buNone/>
-            </a:pPr>
-            <a:r>
-              <a:t/>
-            </a:r>
-            <a:endParaRPr/>
-          </a:p>
-          <a:p>
-            <a:pPr indent="0" lvl="0" marL="0" rtl="0" algn="l">
-              <a:spcBef>
-                <a:spcPts val="0"/>
-              </a:spcBef>
-              <a:spcAft>
-                <a:spcPts val="0"/>
-              </a:spcAft>
-              <a:buNone/>
-            </a:pPr>
-            <a:r>
-              <a:rPr lang="en"/>
-              <a:t>4/17: Provide link for a wiki to a .pts file wiki</a:t>
-            </a:r>
-            <a:endParaRPr/>
-          </a:p>
-          <a:p>
             <a:pPr indent="-298450" lvl="0" marL="457200" rtl="0" algn="l">
               <a:spcBef>
                 <a:spcPts val="0"/>
@@ -1537,7 +1464,134 @@
             </a:pPr>
             <a:r>
               <a:rPr lang="en"/>
-              <a:t>For #2: Mention .pts is required by ROS</a:t>
+              <a:t>Add URL</a:t>
+            </a:r>
+            <a:endParaRPr/>
+          </a:p>
+          <a:p>
+            <a:pPr indent="-298450" lvl="0" marL="457200" rtl="0" algn="l">
+              <a:spcBef>
+                <a:spcPts val="0"/>
+              </a:spcBef>
+              <a:spcAft>
+                <a:spcPts val="0"/>
+              </a:spcAft>
+              <a:buSzPts val="1100"/>
+              <a:buChar char="●"/>
+            </a:pPr>
+            <a:r>
+              <a:rPr lang="en"/>
+              <a:t>Change “materials’ to something along the lines of ‘Basic Building Blocks for graphical model of robot’ </a:t>
+            </a:r>
+            <a:endParaRPr/>
+          </a:p>
+          <a:p>
+            <a:pPr indent="-298450" lvl="0" marL="457200" rtl="0" algn="l">
+              <a:spcBef>
+                <a:spcPts val="0"/>
+              </a:spcBef>
+              <a:spcAft>
+                <a:spcPts val="0"/>
+              </a:spcAft>
+              <a:buSzPts val="1100"/>
+              <a:buChar char="●"/>
+            </a:pPr>
+            <a:r>
+              <a:rPr lang="en"/>
+              <a:t>Complete other 2 wheels</a:t>
+            </a:r>
+            <a:endParaRPr/>
+          </a:p>
+          <a:p>
+            <a:pPr indent="-298450" lvl="0" marL="457200" rtl="0" algn="l">
+              <a:spcBef>
+                <a:spcPts val="0"/>
+              </a:spcBef>
+              <a:spcAft>
+                <a:spcPts val="0"/>
+              </a:spcAft>
+              <a:buSzPts val="1100"/>
+              <a:buChar char="●"/>
+            </a:pPr>
+            <a:r>
+              <a:rPr lang="en"/>
+              <a:t>Define measurements of wheels/body</a:t>
+            </a:r>
+            <a:endParaRPr/>
+          </a:p>
+          <a:p>
+            <a:pPr indent="-298450" lvl="0" marL="457200" rtl="0" algn="l">
+              <a:spcBef>
+                <a:spcPts val="0"/>
+              </a:spcBef>
+              <a:spcAft>
+                <a:spcPts val="0"/>
+              </a:spcAft>
+              <a:buSzPts val="1100"/>
+              <a:buChar char="●"/>
+            </a:pPr>
+            <a:r>
+              <a:rPr lang="en"/>
+              <a:t>Can URDF be converted?</a:t>
+            </a:r>
+            <a:endParaRPr/>
+          </a:p>
+          <a:p>
+            <a:pPr indent="0" lvl="0" marL="0" rtl="0" algn="l">
+              <a:spcBef>
+                <a:spcPts val="0"/>
+              </a:spcBef>
+              <a:spcAft>
+                <a:spcPts val="0"/>
+              </a:spcAft>
+              <a:buNone/>
+            </a:pPr>
+            <a:r>
+              <a:t/>
+            </a:r>
+            <a:endParaRPr/>
+          </a:p>
+          <a:p>
+            <a:pPr indent="0" lvl="0" marL="0" rtl="0" algn="l">
+              <a:spcBef>
+                <a:spcPts val="0"/>
+              </a:spcBef>
+              <a:spcAft>
+                <a:spcPts val="0"/>
+              </a:spcAft>
+              <a:buNone/>
+            </a:pPr>
+            <a:r>
+              <a:t/>
+            </a:r>
+            <a:endParaRPr/>
+          </a:p>
+          <a:p>
+            <a:pPr indent="0" lvl="0" marL="0" rtl="0" algn="l">
+              <a:spcBef>
+                <a:spcPts val="0"/>
+              </a:spcBef>
+              <a:spcAft>
+                <a:spcPts val="0"/>
+              </a:spcAft>
+              <a:buNone/>
+            </a:pPr>
+            <a:r>
+              <a:rPr lang="en" sz="1400">
+                <a:latin typeface="Average"/>
+                <a:ea typeface="Average"/>
+                <a:cs typeface="Average"/>
+                <a:sym typeface="Average"/>
+              </a:rPr>
+              <a:t>Explain if .urdf can be converted to solidworks design file format, such as  </a:t>
+            </a:r>
+            <a:r>
+              <a:rPr b="1" lang="en"/>
+              <a:t>STEP</a:t>
+            </a:r>
+            <a:r>
+              <a:rPr lang="en"/>
+              <a:t>Probably the best of the universal file formats. Two versions are available AP203 and AP214. We can both import and export step files. The models however come in “dumb” with no feature information and no mates. https://www.cadtek.com/solidworks-file-formats/</a:t>
             </a:r>
             <a:endParaRPr/>
           </a:p>
@@ -1571,7 +1625,7 @@
   <p:cSld>
     <p:spTree>
       <p:nvGrpSpPr>
-        <p:cNvPr id="92" name="Shape 92"/>
+        <p:cNvPr id="90" name="Shape 90"/>
         <p:cNvGrpSpPr/>
         <p:nvPr/>
       </p:nvGrpSpPr>
@@ -1585,7 +1639,7 @@
       </p:grpSpPr>
       <p:sp>
         <p:nvSpPr>
-          <p:cNvPr id="93" name="Google Shape;93;g82de7da685_0_7:notes"/>
+          <p:cNvPr id="91" name="Google Shape;91;g71e2b47bf6_1_26:notes"/>
           <p:cNvSpPr/>
           <p:nvPr>
             <p:ph idx="2" type="sldImg"/>
@@ -1620,7 +1674,7 @@
       </p:sp>
       <p:sp>
         <p:nvSpPr>
-          <p:cNvPr id="94" name="Google Shape;94;g82de7da685_0_7:notes"/>
+          <p:cNvPr id="92" name="Google Shape;92;g71e2b47bf6_1_26:notes"/>
           <p:cNvSpPr txBox="1"/>
           <p:nvPr>
             <p:ph idx="1" type="body"/>
@@ -1641,120 +1695,49 @@
           </a:bodyPr>
           <a:lstStyle/>
           <a:p>
+            <a:pPr indent="-317500" lvl="1" marL="914400" rtl="0" algn="l">
+              <a:lnSpc>
+                <a:spcPct val="115000"/>
+              </a:lnSpc>
+              <a:spcBef>
+                <a:spcPts val="0"/>
+              </a:spcBef>
+              <a:spcAft>
+                <a:spcPts val="0"/>
+              </a:spcAft>
+              <a:buClr>
+                <a:schemeClr val="dk1"/>
+              </a:buClr>
+              <a:buSzPts val="1400"/>
+              <a:buFont typeface="Average"/>
+              <a:buChar char="○"/>
+            </a:pPr>
+            <a:r>
+              <a:rPr i="1" lang="en" sz="1400">
+                <a:solidFill>
+                  <a:schemeClr val="dk1"/>
+                </a:solidFill>
+                <a:latin typeface="Average"/>
+                <a:ea typeface="Average"/>
+                <a:cs typeface="Average"/>
+                <a:sym typeface="Average"/>
+              </a:rPr>
+              <a:t> and 2. Save and exprot the file; 3. Convert the file to STEP forma. And other format for 3D editing and 3D printing ? such as STL file format? </a:t>
+            </a:r>
+            <a:endParaRPr i="1" sz="1400">
+              <a:solidFill>
+                <a:schemeClr val="dk1"/>
+              </a:solidFill>
+              <a:latin typeface="Average"/>
+              <a:ea typeface="Average"/>
+              <a:cs typeface="Average"/>
+              <a:sym typeface="Average"/>
+            </a:endParaRPr>
+          </a:p>
+          <a:p>
             <a:pPr indent="0" lvl="0" marL="0" rtl="0" algn="l">
               <a:spcBef>
-                <a:spcPts val="0"/>
-              </a:spcBef>
-              <a:spcAft>
-                <a:spcPts val="0"/>
-              </a:spcAft>
-              <a:buNone/>
-            </a:pPr>
-            <a:r>
-              <a:rPr lang="en"/>
-              <a:t>LIdar Data format = ?</a:t>
-            </a:r>
-            <a:endParaRPr/>
-          </a:p>
-          <a:p>
-            <a:pPr indent="0" lvl="0" marL="0" rtl="0" algn="l">
-              <a:spcBef>
-                <a:spcPts val="0"/>
-              </a:spcBef>
-              <a:spcAft>
-                <a:spcPts val="0"/>
-              </a:spcAft>
-              <a:buNone/>
-            </a:pPr>
-            <a:r>
-              <a:rPr lang="en"/>
-              <a:t>Delete #1 or combine bullet bullets 1,2, and 3</a:t>
-            </a:r>
-            <a:endParaRPr/>
-          </a:p>
-          <a:p>
-            <a:pPr indent="0" lvl="0" marL="0" rtl="0" algn="l">
-              <a:spcBef>
-                <a:spcPts val="0"/>
-              </a:spcBef>
-              <a:spcAft>
-                <a:spcPts val="0"/>
-              </a:spcAft>
-              <a:buNone/>
-            </a:pPr>
-            <a:r>
-              <a:rPr lang="en"/>
-              <a:t>Explain pts to pcd in this slide</a:t>
-            </a:r>
-            <a:endParaRPr/>
-          </a:p>
-          <a:p>
-            <a:pPr indent="0" lvl="0" marL="0" rtl="0" algn="l">
-              <a:spcBef>
-                <a:spcPts val="0"/>
-              </a:spcBef>
-              <a:spcAft>
-                <a:spcPts val="0"/>
-              </a:spcAft>
-              <a:buNone/>
-            </a:pPr>
-            <a:r>
-              <a:rPr lang="en"/>
-              <a:t>Explain about how rosrun is executable after installing ROS</a:t>
-            </a:r>
-            <a:endParaRPr/>
-          </a:p>
-          <a:p>
-            <a:pPr indent="0" lvl="0" marL="0" rtl="0" algn="l">
-              <a:spcBef>
-                <a:spcPts val="0"/>
-              </a:spcBef>
-              <a:spcAft>
-                <a:spcPts val="0"/>
-              </a:spcAft>
-              <a:buNone/>
-            </a:pPr>
-            <a:r>
-              <a:rPr lang="en"/>
-              <a:t>Do screen capture of running commands</a:t>
-            </a:r>
-            <a:endParaRPr/>
-          </a:p>
-          <a:p>
-            <a:pPr indent="0" lvl="0" marL="0" rtl="0" algn="l">
-              <a:spcBef>
-                <a:spcPts val="0"/>
-              </a:spcBef>
-              <a:spcAft>
-                <a:spcPts val="0"/>
-              </a:spcAft>
-              <a:buNone/>
-            </a:pPr>
-            <a:r>
-              <a:rPr lang="en"/>
-              <a:t>Specify that step c is not from command line</a:t>
-            </a:r>
-            <a:endParaRPr/>
-          </a:p>
-          <a:p>
-            <a:pPr indent="0" lvl="0" marL="0" rtl="0" algn="l">
-              <a:spcBef>
-                <a:spcPts val="0"/>
-              </a:spcBef>
-              <a:spcAft>
-                <a:spcPts val="0"/>
-              </a:spcAft>
-              <a:buNone/>
-            </a:pPr>
-            <a:r>
-              <a:t/>
-            </a:r>
-            <a:endParaRPr/>
-          </a:p>
-          <a:p>
-            <a:pPr indent="0" lvl="0" marL="0" rtl="0" algn="l">
-              <a:spcBef>
-                <a:spcPts val="0"/>
+                <a:spcPts val="1600"/>
               </a:spcBef>
               <a:spcAft>
                 <a:spcPts val="0"/>
@@ -1795,7 +1778,7 @@
       </p:grpSpPr>
       <p:sp>
         <p:nvSpPr>
-          <p:cNvPr id="99" name="Google Shape;99;g725e25efa5_0_0:notes"/>
+          <p:cNvPr id="99" name="Google Shape;99;g7fe7cfadbe_2_26:notes"/>
           <p:cNvSpPr/>
           <p:nvPr>
             <p:ph idx="2" type="sldImg"/>
@@ -1830,7 +1813,7 @@
       </p:sp>
       <p:sp>
         <p:nvSpPr>
-          <p:cNvPr id="100" name="Google Shape;100;g725e25efa5_0_0:notes"/>
+          <p:cNvPr id="100" name="Google Shape;100;g7fe7cfadbe_2_26:notes"/>
           <p:cNvSpPr txBox="1"/>
           <p:nvPr>
             <p:ph idx="1" type="body"/>
@@ -1851,9 +1834,49 @@
           </a:bodyPr>
           <a:lstStyle/>
           <a:p>
+            <a:pPr indent="-317500" lvl="1" marL="914400" rtl="0" algn="l">
+              <a:lnSpc>
+                <a:spcPct val="115000"/>
+              </a:lnSpc>
+              <a:spcBef>
+                <a:spcPts val="0"/>
+              </a:spcBef>
+              <a:spcAft>
+                <a:spcPts val="0"/>
+              </a:spcAft>
+              <a:buClr>
+                <a:schemeClr val="dk1"/>
+              </a:buClr>
+              <a:buSzPts val="1400"/>
+              <a:buFont typeface="Average"/>
+              <a:buChar char="○"/>
+            </a:pPr>
+            <a:r>
+              <a:rPr i="1" lang="en" sz="1400">
+                <a:solidFill>
+                  <a:schemeClr val="dk1"/>
+                </a:solidFill>
+                <a:latin typeface="Average"/>
+                <a:ea typeface="Average"/>
+                <a:cs typeface="Average"/>
+                <a:sym typeface="Average"/>
+              </a:rPr>
+              <a:t> and 2. Save and exprot the file; 3. Convert the file to STEP forma. And other format for 3D editing and 3D printing ? such as STL file format? </a:t>
+            </a:r>
+            <a:endParaRPr i="1" sz="1400">
+              <a:solidFill>
+                <a:schemeClr val="dk1"/>
+              </a:solidFill>
+              <a:latin typeface="Average"/>
+              <a:ea typeface="Average"/>
+              <a:cs typeface="Average"/>
+              <a:sym typeface="Average"/>
+            </a:endParaRPr>
+          </a:p>
+          <a:p>
             <a:pPr indent="0" lvl="0" marL="0" rtl="0" algn="l">
               <a:spcBef>
-                <a:spcPts val="0"/>
+                <a:spcPts val="1600"/>
               </a:spcBef>
               <a:spcAft>
                 <a:spcPts val="0"/>
@@ -1880,7 +1903,7 @@
   <p:cSld>
     <p:spTree>
       <p:nvGrpSpPr>
-        <p:cNvPr id="104" name="Shape 104"/>
+        <p:cNvPr id="107" name="Shape 107"/>
         <p:cNvGrpSpPr/>
         <p:nvPr/>
       </p:nvGrpSpPr>
@@ -1894,7 +1917,7 @@
       </p:grpSpPr>
       <p:sp>
         <p:nvSpPr>
-          <p:cNvPr id="105" name="Google Shape;105;g83ae6afe23_0_0:notes"/>
+          <p:cNvPr id="108" name="Google Shape;108;g71e2b47bf6_1_5:notes"/>
           <p:cNvSpPr/>
           <p:nvPr>
             <p:ph idx="2" type="sldImg"/>
@@ -1929,7 +1952,7 @@
       </p:sp>
       <p:sp>
         <p:nvSpPr>
-          <p:cNvPr id="106" name="Google Shape;106;g83ae6afe23_0_0:notes"/>
+          <p:cNvPr id="109" name="Google Shape;109;g71e2b47bf6_1_5:notes"/>
           <p:cNvSpPr txBox="1"/>
           <p:nvPr>
             <p:ph idx="1" type="body"/>
@@ -1960,6 +1983,150 @@
               <a:buNone/>
             </a:pPr>
             <a:r>
+              <a:rPr lang="en"/>
+              <a:t>LIdar Data format = ?</a:t>
+            </a:r>
+            <a:endParaRPr/>
+          </a:p>
+          <a:p>
+            <a:pPr indent="0" lvl="0" marL="0" rtl="0" algn="l">
+              <a:spcBef>
+                <a:spcPts val="0"/>
+              </a:spcBef>
+              <a:spcAft>
+                <a:spcPts val="0"/>
+              </a:spcAft>
+              <a:buNone/>
+            </a:pPr>
+            <a:r>
+              <a:rPr lang="en"/>
+              <a:t>Delete #1 or combine bullet bullets 1,2, and 3</a:t>
+            </a:r>
+            <a:endParaRPr/>
+          </a:p>
+          <a:p>
+            <a:pPr indent="0" lvl="0" marL="0" rtl="0" algn="l">
+              <a:spcBef>
+                <a:spcPts val="0"/>
+              </a:spcBef>
+              <a:spcAft>
+                <a:spcPts val="0"/>
+              </a:spcAft>
+              <a:buNone/>
+            </a:pPr>
+            <a:r>
+              <a:rPr lang="en"/>
+              <a:t>Explain pts to pcd in this slide</a:t>
+            </a:r>
+            <a:endParaRPr/>
+          </a:p>
+          <a:p>
+            <a:pPr indent="0" lvl="0" marL="0" rtl="0" algn="l">
+              <a:spcBef>
+                <a:spcPts val="0"/>
+              </a:spcBef>
+              <a:spcAft>
+                <a:spcPts val="0"/>
+              </a:spcAft>
+              <a:buNone/>
+            </a:pPr>
+            <a:r>
+              <a:rPr lang="en"/>
+              <a:t>Explain about how rosrun is executable after installing ROS</a:t>
+            </a:r>
+            <a:endParaRPr/>
+          </a:p>
+          <a:p>
+            <a:pPr indent="0" lvl="0" marL="0" rtl="0" algn="l">
+              <a:spcBef>
+                <a:spcPts val="0"/>
+              </a:spcBef>
+              <a:spcAft>
+                <a:spcPts val="0"/>
+              </a:spcAft>
+              <a:buNone/>
+            </a:pPr>
+            <a:r>
+              <a:rPr lang="en"/>
+              <a:t>Do screen capture of running commands</a:t>
+            </a:r>
+            <a:endParaRPr/>
+          </a:p>
+          <a:p>
+            <a:pPr indent="0" lvl="0" marL="0" rtl="0" algn="l">
+              <a:spcBef>
+                <a:spcPts val="0"/>
+              </a:spcBef>
+              <a:spcAft>
+                <a:spcPts val="0"/>
+              </a:spcAft>
+              <a:buNone/>
+            </a:pPr>
+            <a:r>
+              <a:rPr lang="en"/>
+              <a:t>Specify that step c is not from command line</a:t>
+            </a:r>
+            <a:endParaRPr/>
+          </a:p>
+          <a:p>
+            <a:pPr indent="0" lvl="0" marL="0" rtl="0" algn="l">
+              <a:spcBef>
+                <a:spcPts val="0"/>
+              </a:spcBef>
+              <a:spcAft>
+                <a:spcPts val="0"/>
+              </a:spcAft>
+              <a:buNone/>
+            </a:pPr>
+            <a:r>
+              <a:t/>
+            </a:r>
+            <a:endParaRPr/>
+          </a:p>
+          <a:p>
+            <a:pPr indent="0" lvl="0" marL="0" rtl="0" algn="l">
+              <a:spcBef>
+                <a:spcPts val="0"/>
+              </a:spcBef>
+              <a:spcAft>
+                <a:spcPts val="0"/>
+              </a:spcAft>
+              <a:buNone/>
+            </a:pPr>
+            <a:r>
+              <a:rPr lang="en"/>
+              <a:t>4/17: Provide link for a wiki to a .pts file wiki</a:t>
+            </a:r>
+            <a:endParaRPr/>
+          </a:p>
+          <a:p>
+            <a:pPr indent="-298450" lvl="0" marL="457200" rtl="0" algn="l">
+              <a:spcBef>
+                <a:spcPts val="0"/>
+              </a:spcBef>
+              <a:spcAft>
+                <a:spcPts val="0"/>
+              </a:spcAft>
+              <a:buSzPts val="1100"/>
+              <a:buChar char="●"/>
+            </a:pPr>
+            <a:r>
+              <a:rPr lang="en"/>
+              <a:t>For #2: Mention .pts is required by ROS</a:t>
+            </a:r>
+            <a:endParaRPr/>
+          </a:p>
+          <a:p>
+            <a:pPr indent="0" lvl="0" marL="0" rtl="0" algn="l">
+              <a:spcBef>
+                <a:spcPts val="0"/>
+              </a:spcBef>
+              <a:spcAft>
+                <a:spcPts val="0"/>
+              </a:spcAft>
+              <a:buNone/>
+            </a:pPr>
+            <a:r>
               <a:t/>
             </a:r>
             <a:endParaRPr/>
@@ -1979,7 +2146,7 @@
   <p:cSld>
     <p:spTree>
       <p:nvGrpSpPr>
-        <p:cNvPr id="109" name="Shape 109"/>
+        <p:cNvPr id="113" name="Shape 113"/>
         <p:cNvGrpSpPr/>
         <p:nvPr/>
       </p:nvGrpSpPr>
@@ -1993,7 +2160,7 @@
       </p:grpSpPr>
       <p:sp>
         <p:nvSpPr>
-          <p:cNvPr id="110" name="Google Shape;110;g71e2b47bf6_0_90:notes"/>
+          <p:cNvPr id="114" name="Google Shape;114;g82de7da685_0_7:notes"/>
           <p:cNvSpPr/>
           <p:nvPr>
             <p:ph idx="2" type="sldImg"/>
@@ -2028,7 +2195,7 @@
       </p:sp>
       <p:sp>
         <p:nvSpPr>
-          <p:cNvPr id="111" name="Google Shape;111;g71e2b47bf6_0_90:notes"/>
+          <p:cNvPr id="115" name="Google Shape;115;g82de7da685_0_7:notes"/>
           <p:cNvSpPr txBox="1"/>
           <p:nvPr>
             <p:ph idx="1" type="body"/>
@@ -2048,6 +2215,117 @@
             <a:noAutofit/>
           </a:bodyPr>
           <a:lstStyle/>
+          <a:p>
+            <a:pPr indent="0" lvl="0" marL="0" rtl="0" algn="l">
+              <a:spcBef>
+                <a:spcPts val="0"/>
+              </a:spcBef>
+              <a:spcAft>
+                <a:spcPts val="0"/>
+              </a:spcAft>
+              <a:buNone/>
+            </a:pPr>
+            <a:r>
+              <a:rPr lang="en"/>
+              <a:t>LIdar Data format = ?</a:t>
+            </a:r>
+            <a:endParaRPr/>
+          </a:p>
+          <a:p>
+            <a:pPr indent="0" lvl="0" marL="0" rtl="0" algn="l">
+              <a:spcBef>
+                <a:spcPts val="0"/>
+              </a:spcBef>
+              <a:spcAft>
+                <a:spcPts val="0"/>
+              </a:spcAft>
+              <a:buNone/>
+            </a:pPr>
+            <a:r>
+              <a:rPr lang="en"/>
+              <a:t>Delete #1 or combine bullet bullets 1,2, and 3</a:t>
+            </a:r>
+            <a:endParaRPr/>
+          </a:p>
+          <a:p>
+            <a:pPr indent="0" lvl="0" marL="0" rtl="0" algn="l">
+              <a:spcBef>
+                <a:spcPts val="0"/>
+              </a:spcBef>
+              <a:spcAft>
+                <a:spcPts val="0"/>
+              </a:spcAft>
+              <a:buNone/>
+            </a:pPr>
+            <a:r>
+              <a:rPr lang="en"/>
+              <a:t>Explain pts to pcd in this slide</a:t>
+            </a:r>
+            <a:endParaRPr/>
+          </a:p>
+          <a:p>
+            <a:pPr indent="0" lvl="0" marL="0" rtl="0" algn="l">
+              <a:spcBef>
+                <a:spcPts val="0"/>
+              </a:spcBef>
+              <a:spcAft>
+                <a:spcPts val="0"/>
+              </a:spcAft>
+              <a:buNone/>
+            </a:pPr>
+            <a:r>
+              <a:rPr lang="en"/>
+              <a:t>Explain about how rosrun is executable after installing ROS</a:t>
+            </a:r>
+            <a:endParaRPr/>
+          </a:p>
+          <a:p>
+            <a:pPr indent="0" lvl="0" marL="0" rtl="0" algn="l">
+              <a:spcBef>
+                <a:spcPts val="0"/>
+              </a:spcBef>
+              <a:spcAft>
+                <a:spcPts val="0"/>
+              </a:spcAft>
+              <a:buNone/>
+            </a:pPr>
+            <a:r>
+              <a:rPr lang="en"/>
+              <a:t>Do screen capture of running commands</a:t>
+            </a:r>
+            <a:endParaRPr/>
+          </a:p>
+          <a:p>
+            <a:pPr indent="0" lvl="0" marL="0" rtl="0" algn="l">
+              <a:spcBef>
+                <a:spcPts val="0"/>
+              </a:spcBef>
+              <a:spcAft>
+                <a:spcPts val="0"/>
+              </a:spcAft>
+              <a:buNone/>
+            </a:pPr>
+            <a:r>
+              <a:rPr lang="en"/>
+              <a:t>Specify that step c is not from command line</a:t>
+            </a:r>
+            <a:endParaRPr/>
+          </a:p>
+          <a:p>
+            <a:pPr indent="0" lvl="0" marL="0" rtl="0" algn="l">
+              <a:spcBef>
+                <a:spcPts val="0"/>
+              </a:spcBef>
+              <a:spcAft>
+                <a:spcPts val="0"/>
+              </a:spcAft>
+              <a:buNone/>
+            </a:pPr>
+            <a:r>
+              <a:t/>
+            </a:r>
+            <a:endParaRPr/>
+          </a:p>
           <a:p>
             <a:pPr indent="0" lvl="0" marL="0" rtl="0" algn="l">
               <a:spcBef>
@@ -7670,6 +7948,360 @@
 </p:sld>
 </file>
 
+<file path=ppt/slides/slide10.xml><?xml version="1.0" encoding="utf-8"?>
+<p:sld xmlns:a="http://schemas.openxmlformats.org/drawingml/2006/main" xmlns:r="http://schemas.openxmlformats.org/officeDocument/2006/relationships" xmlns:mc="http://schemas.openxmlformats.org/markup-compatibility/2006" xmlns:mv="urn:schemas-microsoft-com:mac:vml" xmlns:p="http://schemas.openxmlformats.org/presentationml/2006/main" xmlns:c="http://schemas.openxmlformats.org/drawingml/2006/chart" xmlns:dgm="http://schemas.openxmlformats.org/drawingml/2006/diagram" xmlns:o="urn:schemas-microsoft-com:office:office" xmlns:v="urn:schemas-microsoft-com:vml" xmlns:pvml="urn:schemas-microsoft-com:office:powerpoint" xmlns:com="http://schemas.openxmlformats.org/drawingml/2006/compatibility" xmlns:p14="http://schemas.microsoft.com/office/powerpoint/2010/main" xmlns:p15="http://schemas.microsoft.com/office/powerpoint/2012/main">
+  <p:cSld>
+    <p:spTree>
+      <p:nvGrpSpPr>
+        <p:cNvPr id="122" name="Shape 122"/>
+        <p:cNvGrpSpPr/>
+        <p:nvPr/>
+      </p:nvGrpSpPr>
+      <p:grpSpPr>
+        <a:xfrm>
+          <a:off x="0" y="0"/>
+          <a:ext cx="0" cy="0"/>
+          <a:chOff x="0" y="0"/>
+          <a:chExt cx="0" cy="0"/>
+        </a:xfrm>
+      </p:grpSpPr>
+      <p:sp>
+        <p:nvSpPr>
+          <p:cNvPr id="123" name="Google Shape;123;p22"/>
+          <p:cNvSpPr txBox="1"/>
+          <p:nvPr>
+            <p:ph idx="1" type="subTitle"/>
+          </p:nvPr>
+        </p:nvSpPr>
+        <p:spPr>
+          <a:xfrm>
+            <a:off x="6080075" y="74250"/>
+            <a:ext cx="3316500" cy="4995000"/>
+          </a:xfrm>
+          <a:prstGeom prst="rect">
+            <a:avLst/>
+          </a:prstGeom>
+        </p:spPr>
+        <p:txBody>
+          <a:bodyPr anchorCtr="0" anchor="t" bIns="91425" lIns="91425" spcFirstLastPara="1" rIns="91425" wrap="square" tIns="91425">
+            <a:noAutofit/>
+          </a:bodyPr>
+          <a:lstStyle/>
+          <a:p>
+            <a:pPr indent="0" lvl="0" marL="0" rtl="0" algn="ctr">
+              <a:spcBef>
+                <a:spcPts val="0"/>
+              </a:spcBef>
+              <a:spcAft>
+                <a:spcPts val="0"/>
+              </a:spcAft>
+              <a:buNone/>
+            </a:pPr>
+            <a:r>
+              <a:rPr lang="en"/>
+              <a:t>World: (0, 0)</a:t>
+            </a:r>
+            <a:endParaRPr/>
+          </a:p>
+          <a:p>
+            <a:pPr indent="0" lvl="0" marL="0" rtl="0" algn="ctr">
+              <a:spcBef>
+                <a:spcPts val="0"/>
+              </a:spcBef>
+              <a:spcAft>
+                <a:spcPts val="0"/>
+              </a:spcAft>
+              <a:buNone/>
+            </a:pPr>
+            <a:r>
+              <a:rPr lang="en"/>
+              <a:t>M1:(3.72, -0.792)</a:t>
+            </a:r>
+            <a:endParaRPr/>
+          </a:p>
+          <a:p>
+            <a:pPr indent="0" lvl="0" marL="0" rtl="0" algn="ctr">
+              <a:spcBef>
+                <a:spcPts val="0"/>
+              </a:spcBef>
+              <a:spcAft>
+                <a:spcPts val="0"/>
+              </a:spcAft>
+              <a:buNone/>
+            </a:pPr>
+            <a:r>
+              <a:rPr lang="en"/>
+              <a:t>M2: (3.69, 0.913)</a:t>
+            </a:r>
+            <a:endParaRPr/>
+          </a:p>
+          <a:p>
+            <a:pPr indent="0" lvl="0" marL="0" rtl="0" algn="ctr">
+              <a:spcBef>
+                <a:spcPts val="0"/>
+              </a:spcBef>
+              <a:spcAft>
+                <a:spcPts val="0"/>
+              </a:spcAft>
+              <a:buNone/>
+            </a:pPr>
+            <a:r>
+              <a:rPr lang="en"/>
+              <a:t>M3: (9.34, -0.626)</a:t>
+            </a:r>
+            <a:endParaRPr/>
+          </a:p>
+          <a:p>
+            <a:pPr indent="0" lvl="0" marL="0" rtl="0" algn="ctr">
+              <a:spcBef>
+                <a:spcPts val="0"/>
+              </a:spcBef>
+              <a:spcAft>
+                <a:spcPts val="0"/>
+              </a:spcAft>
+              <a:buNone/>
+            </a:pPr>
+            <a:r>
+              <a:rPr lang="en"/>
+              <a:t>M4: (9.31, 0.347)</a:t>
+            </a:r>
+            <a:endParaRPr/>
+          </a:p>
+          <a:p>
+            <a:pPr indent="0" lvl="0" marL="0" rtl="0" algn="ctr">
+              <a:spcBef>
+                <a:spcPts val="0"/>
+              </a:spcBef>
+              <a:spcAft>
+                <a:spcPts val="0"/>
+              </a:spcAft>
+              <a:buNone/>
+            </a:pPr>
+            <a:r>
+              <a:rPr lang="en"/>
+              <a:t>M5: (9.23, 1.47)</a:t>
+            </a:r>
+            <a:endParaRPr/>
+          </a:p>
+          <a:p>
+            <a:pPr indent="0" lvl="0" marL="0" rtl="0" algn="ctr">
+              <a:spcBef>
+                <a:spcPts val="0"/>
+              </a:spcBef>
+              <a:spcAft>
+                <a:spcPts val="0"/>
+              </a:spcAft>
+              <a:buNone/>
+            </a:pPr>
+            <a:r>
+              <a:rPr lang="en"/>
+              <a:t>M6: (9.11, 3.18)</a:t>
+            </a:r>
+            <a:endParaRPr/>
+          </a:p>
+          <a:p>
+            <a:pPr indent="0" lvl="0" marL="0" rtl="0" algn="ctr">
+              <a:spcBef>
+                <a:spcPts val="0"/>
+              </a:spcBef>
+              <a:spcAft>
+                <a:spcPts val="0"/>
+              </a:spcAft>
+              <a:buNone/>
+            </a:pPr>
+            <a:r>
+              <a:rPr lang="en"/>
+              <a:t>M7: (10.4, 0.567)</a:t>
+            </a:r>
+            <a:endParaRPr/>
+          </a:p>
+          <a:p>
+            <a:pPr indent="0" lvl="0" marL="0" rtl="0" algn="ctr">
+              <a:spcBef>
+                <a:spcPts val="0"/>
+              </a:spcBef>
+              <a:spcAft>
+                <a:spcPts val="0"/>
+              </a:spcAft>
+              <a:buNone/>
+            </a:pPr>
+            <a:r>
+              <a:rPr lang="en"/>
+              <a:t>M8: (12.2, 0.567)</a:t>
+            </a:r>
+            <a:endParaRPr/>
+          </a:p>
+          <a:p>
+            <a:pPr indent="0" lvl="0" marL="0" rtl="0" algn="ctr">
+              <a:spcBef>
+                <a:spcPts val="0"/>
+              </a:spcBef>
+              <a:spcAft>
+                <a:spcPts val="0"/>
+              </a:spcAft>
+              <a:buNone/>
+            </a:pPr>
+            <a:r>
+              <a:rPr lang="en"/>
+              <a:t>M9: (14.6 0.773)</a:t>
+            </a:r>
+            <a:endParaRPr/>
+          </a:p>
+          <a:p>
+            <a:pPr indent="0" lvl="0" marL="0" rtl="0" algn="ctr">
+              <a:spcBef>
+                <a:spcPts val="0"/>
+              </a:spcBef>
+              <a:spcAft>
+                <a:spcPts val="0"/>
+              </a:spcAft>
+              <a:buNone/>
+            </a:pPr>
+            <a:r>
+              <a:rPr lang="en"/>
+              <a:t>M10: (15.4, 0.788)</a:t>
+            </a:r>
+            <a:endParaRPr/>
+          </a:p>
+          <a:p>
+            <a:pPr indent="0" lvl="0" marL="0" rtl="0" algn="ctr">
+              <a:spcBef>
+                <a:spcPts val="0"/>
+              </a:spcBef>
+              <a:spcAft>
+                <a:spcPts val="0"/>
+              </a:spcAft>
+              <a:buNone/>
+            </a:pPr>
+            <a:r>
+              <a:rPr lang="en"/>
+              <a:t>M11: (15.9, 0.856)</a:t>
+            </a:r>
+            <a:endParaRPr/>
+          </a:p>
+          <a:p>
+            <a:pPr indent="0" lvl="0" marL="0" rtl="0" algn="ctr">
+              <a:spcBef>
+                <a:spcPts val="0"/>
+              </a:spcBef>
+              <a:spcAft>
+                <a:spcPts val="0"/>
+              </a:spcAft>
+              <a:buNone/>
+            </a:pPr>
+            <a:r>
+              <a:rPr lang="en"/>
+              <a:t>M12: (16.8, 0.857)</a:t>
+            </a:r>
+            <a:endParaRPr/>
+          </a:p>
+          <a:p>
+            <a:pPr indent="0" lvl="0" marL="0" rtl="0" algn="ctr">
+              <a:spcBef>
+                <a:spcPts val="0"/>
+              </a:spcBef>
+              <a:spcAft>
+                <a:spcPts val="0"/>
+              </a:spcAft>
+              <a:buNone/>
+            </a:pPr>
+            <a:r>
+              <a:rPr lang="en"/>
+              <a:t>SCALE 1 Unit= 1 meter</a:t>
+            </a:r>
+            <a:endParaRPr/>
+          </a:p>
+        </p:txBody>
+      </p:sp>
+      <p:pic>
+        <p:nvPicPr>
+          <p:cNvPr id="124" name="Google Shape;124;p22"/>
+          <p:cNvPicPr preferRelativeResize="0"/>
+          <p:nvPr/>
+        </p:nvPicPr>
+        <p:blipFill>
+          <a:blip r:embed="rId3">
+            <a:alphaModFix/>
+          </a:blip>
+          <a:stretch>
+            <a:fillRect/>
+          </a:stretch>
+        </p:blipFill>
+        <p:spPr>
+          <a:xfrm>
+            <a:off x="103150" y="175853"/>
+            <a:ext cx="5799999" cy="2679950"/>
+          </a:xfrm>
+          <a:prstGeom prst="rect">
+            <a:avLst/>
+          </a:prstGeom>
+          <a:noFill/>
+          <a:ln>
+            <a:noFill/>
+          </a:ln>
+        </p:spPr>
+      </p:pic>
+    </p:spTree>
+  </p:cSld>
+  <p:clrMapOvr>
+    <a:masterClrMapping/>
+  </p:clrMapOvr>
+</p:sld>
+</file>
+
+<file path=ppt/slides/slide11.xml><?xml version="1.0" encoding="utf-8"?>
+<p:sld xmlns:a="http://schemas.openxmlformats.org/drawingml/2006/main" xmlns:r="http://schemas.openxmlformats.org/officeDocument/2006/relationships" xmlns:mc="http://schemas.openxmlformats.org/markup-compatibility/2006" xmlns:mv="urn:schemas-microsoft-com:mac:vml" xmlns:p="http://schemas.openxmlformats.org/presentationml/2006/main" xmlns:c="http://schemas.openxmlformats.org/drawingml/2006/chart" xmlns:dgm="http://schemas.openxmlformats.org/drawingml/2006/diagram" xmlns:o="urn:schemas-microsoft-com:office:office" xmlns:v="urn:schemas-microsoft-com:vml" xmlns:pvml="urn:schemas-microsoft-com:office:powerpoint" xmlns:com="http://schemas.openxmlformats.org/drawingml/2006/compatibility" xmlns:p14="http://schemas.microsoft.com/office/powerpoint/2010/main" xmlns:p15="http://schemas.microsoft.com/office/powerpoint/2012/main">
+  <p:cSld>
+    <p:spTree>
+      <p:nvGrpSpPr>
+        <p:cNvPr id="128" name="Shape 128"/>
+        <p:cNvGrpSpPr/>
+        <p:nvPr/>
+      </p:nvGrpSpPr>
+      <p:grpSpPr>
+        <a:xfrm>
+          <a:off x="0" y="0"/>
+          <a:ext cx="0" cy="0"/>
+          <a:chOff x="0" y="0"/>
+          <a:chExt cx="0" cy="0"/>
+        </a:xfrm>
+      </p:grpSpPr>
+      <p:pic>
+        <p:nvPicPr>
+          <p:cNvPr id="129" name="Google Shape;129;p23"/>
+          <p:cNvPicPr preferRelativeResize="0"/>
+          <p:nvPr/>
+        </p:nvPicPr>
+        <p:blipFill>
+          <a:blip r:embed="rId3">
+            <a:alphaModFix/>
+          </a:blip>
+          <a:stretch>
+            <a:fillRect/>
+          </a:stretch>
+        </p:blipFill>
+        <p:spPr>
+          <a:xfrm>
+            <a:off x="1280438" y="558950"/>
+            <a:ext cx="6583125" cy="4108500"/>
+          </a:xfrm>
+          <a:prstGeom prst="rect">
+            <a:avLst/>
+          </a:prstGeom>
+          <a:noFill/>
+          <a:ln>
+            <a:noFill/>
+          </a:ln>
+        </p:spPr>
+      </p:pic>
+    </p:spTree>
+  </p:cSld>
+  <p:clrMapOvr>
+    <a:masterClrMapping/>
+  </p:clrMapOvr>
+</p:sld>
+</file>
+
 <file path=ppt/slides/slide2.xml><?xml version="1.0" encoding="utf-8"?>
 <p:sld xmlns:a="http://schemas.openxmlformats.org/drawingml/2006/main" xmlns:r="http://schemas.openxmlformats.org/officeDocument/2006/relationships" xmlns:mc="http://schemas.openxmlformats.org/markup-compatibility/2006" xmlns:mv="urn:schemas-microsoft-com:mac:vml" xmlns:p="http://schemas.openxmlformats.org/presentationml/2006/main" xmlns:c="http://schemas.openxmlformats.org/drawingml/2006/chart" xmlns:dgm="http://schemas.openxmlformats.org/drawingml/2006/diagram" xmlns:o="urn:schemas-microsoft-com:office:office" xmlns:v="urn:schemas-microsoft-com:vml" xmlns:pvml="urn:schemas-microsoft-com:office:powerpoint" xmlns:com="http://schemas.openxmlformats.org/drawingml/2006/compatibility" xmlns:p14="http://schemas.microsoft.com/office/powerpoint/2010/main" xmlns:p15="http://schemas.microsoft.com/office/powerpoint/2012/main">
   <p:cSld>
@@ -7720,10 +8352,10 @@
               <a:buNone/>
             </a:pPr>
             <a:r>
-              <a:rPr lang="en" sz="2800"/>
+              <a:rPr lang="en" sz="2400"/>
               <a:t>Robotics Operating System(ROS) Development Environment Setup</a:t>
             </a:r>
-            <a:endParaRPr sz="2800"/>
+            <a:endParaRPr sz="2400"/>
           </a:p>
           <a:p>
             <a:pPr indent="0" lvl="0" marL="0" rtl="0" algn="l">
@@ -7738,13 +8370,607 @@
             <a:r>
               <a:t/>
             </a:r>
-            <a:endParaRPr sz="2800"/>
+            <a:endParaRPr sz="2400"/>
           </a:p>
         </p:txBody>
       </p:sp>
       <p:sp>
         <p:nvSpPr>
           <p:cNvPr id="65" name="Google Shape;65;p14"/>
+          <p:cNvSpPr txBox="1"/>
+          <p:nvPr>
+            <p:ph idx="1" type="body"/>
+          </p:nvPr>
+        </p:nvSpPr>
+        <p:spPr>
+          <a:xfrm>
+            <a:off x="159300" y="1118800"/>
+            <a:ext cx="6300000" cy="3754800"/>
+          </a:xfrm>
+          <a:prstGeom prst="rect">
+            <a:avLst/>
+          </a:prstGeom>
+        </p:spPr>
+        <p:txBody>
+          <a:bodyPr anchorCtr="0" anchor="t" bIns="91425" lIns="91425" spcFirstLastPara="1" rIns="91425" wrap="square" tIns="91425">
+            <a:noAutofit/>
+          </a:bodyPr>
+          <a:lstStyle/>
+          <a:p>
+            <a:pPr indent="-342900" lvl="0" marL="457200" rtl="0" algn="l">
+              <a:spcBef>
+                <a:spcPts val="0"/>
+              </a:spcBef>
+              <a:spcAft>
+                <a:spcPts val="0"/>
+              </a:spcAft>
+              <a:buClr>
+                <a:srgbClr val="FFFFFF"/>
+              </a:buClr>
+              <a:buSzPts val="1800"/>
+              <a:buAutoNum type="arabicPeriod"/>
+            </a:pPr>
+            <a:r>
+              <a:rPr lang="en">
+                <a:solidFill>
+                  <a:srgbClr val="FFFFFF"/>
+                </a:solidFill>
+              </a:rPr>
+              <a:t>Ubuntu 16.04 or 18.04</a:t>
+            </a:r>
+            <a:endParaRPr>
+              <a:solidFill>
+                <a:srgbClr val="FFFFFF"/>
+              </a:solidFill>
+            </a:endParaRPr>
+          </a:p>
+          <a:p>
+            <a:pPr indent="-292100" lvl="0" marL="457200" rtl="0" algn="l">
+              <a:spcBef>
+                <a:spcPts val="0"/>
+              </a:spcBef>
+              <a:spcAft>
+                <a:spcPts val="0"/>
+              </a:spcAft>
+              <a:buSzPts val="1000"/>
+              <a:buChar char="●"/>
+            </a:pPr>
+            <a:r>
+              <a:rPr lang="en" sz="1000">
+                <a:solidFill>
+                  <a:schemeClr val="dk1"/>
+                </a:solidFill>
+              </a:rPr>
+              <a:t>Download and Install Ubuntu: </a:t>
+            </a:r>
+            <a:endParaRPr sz="1000">
+              <a:solidFill>
+                <a:schemeClr val="dk1"/>
+              </a:solidFill>
+            </a:endParaRPr>
+          </a:p>
+          <a:p>
+            <a:pPr indent="-292100" lvl="1" marL="914400" rtl="0" algn="l">
+              <a:spcBef>
+                <a:spcPts val="0"/>
+              </a:spcBef>
+              <a:spcAft>
+                <a:spcPts val="0"/>
+              </a:spcAft>
+              <a:buSzPts val="1000"/>
+              <a:buChar char="○"/>
+            </a:pPr>
+            <a:r>
+              <a:rPr lang="en" sz="1000" u="sng">
+                <a:solidFill>
+                  <a:schemeClr val="hlink"/>
+                </a:solidFill>
+                <a:hlinkClick r:id="rId3"/>
+              </a:rPr>
+              <a:t>http://releases.ubuntu.com/16.04/</a:t>
+            </a:r>
+            <a:endParaRPr sz="1000">
+              <a:solidFill>
+                <a:schemeClr val="dk1"/>
+              </a:solidFill>
+            </a:endParaRPr>
+          </a:p>
+          <a:p>
+            <a:pPr indent="-292100" lvl="1" marL="914400" rtl="0" algn="l">
+              <a:spcBef>
+                <a:spcPts val="0"/>
+              </a:spcBef>
+              <a:spcAft>
+                <a:spcPts val="0"/>
+              </a:spcAft>
+              <a:buClr>
+                <a:schemeClr val="dk1"/>
+              </a:buClr>
+              <a:buSzPts val="1000"/>
+              <a:buChar char="○"/>
+            </a:pPr>
+            <a:r>
+              <a:rPr lang="en" sz="1000">
+                <a:solidFill>
+                  <a:schemeClr val="dk1"/>
+                </a:solidFill>
+              </a:rPr>
+              <a:t>https://releases.ubuntu.com/18.04.4/</a:t>
+            </a:r>
+            <a:endParaRPr sz="1000">
+              <a:solidFill>
+                <a:schemeClr val="dk1"/>
+              </a:solidFill>
+            </a:endParaRPr>
+          </a:p>
+          <a:p>
+            <a:pPr indent="-292100" lvl="0" marL="457200" rtl="0" algn="l">
+              <a:spcBef>
+                <a:spcPts val="0"/>
+              </a:spcBef>
+              <a:spcAft>
+                <a:spcPts val="0"/>
+              </a:spcAft>
+              <a:buClr>
+                <a:schemeClr val="dk1"/>
+              </a:buClr>
+              <a:buSzPts val="1000"/>
+              <a:buChar char="●"/>
+            </a:pPr>
+            <a:r>
+              <a:rPr i="1" lang="en" sz="1000">
+                <a:solidFill>
+                  <a:schemeClr val="dk1"/>
+                </a:solidFill>
+              </a:rPr>
+              <a:t>(Optional)</a:t>
+            </a:r>
+            <a:r>
+              <a:rPr lang="en" sz="1000">
+                <a:solidFill>
+                  <a:schemeClr val="dk1"/>
+                </a:solidFill>
+              </a:rPr>
+              <a:t> Install Ubuntu onto a bootable USB or hard drive</a:t>
+            </a:r>
+            <a:endParaRPr sz="1000">
+              <a:solidFill>
+                <a:schemeClr val="dk1"/>
+              </a:solidFill>
+            </a:endParaRPr>
+          </a:p>
+          <a:p>
+            <a:pPr indent="-292100" lvl="1" marL="914400" rtl="0" algn="l">
+              <a:spcBef>
+                <a:spcPts val="0"/>
+              </a:spcBef>
+              <a:spcAft>
+                <a:spcPts val="0"/>
+              </a:spcAft>
+              <a:buClr>
+                <a:schemeClr val="dk1"/>
+              </a:buClr>
+              <a:buSzPts val="1000"/>
+              <a:buChar char="○"/>
+            </a:pPr>
+            <a:r>
+              <a:rPr lang="en" sz="1000">
+                <a:solidFill>
+                  <a:schemeClr val="dk1"/>
+                </a:solidFill>
+              </a:rPr>
+              <a:t>Install image to a USB: </a:t>
+            </a:r>
+            <a:r>
+              <a:rPr lang="en" sz="1000" u="sng">
+                <a:solidFill>
+                  <a:schemeClr val="hlink"/>
+                </a:solidFill>
+                <a:hlinkClick r:id="rId4"/>
+              </a:rPr>
+              <a:t>https://ubuntu.com/tutorials/try-ubuntu-before-you-install#1-getting-started</a:t>
+            </a:r>
+            <a:endParaRPr sz="1000">
+              <a:solidFill>
+                <a:schemeClr val="dk1"/>
+              </a:solidFill>
+            </a:endParaRPr>
+          </a:p>
+          <a:p>
+            <a:pPr indent="-292100" lvl="1" marL="914400" rtl="0" algn="l">
+              <a:spcBef>
+                <a:spcPts val="0"/>
+              </a:spcBef>
+              <a:spcAft>
+                <a:spcPts val="0"/>
+              </a:spcAft>
+              <a:buClr>
+                <a:schemeClr val="dk1"/>
+              </a:buClr>
+              <a:buSzPts val="1000"/>
+              <a:buChar char="○"/>
+            </a:pPr>
+            <a:r>
+              <a:rPr lang="en" sz="1000">
+                <a:solidFill>
+                  <a:schemeClr val="dk1"/>
+                </a:solidFill>
+              </a:rPr>
+              <a:t>Boot From USB or harddrive: </a:t>
+            </a:r>
+            <a:r>
+              <a:rPr lang="en" sz="1000" u="sng">
+                <a:solidFill>
+                  <a:schemeClr val="hlink"/>
+                </a:solidFill>
+                <a:hlinkClick r:id="rId5"/>
+              </a:rPr>
+              <a:t>https://ubuntu.com/tutorials/try-ubuntu-before-you-install#3-boot-from-usb-flash-drive</a:t>
+            </a:r>
+            <a:endParaRPr sz="1000">
+              <a:solidFill>
+                <a:schemeClr val="dk1"/>
+              </a:solidFill>
+            </a:endParaRPr>
+          </a:p>
+          <a:p>
+            <a:pPr indent="-292100" lvl="0" marL="457200" rtl="0" algn="l">
+              <a:spcBef>
+                <a:spcPts val="0"/>
+              </a:spcBef>
+              <a:spcAft>
+                <a:spcPts val="0"/>
+              </a:spcAft>
+              <a:buClr>
+                <a:schemeClr val="dk1"/>
+              </a:buClr>
+              <a:buSzPts val="1000"/>
+              <a:buChar char="●"/>
+            </a:pPr>
+            <a:r>
+              <a:rPr lang="en" sz="1000">
+                <a:solidFill>
+                  <a:schemeClr val="dk1"/>
+                </a:solidFill>
+              </a:rPr>
+              <a:t>Setup Time: ~30 minutes</a:t>
+            </a:r>
+            <a:endParaRPr sz="1000">
+              <a:solidFill>
+                <a:schemeClr val="dk1"/>
+              </a:solidFill>
+            </a:endParaRPr>
+          </a:p>
+          <a:p>
+            <a:pPr indent="-342900" lvl="0" marL="457200" rtl="0" algn="l">
+              <a:spcBef>
+                <a:spcPts val="0"/>
+              </a:spcBef>
+              <a:spcAft>
+                <a:spcPts val="0"/>
+              </a:spcAft>
+              <a:buClr>
+                <a:srgbClr val="FFFFFF"/>
+              </a:buClr>
+              <a:buSzPts val="1800"/>
+              <a:buAutoNum type="arabicPeriod"/>
+            </a:pPr>
+            <a:r>
+              <a:rPr lang="en">
+                <a:solidFill>
+                  <a:srgbClr val="FFFFFF"/>
+                </a:solidFill>
+              </a:rPr>
+              <a:t>ROS Kinetic</a:t>
+            </a:r>
+            <a:endParaRPr>
+              <a:solidFill>
+                <a:schemeClr val="dk1"/>
+              </a:solidFill>
+            </a:endParaRPr>
+          </a:p>
+          <a:p>
+            <a:pPr indent="-292100" lvl="0" marL="457200" rtl="0" algn="l">
+              <a:spcBef>
+                <a:spcPts val="0"/>
+              </a:spcBef>
+              <a:spcAft>
+                <a:spcPts val="0"/>
+              </a:spcAft>
+              <a:buClr>
+                <a:schemeClr val="dk1"/>
+              </a:buClr>
+              <a:buSzPts val="1000"/>
+              <a:buChar char="●"/>
+            </a:pPr>
+            <a:r>
+              <a:rPr lang="en" sz="1000">
+                <a:solidFill>
+                  <a:schemeClr val="dk1"/>
+                </a:solidFill>
+              </a:rPr>
+              <a:t>Follow the setup guide (</a:t>
+            </a:r>
+            <a:r>
+              <a:rPr i="1" lang="en" sz="1000" u="sng">
+                <a:solidFill>
+                  <a:srgbClr val="9FC5E8"/>
+                </a:solidFill>
+                <a:latin typeface="Arial"/>
+                <a:ea typeface="Arial"/>
+                <a:cs typeface="Arial"/>
+                <a:sym typeface="Arial"/>
+                <a:hlinkClick r:id="rId6"/>
+              </a:rPr>
+              <a:t>http://wiki.ros.org/kinetic/Installation/Ubuntu</a:t>
+            </a:r>
+            <a:r>
+              <a:rPr lang="en" sz="1000">
+                <a:solidFill>
+                  <a:schemeClr val="dk1"/>
+                </a:solidFill>
+              </a:rPr>
+              <a:t>) and use the following commands related to the steps below. </a:t>
+            </a:r>
+            <a:endParaRPr sz="1000">
+              <a:solidFill>
+                <a:srgbClr val="9FC5E8"/>
+              </a:solidFill>
+            </a:endParaRPr>
+          </a:p>
+          <a:p>
+            <a:pPr indent="-292100" lvl="1" marL="914400" rtl="0" algn="l">
+              <a:spcBef>
+                <a:spcPts val="0"/>
+              </a:spcBef>
+              <a:spcAft>
+                <a:spcPts val="0"/>
+              </a:spcAft>
+              <a:buClr>
+                <a:srgbClr val="9FC5E8"/>
+              </a:buClr>
+              <a:buSzPts val="1000"/>
+              <a:buChar char="○"/>
+            </a:pPr>
+            <a:r>
+              <a:rPr lang="en" sz="1000">
+                <a:solidFill>
+                  <a:schemeClr val="dk1"/>
+                </a:solidFill>
+              </a:rPr>
+              <a:t>Setup Source.list</a:t>
+            </a:r>
+            <a:endParaRPr sz="1000">
+              <a:solidFill>
+                <a:schemeClr val="dk1"/>
+              </a:solidFill>
+            </a:endParaRPr>
+          </a:p>
+          <a:p>
+            <a:pPr indent="-292100" lvl="1" marL="914400" rtl="0" algn="l">
+              <a:spcBef>
+                <a:spcPts val="0"/>
+              </a:spcBef>
+              <a:spcAft>
+                <a:spcPts val="0"/>
+              </a:spcAft>
+              <a:buClr>
+                <a:schemeClr val="dk1"/>
+              </a:buClr>
+              <a:buSzPts val="1000"/>
+              <a:buChar char="○"/>
+            </a:pPr>
+            <a:r>
+              <a:rPr lang="en" sz="1000">
+                <a:solidFill>
+                  <a:schemeClr val="dk1"/>
+                </a:solidFill>
+              </a:rPr>
+              <a:t>Setup up keys</a:t>
+            </a:r>
+            <a:endParaRPr sz="1000">
+              <a:solidFill>
+                <a:schemeClr val="dk1"/>
+              </a:solidFill>
+            </a:endParaRPr>
+          </a:p>
+          <a:p>
+            <a:pPr indent="-292100" lvl="1" marL="914400" rtl="0" algn="l">
+              <a:spcBef>
+                <a:spcPts val="0"/>
+              </a:spcBef>
+              <a:spcAft>
+                <a:spcPts val="0"/>
+              </a:spcAft>
+              <a:buClr>
+                <a:schemeClr val="dk1"/>
+              </a:buClr>
+              <a:buSzPts val="1000"/>
+              <a:buChar char="○"/>
+            </a:pPr>
+            <a:r>
+              <a:rPr lang="en" sz="1000">
+                <a:solidFill>
+                  <a:schemeClr val="dk1"/>
+                </a:solidFill>
+              </a:rPr>
+              <a:t>Installation</a:t>
+            </a:r>
+            <a:endParaRPr sz="1000">
+              <a:solidFill>
+                <a:schemeClr val="dk1"/>
+              </a:solidFill>
+            </a:endParaRPr>
+          </a:p>
+          <a:p>
+            <a:pPr indent="-292100" lvl="1" marL="914400" rtl="0" algn="l">
+              <a:spcBef>
+                <a:spcPts val="0"/>
+              </a:spcBef>
+              <a:spcAft>
+                <a:spcPts val="0"/>
+              </a:spcAft>
+              <a:buClr>
+                <a:schemeClr val="dk1"/>
+              </a:buClr>
+              <a:buSzPts val="1000"/>
+              <a:buChar char="○"/>
+            </a:pPr>
+            <a:r>
+              <a:rPr lang="en" sz="1000">
+                <a:solidFill>
+                  <a:schemeClr val="dk1"/>
+                </a:solidFill>
+              </a:rPr>
+              <a:t>Environmental Setup</a:t>
+            </a:r>
+            <a:endParaRPr sz="1000">
+              <a:solidFill>
+                <a:schemeClr val="dk1"/>
+              </a:solidFill>
+            </a:endParaRPr>
+          </a:p>
+          <a:p>
+            <a:pPr indent="-292100" lvl="1" marL="914400" rtl="0" algn="l">
+              <a:spcBef>
+                <a:spcPts val="0"/>
+              </a:spcBef>
+              <a:spcAft>
+                <a:spcPts val="0"/>
+              </a:spcAft>
+              <a:buClr>
+                <a:schemeClr val="dk1"/>
+              </a:buClr>
+              <a:buSzPts val="1000"/>
+              <a:buChar char="○"/>
+            </a:pPr>
+            <a:r>
+              <a:rPr lang="en" sz="1000">
+                <a:solidFill>
+                  <a:schemeClr val="dk1"/>
+                </a:solidFill>
+              </a:rPr>
+              <a:t>Dependencies for bulding packages</a:t>
+            </a:r>
+            <a:endParaRPr sz="1000">
+              <a:solidFill>
+                <a:schemeClr val="dk1"/>
+              </a:solidFill>
+            </a:endParaRPr>
+          </a:p>
+          <a:p>
+            <a:pPr indent="-292100" lvl="0" marL="457200" rtl="0" algn="l">
+              <a:spcBef>
+                <a:spcPts val="0"/>
+              </a:spcBef>
+              <a:spcAft>
+                <a:spcPts val="0"/>
+              </a:spcAft>
+              <a:buClr>
+                <a:schemeClr val="dk1"/>
+              </a:buClr>
+              <a:buSzPts val="1000"/>
+              <a:buChar char="●"/>
+            </a:pPr>
+            <a:r>
+              <a:rPr lang="en" sz="1000">
+                <a:solidFill>
+                  <a:schemeClr val="dk1"/>
+                </a:solidFill>
+              </a:rPr>
+              <a:t>Installation time: ~30 minutes to 2 hours (dependent on environment)</a:t>
+            </a:r>
+            <a:endParaRPr>
+              <a:solidFill>
+                <a:srgbClr val="FFFFFF"/>
+              </a:solidFill>
+            </a:endParaRPr>
+          </a:p>
+        </p:txBody>
+      </p:sp>
+    </p:spTree>
+  </p:cSld>
+  <p:clrMapOvr>
+    <a:masterClrMapping/>
+  </p:clrMapOvr>
+</p:sld>
+</file>
+
+<file path=ppt/slides/slide3.xml><?xml version="1.0" encoding="utf-8"?>
+<p:sld xmlns:a="http://schemas.openxmlformats.org/drawingml/2006/main" xmlns:r="http://schemas.openxmlformats.org/officeDocument/2006/relationships" xmlns:mc="http://schemas.openxmlformats.org/markup-compatibility/2006" xmlns:mv="urn:schemas-microsoft-com:mac:vml" xmlns:p="http://schemas.openxmlformats.org/presentationml/2006/main" xmlns:c="http://schemas.openxmlformats.org/drawingml/2006/chart" xmlns:dgm="http://schemas.openxmlformats.org/drawingml/2006/diagram" xmlns:o="urn:schemas-microsoft-com:office:office" xmlns:v="urn:schemas-microsoft-com:vml" xmlns:pvml="urn:schemas-microsoft-com:office:powerpoint" xmlns:com="http://schemas.openxmlformats.org/drawingml/2006/compatibility" xmlns:p14="http://schemas.microsoft.com/office/powerpoint/2010/main" xmlns:p15="http://schemas.microsoft.com/office/powerpoint/2012/main">
+  <p:cSld>
+    <p:spTree>
+      <p:nvGrpSpPr>
+        <p:cNvPr id="69" name="Shape 69"/>
+        <p:cNvGrpSpPr/>
+        <p:nvPr/>
+      </p:nvGrpSpPr>
+      <p:grpSpPr>
+        <a:xfrm>
+          <a:off x="0" y="0"/>
+          <a:ext cx="0" cy="0"/>
+          <a:chOff x="0" y="0"/>
+          <a:chExt cx="0" cy="0"/>
+        </a:xfrm>
+      </p:grpSpPr>
+      <p:sp>
+        <p:nvSpPr>
+          <p:cNvPr id="70" name="Google Shape;70;p15"/>
+          <p:cNvSpPr txBox="1"/>
+          <p:nvPr>
+            <p:ph type="title"/>
+          </p:nvPr>
+        </p:nvSpPr>
+        <p:spPr>
+          <a:xfrm>
+            <a:off x="311700" y="445025"/>
+            <a:ext cx="8781000" cy="572700"/>
+          </a:xfrm>
+          <a:prstGeom prst="rect">
+            <a:avLst/>
+          </a:prstGeom>
+        </p:spPr>
+        <p:txBody>
+          <a:bodyPr anchorCtr="0" anchor="t" bIns="91425" lIns="91425" spcFirstLastPara="1" rIns="91425" wrap="square" tIns="91425">
+            <a:noAutofit/>
+          </a:bodyPr>
+          <a:lstStyle/>
+          <a:p>
+            <a:pPr indent="0" lvl="0" marL="0" rtl="0" algn="l">
+              <a:spcBef>
+                <a:spcPts val="0"/>
+              </a:spcBef>
+              <a:spcAft>
+                <a:spcPts val="0"/>
+              </a:spcAft>
+              <a:buNone/>
+            </a:pPr>
+            <a:r>
+              <a:rPr lang="en" sz="2400"/>
+              <a:t>Robotics Operating System(ROS) Development Environment Setup (Con’t)</a:t>
+            </a:r>
+            <a:endParaRPr sz="2400"/>
+          </a:p>
+          <a:p>
+            <a:pPr indent="0" lvl="0" marL="0" rtl="0" algn="l">
+              <a:spcBef>
+                <a:spcPts val="0"/>
+              </a:spcBef>
+              <a:spcAft>
+                <a:spcPts val="0"/>
+              </a:spcAft>
+              <a:buNone/>
+            </a:pPr>
+            <a:r>
+              <a:t/>
+            </a:r>
+            <a:endParaRPr sz="2400"/>
+          </a:p>
+        </p:txBody>
+      </p:sp>
+      <p:sp>
+        <p:nvSpPr>
+          <p:cNvPr id="71" name="Google Shape;71;p15"/>
           <p:cNvSpPr txBox="1"/>
           <p:nvPr>
             <p:ph idx="1" type="body"/>
@@ -7765,7 +8991,7 @@
           </a:bodyPr>
           <a:lstStyle/>
           <a:p>
-            <a:pPr indent="-342900" lvl="0" marL="457200" rtl="0" algn="l">
+            <a:pPr indent="-349250" lvl="0" marL="457200" rtl="0" algn="l">
               <a:spcBef>
                 <a:spcPts val="0"/>
               </a:spcBef>
@@ -7775,25 +9001,33 @@
               <a:buClr>
                 <a:srgbClr val="FFFFFF"/>
               </a:buClr>
-              <a:buSzPts val="1800"/>
+              <a:buSzPts val="1900"/>
               <a:buAutoNum type="arabicPeriod"/>
             </a:pPr>
             <a:r>
-              <a:rPr lang="en">
+              <a:rPr lang="en" sz="1900">
                 <a:solidFill>
                   <a:srgbClr val="FFFFFF"/>
                 </a:solidFill>
               </a:rPr>
-              <a:t>Ubuntu 16.04</a:t>
-            </a:r>
-            <a:endParaRPr>
+              <a:t>Install </a:t>
+            </a:r>
+            <a:r>
+              <a:rPr lang="en" sz="1900">
+                <a:solidFill>
+                  <a:srgbClr val="FFFFFF"/>
+                </a:solidFill>
+              </a:rPr>
+              <a:t>Linux Packages for ROS</a:t>
+            </a:r>
+            <a:endParaRPr sz="1900">
               <a:solidFill>
                 <a:srgbClr val="FFFFFF"/>
               </a:solidFill>
             </a:endParaRPr>
           </a:p>
           <a:p>
-            <a:pPr indent="-342900" lvl="0" marL="457200" rtl="0" algn="l">
+            <a:pPr indent="-298450" lvl="0" marL="457200" rtl="0" algn="l">
               <a:spcBef>
                 <a:spcPts val="0"/>
               </a:spcBef>
@@ -7803,49 +9037,29 @@
               <a:buClr>
                 <a:srgbClr val="FFFFFF"/>
               </a:buClr>
-              <a:buSzPts val="1800"/>
-              <a:buAutoNum type="arabicPeriod"/>
-            </a:pPr>
-            <a:r>
-              <a:rPr lang="en">
+              <a:buSzPts val="1100"/>
+              <a:buChar char="●"/>
+            </a:pPr>
+            <a:r>
+              <a:rPr lang="en" sz="1100">
                 <a:solidFill>
                   <a:srgbClr val="FFFFFF"/>
                 </a:solidFill>
               </a:rPr>
-              <a:t>ROS Kinetic</a:t>
-            </a:r>
-            <a:endParaRPr>
-              <a:solidFill>
-                <a:schemeClr val="dk1"/>
-              </a:solidFill>
-            </a:endParaRPr>
-          </a:p>
-          <a:p>
-            <a:pPr indent="-292100" lvl="0" marL="457200" rtl="0" algn="l">
-              <a:spcBef>
-                <a:spcPts val="0"/>
-              </a:spcBef>
-              <a:spcAft>
-                <a:spcPts val="0"/>
-              </a:spcAft>
-              <a:buClr>
-                <a:schemeClr val="dk1"/>
-              </a:buClr>
-              <a:buSzPts val="1000"/>
-              <a:buChar char="●"/>
-            </a:pPr>
-            <a:r>
-              <a:rPr lang="en" sz="1000">
-                <a:solidFill>
-                  <a:schemeClr val="dk1"/>
+              <a:t>Catkin_make:</a:t>
+            </a:r>
+            <a:r>
+              <a:rPr i="1" lang="en" sz="1100">
+                <a:solidFill>
+                  <a:srgbClr val="0000FF"/>
                 </a:solidFill>
               </a:rPr>
-              <a:t>Follow the setup guide (</a:t>
-            </a:r>
-            <a:r>
-              <a:rPr i="1" lang="en" sz="1000" u="sng">
-                <a:solidFill>
-                  <a:srgbClr val="9FC5E8"/>
+              <a:t> </a:t>
+            </a:r>
+            <a:r>
+              <a:rPr i="1" lang="en" sz="1100" u="sng">
+                <a:solidFill>
+                  <a:srgbClr val="CFE2F3"/>
                 </a:solidFill>
                 <a:latin typeface="Arial"/>
                 <a:ea typeface="Arial"/>
@@ -7853,24 +9067,16 @@
                 <a:sym typeface="Arial"/>
                 <a:hlinkClick r:id="rId3"/>
               </a:rPr>
-              <a:t>http://wiki.ros.org/kinetic/Installation/Ubuntu</a:t>
-            </a:r>
-            <a:r>
-              <a:rPr lang="en" sz="1000">
-                <a:solidFill>
-                  <a:schemeClr val="dk1"/>
-                </a:solidFill>
-              </a:rPr>
-              <a:t>) and use the following commands related to the steps below. </a:t>
-            </a:r>
-            <a:endParaRPr sz="1000">
+              <a:t>http://wiki.ros.org/catkin/commands/catkin_make</a:t>
+            </a:r>
+            <a:endParaRPr i="1" sz="1100">
               <a:solidFill>
-                <a:srgbClr val="9FC5E8"/>
+                <a:srgbClr val="CFE2F3"/>
               </a:solidFill>
             </a:endParaRPr>
           </a:p>
           <a:p>
-            <a:pPr indent="-292100" lvl="1" marL="914400" rtl="0" algn="l">
+            <a:pPr indent="-298450" lvl="0" marL="457200" rtl="0" algn="l">
               <a:spcBef>
                 <a:spcPts val="0"/>
               </a:spcBef>
@@ -7878,27 +9084,127 @@
                 <a:spcPts val="0"/>
               </a:spcAft>
               <a:buClr>
-                <a:srgbClr val="9FC5E8"/>
+                <a:srgbClr val="FFFFFF"/>
               </a:buClr>
-              <a:buSzPts val="1000"/>
-              <a:buChar char="○"/>
-            </a:pPr>
-            <a:r>
-              <a:rPr lang="en" sz="1000">
+              <a:buSzPts val="1100"/>
+              <a:buChar char="●"/>
+            </a:pPr>
+            <a:r>
+              <a:rPr lang="en" sz="1100">
+                <a:solidFill>
+                  <a:srgbClr val="FFFFFF"/>
+                </a:solidFill>
+              </a:rPr>
+              <a:t>ROS MoveIt Package: </a:t>
+            </a:r>
+            <a:r>
+              <a:rPr i="1" lang="en" sz="1100">
+                <a:solidFill>
+                  <a:srgbClr val="FFFFFF"/>
+                </a:solidFill>
+              </a:rPr>
+              <a:t>apt-get install ros-kinetic-moveit</a:t>
+            </a:r>
+            <a:endParaRPr i="1" sz="1100">
+              <a:solidFill>
+                <a:srgbClr val="FFFFFF"/>
+              </a:solidFill>
+            </a:endParaRPr>
+          </a:p>
+          <a:p>
+            <a:pPr indent="-298450" lvl="0" marL="457200" rtl="0" algn="l">
+              <a:spcBef>
+                <a:spcPts val="0"/>
+              </a:spcBef>
+              <a:spcAft>
+                <a:spcPts val="0"/>
+              </a:spcAft>
+              <a:buClr>
+                <a:srgbClr val="FFFFFF"/>
+              </a:buClr>
+              <a:buSzPts val="1100"/>
+              <a:buChar char="●"/>
+            </a:pPr>
+            <a:r>
+              <a:rPr lang="en" sz="1100">
+                <a:solidFill>
+                  <a:srgbClr val="FFFFFF"/>
+                </a:solidFill>
+              </a:rPr>
+              <a:t>ROS teleop keyboard package: </a:t>
+            </a:r>
+            <a:r>
+              <a:rPr i="1" lang="en" sz="1100">
+                <a:solidFill>
+                  <a:srgbClr val="FFFFFF"/>
+                </a:solidFill>
+              </a:rPr>
+              <a:t>sudo apt-get install ros-kinetic-teleop-twist-keyboard</a:t>
+            </a:r>
+            <a:endParaRPr i="1" sz="1100">
+              <a:solidFill>
+                <a:srgbClr val="FFFFFF"/>
+              </a:solidFill>
+            </a:endParaRPr>
+          </a:p>
+          <a:p>
+            <a:pPr indent="-349250" lvl="0" marL="457200" rtl="0" algn="l">
+              <a:spcBef>
+                <a:spcPts val="0"/>
+              </a:spcBef>
+              <a:spcAft>
+                <a:spcPts val="0"/>
+              </a:spcAft>
+              <a:buClr>
+                <a:srgbClr val="FFFFFF"/>
+              </a:buClr>
+              <a:buSzPts val="1900"/>
+              <a:buAutoNum type="arabicPeriod"/>
+            </a:pPr>
+            <a:r>
+              <a:rPr lang="en" sz="1900">
+                <a:solidFill>
+                  <a:srgbClr val="FFFFFF"/>
+                </a:solidFill>
+              </a:rPr>
+              <a:t>Workspace File Structure(shown in image to the right)</a:t>
+            </a:r>
+            <a:endParaRPr sz="2000">
+              <a:solidFill>
+                <a:srgbClr val="FFFFFF"/>
+              </a:solidFill>
+            </a:endParaRPr>
+          </a:p>
+          <a:p>
+            <a:pPr indent="-298450" lvl="0" marL="457200" rtl="0" algn="l">
+              <a:spcBef>
+                <a:spcPts val="0"/>
+              </a:spcBef>
+              <a:spcAft>
+                <a:spcPts val="0"/>
+              </a:spcAft>
+              <a:buClr>
+                <a:srgbClr val="FFFFFF"/>
+              </a:buClr>
+              <a:buSzPts val="1100"/>
+              <a:buChar char="●"/>
+            </a:pPr>
+            <a:r>
+              <a:rPr lang="en" sz="1100">
                 <a:solidFill>
                   <a:schemeClr val="dk1"/>
                 </a:solidFill>
               </a:rPr>
-              <a:t>Setup Source.list</a:t>
-            </a:r>
-            <a:endParaRPr sz="1000">
+              <a:t>.xacro/.urdf: define robot properties (materials, color, geometry, origin, etc)</a:t>
+            </a:r>
+            <a:endParaRPr sz="1100">
               <a:solidFill>
                 <a:schemeClr val="dk1"/>
               </a:solidFill>
             </a:endParaRPr>
           </a:p>
           <a:p>
-            <a:pPr indent="-292100" lvl="1" marL="914400" rtl="0" algn="l">
+            <a:pPr indent="-298450" lvl="0" marL="457200" rtl="0" algn="l">
               <a:spcBef>
                 <a:spcPts val="0"/>
               </a:spcBef>
@@ -7908,440 +9214,52 @@
               <a:buClr>
                 <a:schemeClr val="dk1"/>
               </a:buClr>
-              <a:buSzPts val="1000"/>
-              <a:buChar char="○"/>
-            </a:pPr>
-            <a:r>
-              <a:rPr lang="en" sz="1000">
+              <a:buSzPts val="1100"/>
+              <a:buChar char="●"/>
+            </a:pPr>
+            <a:r>
+              <a:rPr lang="en" sz="1100">
                 <a:solidFill>
                   <a:schemeClr val="dk1"/>
                 </a:solidFill>
               </a:rPr>
-              <a:t>Setup up keys</a:t>
-            </a:r>
-            <a:endParaRPr sz="1000">
+              <a:t>.launch: ROS launch files for RViz or Gazebo</a:t>
+            </a:r>
+            <a:endParaRPr sz="1100">
               <a:solidFill>
                 <a:schemeClr val="dk1"/>
               </a:solidFill>
             </a:endParaRPr>
           </a:p>
           <a:p>
-            <a:pPr indent="-292100" lvl="1" marL="914400" rtl="0" algn="l">
-              <a:spcBef>
-                <a:spcPts val="0"/>
-              </a:spcBef>
-              <a:spcAft>
-                <a:spcPts val="0"/>
-              </a:spcAft>
-              <a:buClr>
-                <a:schemeClr val="dk1"/>
-              </a:buClr>
-              <a:buSzPts val="1000"/>
-              <a:buChar char="○"/>
-            </a:pPr>
-            <a:r>
-              <a:rPr lang="en" sz="1000">
-                <a:solidFill>
-                  <a:schemeClr val="dk1"/>
-                </a:solidFill>
-              </a:rPr>
-              <a:t>Installation</a:t>
-            </a:r>
-            <a:endParaRPr sz="1000">
-              <a:solidFill>
-                <a:schemeClr val="dk1"/>
-              </a:solidFill>
-            </a:endParaRPr>
-          </a:p>
-          <a:p>
-            <a:pPr indent="-292100" lvl="1" marL="914400" rtl="0" algn="l">
-              <a:spcBef>
-                <a:spcPts val="0"/>
-              </a:spcBef>
-              <a:spcAft>
-                <a:spcPts val="0"/>
-              </a:spcAft>
-              <a:buClr>
-                <a:schemeClr val="dk1"/>
-              </a:buClr>
-              <a:buSzPts val="1000"/>
-              <a:buChar char="○"/>
-            </a:pPr>
-            <a:r>
-              <a:rPr lang="en" sz="1000">
-                <a:solidFill>
-                  <a:schemeClr val="dk1"/>
-                </a:solidFill>
-              </a:rPr>
-              <a:t>Environmental Setup</a:t>
-            </a:r>
-            <a:endParaRPr sz="1000">
-              <a:solidFill>
-                <a:schemeClr val="dk1"/>
-              </a:solidFill>
-            </a:endParaRPr>
-          </a:p>
-          <a:p>
-            <a:pPr indent="-292100" lvl="1" marL="914400" rtl="0" algn="l">
-              <a:spcBef>
-                <a:spcPts val="0"/>
-              </a:spcBef>
-              <a:spcAft>
-                <a:spcPts val="0"/>
-              </a:spcAft>
-              <a:buClr>
-                <a:schemeClr val="dk1"/>
-              </a:buClr>
-              <a:buSzPts val="1000"/>
-              <a:buChar char="○"/>
-            </a:pPr>
-            <a:r>
-              <a:rPr lang="en" sz="1000">
-                <a:solidFill>
-                  <a:schemeClr val="dk1"/>
-                </a:solidFill>
-              </a:rPr>
-              <a:t>Dependencies for bulding packages</a:t>
-            </a:r>
-            <a:endParaRPr sz="1000">
-              <a:solidFill>
-                <a:schemeClr val="dk1"/>
-              </a:solidFill>
-            </a:endParaRPr>
-          </a:p>
-          <a:p>
-            <a:pPr indent="-292100" lvl="0" marL="457200" rtl="0" algn="l">
-              <a:spcBef>
-                <a:spcPts val="0"/>
-              </a:spcBef>
-              <a:spcAft>
-                <a:spcPts val="0"/>
-              </a:spcAft>
-              <a:buClr>
-                <a:schemeClr val="dk1"/>
-              </a:buClr>
-              <a:buSzPts val="1000"/>
-              <a:buChar char="●"/>
-            </a:pPr>
-            <a:r>
-              <a:rPr lang="en" sz="1000">
-                <a:solidFill>
-                  <a:schemeClr val="dk1"/>
-                </a:solidFill>
-              </a:rPr>
-              <a:t>Installation time: ~30 minutes to 2 hours (dependent on environment)</a:t>
-            </a:r>
-            <a:endParaRPr>
+            <a:pPr indent="0" lvl="0" marL="0" rtl="0" algn="l">
+              <a:spcBef>
+                <a:spcPts val="1600"/>
+              </a:spcBef>
+              <a:spcAft>
+                <a:spcPts val="1600"/>
+              </a:spcAft>
+              <a:buNone/>
+            </a:pPr>
+            <a:r>
+              <a:t/>
+            </a:r>
+            <a:endParaRPr sz="1900">
               <a:solidFill>
                 <a:srgbClr val="FFFFFF"/>
               </a:solidFill>
             </a:endParaRPr>
           </a:p>
-          <a:p>
-            <a:pPr indent="-342900" lvl="0" marL="457200" rtl="0" algn="l">
-              <a:spcBef>
-                <a:spcPts val="0"/>
-              </a:spcBef>
-              <a:spcAft>
-                <a:spcPts val="0"/>
-              </a:spcAft>
-              <a:buClr>
-                <a:srgbClr val="FFFFFF"/>
-              </a:buClr>
-              <a:buSzPts val="1800"/>
-              <a:buAutoNum type="arabicPeriod"/>
-            </a:pPr>
-            <a:r>
-              <a:rPr lang="en">
-                <a:solidFill>
-                  <a:srgbClr val="FFFFFF"/>
-                </a:solidFill>
-              </a:rPr>
-              <a:t>Linux Packages to Install</a:t>
-            </a:r>
-            <a:endParaRPr>
-              <a:solidFill>
-                <a:srgbClr val="FFFFFF"/>
-              </a:solidFill>
-            </a:endParaRPr>
-          </a:p>
-          <a:p>
-            <a:pPr indent="-292100" lvl="0" marL="457200" rtl="0" algn="l">
-              <a:spcBef>
-                <a:spcPts val="0"/>
-              </a:spcBef>
-              <a:spcAft>
-                <a:spcPts val="0"/>
-              </a:spcAft>
-              <a:buClr>
-                <a:srgbClr val="FFFFFF"/>
-              </a:buClr>
-              <a:buSzPts val="1000"/>
-              <a:buChar char="●"/>
-            </a:pPr>
-            <a:r>
-              <a:rPr lang="en" sz="1000">
-                <a:solidFill>
-                  <a:srgbClr val="FFFFFF"/>
-                </a:solidFill>
-              </a:rPr>
-              <a:t>Catkin_make:</a:t>
-            </a:r>
-            <a:r>
-              <a:rPr i="1" lang="en" sz="1000">
-                <a:solidFill>
-                  <a:srgbClr val="0000FF"/>
-                </a:solidFill>
-              </a:rPr>
-              <a:t> </a:t>
-            </a:r>
-            <a:r>
-              <a:rPr i="1" lang="en" sz="1000" u="sng">
-                <a:solidFill>
-                  <a:srgbClr val="CFE2F3"/>
-                </a:solidFill>
-                <a:latin typeface="Arial"/>
-                <a:ea typeface="Arial"/>
-                <a:cs typeface="Arial"/>
-                <a:sym typeface="Arial"/>
-                <a:hlinkClick r:id="rId4"/>
-              </a:rPr>
-              <a:t>http://wiki.ros.org/catkin/commands/catkin_make</a:t>
-            </a:r>
-            <a:endParaRPr i="1" sz="1000">
-              <a:solidFill>
-                <a:srgbClr val="CFE2F3"/>
-              </a:solidFill>
-            </a:endParaRPr>
-          </a:p>
-          <a:p>
-            <a:pPr indent="-292100" lvl="0" marL="457200" rtl="0" algn="l">
-              <a:spcBef>
-                <a:spcPts val="0"/>
-              </a:spcBef>
-              <a:spcAft>
-                <a:spcPts val="0"/>
-              </a:spcAft>
-              <a:buClr>
-                <a:srgbClr val="FFFFFF"/>
-              </a:buClr>
-              <a:buSzPts val="1000"/>
-              <a:buChar char="●"/>
-            </a:pPr>
-            <a:r>
-              <a:rPr lang="en" sz="1000">
-                <a:solidFill>
-                  <a:srgbClr val="FFFFFF"/>
-                </a:solidFill>
-              </a:rPr>
-              <a:t>ROS MoveIt Package: </a:t>
-            </a:r>
-            <a:r>
-              <a:rPr i="1" lang="en" sz="1000">
-                <a:solidFill>
-                  <a:srgbClr val="FFFFFF"/>
-                </a:solidFill>
-              </a:rPr>
-              <a:t>apt-get install ros-kinetic-moveit</a:t>
-            </a:r>
-            <a:endParaRPr i="1" sz="1000">
-              <a:solidFill>
-                <a:srgbClr val="FFFFFF"/>
-              </a:solidFill>
-            </a:endParaRPr>
-          </a:p>
-          <a:p>
-            <a:pPr indent="-292100" lvl="0" marL="457200" rtl="0" algn="l">
-              <a:spcBef>
-                <a:spcPts val="0"/>
-              </a:spcBef>
-              <a:spcAft>
-                <a:spcPts val="0"/>
-              </a:spcAft>
-              <a:buClr>
-                <a:srgbClr val="FFFFFF"/>
-              </a:buClr>
-              <a:buSzPts val="1000"/>
-              <a:buChar char="●"/>
-            </a:pPr>
-            <a:r>
-              <a:rPr lang="en" sz="1000">
-                <a:solidFill>
-                  <a:srgbClr val="FFFFFF"/>
-                </a:solidFill>
-              </a:rPr>
-              <a:t>ROS teleop keyboard </a:t>
-            </a:r>
-            <a:r>
-              <a:rPr lang="en" sz="1000">
-                <a:solidFill>
-                  <a:srgbClr val="FFFFFF"/>
-                </a:solidFill>
-              </a:rPr>
-              <a:t>package</a:t>
-            </a:r>
-            <a:r>
-              <a:rPr lang="en" sz="1000">
-                <a:solidFill>
-                  <a:srgbClr val="FFFFFF"/>
-                </a:solidFill>
-              </a:rPr>
-              <a:t>: </a:t>
-            </a:r>
-            <a:r>
-              <a:rPr i="1" lang="en" sz="1000">
-                <a:solidFill>
-                  <a:srgbClr val="FFFFFF"/>
-                </a:solidFill>
-              </a:rPr>
-              <a:t>sudo apt-get install ros-kinetic-teleop-twist-keyboard</a:t>
-            </a:r>
-            <a:endParaRPr i="1" sz="1000">
-              <a:solidFill>
-                <a:srgbClr val="FFFFFF"/>
-              </a:solidFill>
-            </a:endParaRPr>
-          </a:p>
-          <a:p>
-            <a:pPr indent="-342900" lvl="0" marL="457200" rtl="0" algn="l">
-              <a:spcBef>
-                <a:spcPts val="0"/>
-              </a:spcBef>
-              <a:spcAft>
-                <a:spcPts val="0"/>
-              </a:spcAft>
-              <a:buClr>
-                <a:srgbClr val="FFFFFF"/>
-              </a:buClr>
-              <a:buSzPts val="1800"/>
-              <a:buAutoNum type="arabicPeriod"/>
-            </a:pPr>
-            <a:r>
-              <a:rPr lang="en">
-                <a:solidFill>
-                  <a:srgbClr val="FFFFFF"/>
-                </a:solidFill>
-              </a:rPr>
-              <a:t>W</a:t>
-            </a:r>
-            <a:r>
-              <a:rPr lang="en">
-                <a:solidFill>
-                  <a:srgbClr val="FFFFFF"/>
-                </a:solidFill>
-              </a:rPr>
-              <a:t>orkspace File Structure(shown in image to the right)</a:t>
-            </a:r>
-            <a:endParaRPr>
-              <a:solidFill>
-                <a:srgbClr val="FFFFFF"/>
-              </a:solidFill>
-            </a:endParaRPr>
-          </a:p>
-          <a:p>
-            <a:pPr indent="-292100" lvl="0" marL="457200" rtl="0" algn="l">
-              <a:spcBef>
-                <a:spcPts val="0"/>
-              </a:spcBef>
-              <a:spcAft>
-                <a:spcPts val="0"/>
-              </a:spcAft>
-              <a:buClr>
-                <a:srgbClr val="FFFFFF"/>
-              </a:buClr>
-              <a:buSzPts val="1000"/>
-              <a:buChar char="●"/>
-            </a:pPr>
-            <a:r>
-              <a:rPr lang="en" sz="1000">
-                <a:solidFill>
-                  <a:schemeClr val="dk1"/>
-                </a:solidFill>
-              </a:rPr>
-              <a:t>.xacro/.urdf: define robot properties (materials, color, geometry, origin, etc)</a:t>
-            </a:r>
-            <a:endParaRPr sz="1000">
-              <a:solidFill>
-                <a:schemeClr val="dk1"/>
-              </a:solidFill>
-            </a:endParaRPr>
-          </a:p>
-          <a:p>
-            <a:pPr indent="-292100" lvl="0" marL="457200" rtl="0" algn="l">
-              <a:spcBef>
-                <a:spcPts val="0"/>
-              </a:spcBef>
-              <a:spcAft>
-                <a:spcPts val="0"/>
-              </a:spcAft>
-              <a:buClr>
-                <a:schemeClr val="dk1"/>
-              </a:buClr>
-              <a:buSzPts val="1000"/>
-              <a:buChar char="●"/>
-            </a:pPr>
-            <a:r>
-              <a:rPr lang="en" sz="1000">
-                <a:solidFill>
-                  <a:schemeClr val="dk1"/>
-                </a:solidFill>
-              </a:rPr>
-              <a:t>.launch: ROS launch files for RViz or Gazebo</a:t>
-            </a:r>
-            <a:endParaRPr sz="1000">
-              <a:solidFill>
-                <a:schemeClr val="dk1"/>
-              </a:solidFill>
-            </a:endParaRPr>
-          </a:p>
-          <a:p>
-            <a:pPr indent="0" lvl="0" marL="457200" rtl="0" algn="l">
-              <a:spcBef>
-                <a:spcPts val="1600"/>
-              </a:spcBef>
-              <a:spcAft>
-                <a:spcPts val="0"/>
-              </a:spcAft>
-              <a:buNone/>
-            </a:pPr>
-            <a:r>
-              <a:t/>
-            </a:r>
-            <a:endParaRPr>
-              <a:solidFill>
-                <a:schemeClr val="dk1"/>
-              </a:solidFill>
-            </a:endParaRPr>
-          </a:p>
-          <a:p>
-            <a:pPr indent="0" lvl="0" marL="0" rtl="0" algn="l">
-              <a:spcBef>
-                <a:spcPts val="1600"/>
-              </a:spcBef>
-              <a:spcAft>
-                <a:spcPts val="1600"/>
-              </a:spcAft>
-              <a:buNone/>
-            </a:pPr>
-            <a:r>
-              <a:t/>
-            </a:r>
-            <a:endParaRPr>
-              <a:solidFill>
-                <a:srgbClr val="FFFFFF"/>
-              </a:solidFill>
-            </a:endParaRPr>
-          </a:p>
         </p:txBody>
       </p:sp>
       <p:pic>
         <p:nvPicPr>
-          <p:cNvPr id="66" name="Google Shape;66;p14"/>
+          <p:cNvPr id="72" name="Google Shape;72;p15"/>
           <p:cNvPicPr preferRelativeResize="0"/>
           <p:nvPr/>
         </p:nvPicPr>
         <p:blipFill>
-          <a:blip r:embed="rId5">
+          <a:blip r:embed="rId4">
             <a:alphaModFix/>
           </a:blip>
           <a:stretch>
@@ -8364,7 +9282,7 @@
       </p:pic>
       <p:sp>
         <p:nvSpPr>
-          <p:cNvPr id="67" name="Google Shape;67;p14"/>
+          <p:cNvPr id="73" name="Google Shape;73;p15"/>
           <p:cNvSpPr txBox="1"/>
           <p:nvPr/>
         </p:nvSpPr>
@@ -8420,12 +9338,12 @@
 </p:sld>
 </file>
 
-<file path=ppt/slides/slide3.xml><?xml version="1.0" encoding="utf-8"?>
+<file path=ppt/slides/slide4.xml><?xml version="1.0" encoding="utf-8"?>
 <p:sld xmlns:a="http://schemas.openxmlformats.org/drawingml/2006/main" xmlns:r="http://schemas.openxmlformats.org/officeDocument/2006/relationships" xmlns:mc="http://schemas.openxmlformats.org/markup-compatibility/2006" xmlns:mv="urn:schemas-microsoft-com:mac:vml" xmlns:p="http://schemas.openxmlformats.org/presentationml/2006/main" xmlns:c="http://schemas.openxmlformats.org/drawingml/2006/chart" xmlns:dgm="http://schemas.openxmlformats.org/drawingml/2006/diagram" xmlns:o="urn:schemas-microsoft-com:office:office" xmlns:v="urn:schemas-microsoft-com:vml" xmlns:pvml="urn:schemas-microsoft-com:office:powerpoint" xmlns:com="http://schemas.openxmlformats.org/drawingml/2006/compatibility" xmlns:p14="http://schemas.microsoft.com/office/powerpoint/2010/main" xmlns:p15="http://schemas.microsoft.com/office/powerpoint/2012/main">
   <p:cSld>
     <p:spTree>
       <p:nvGrpSpPr>
-        <p:cNvPr id="71" name="Shape 71"/>
+        <p:cNvPr id="77" name="Shape 77"/>
         <p:cNvGrpSpPr/>
         <p:nvPr/>
       </p:nvGrpSpPr>
@@ -8439,7 +9357,7 @@
       </p:grpSpPr>
       <p:sp>
         <p:nvSpPr>
-          <p:cNvPr id="72" name="Google Shape;72;p15"/>
+          <p:cNvPr id="78" name="Google Shape;78;p16"/>
           <p:cNvSpPr txBox="1"/>
           <p:nvPr>
             <p:ph type="title"/>
@@ -8470,38 +9388,314 @@
               <a:buNone/>
             </a:pPr>
             <a:r>
-              <a:rPr lang="en"/>
-              <a:t>Robot Architecture </a:t>
+              <a:rPr lang="en" sz="2400"/>
+              <a:t>Launch Gazebo, Spawn Vehicle, and Controlling Vehicle</a:t>
+            </a:r>
+            <a:endParaRPr sz="2400"/>
+          </a:p>
+          <a:p>
+            <a:pPr indent="0" lvl="0" marL="0" rtl="0" algn="l">
+              <a:spcBef>
+                <a:spcPts val="0"/>
+              </a:spcBef>
+              <a:spcAft>
+                <a:spcPts val="0"/>
+              </a:spcAft>
+              <a:buNone/>
+            </a:pPr>
+            <a:r>
+              <a:t/>
+            </a:r>
+            <a:endParaRPr sz="2400"/>
+          </a:p>
+          <a:p>
+            <a:pPr indent="0" lvl="0" marL="0" rtl="0" algn="l">
+              <a:spcBef>
+                <a:spcPts val="0"/>
+              </a:spcBef>
+              <a:spcAft>
+                <a:spcPts val="0"/>
+              </a:spcAft>
+              <a:buNone/>
+            </a:pPr>
+            <a:r>
+              <a:t/>
             </a:r>
             <a:endParaRPr/>
-          </a:p>
-          <a:p>
-            <a:pPr indent="0" lvl="0" marL="0" rtl="0" algn="l">
-              <a:spcBef>
-                <a:spcPts val="0"/>
-              </a:spcBef>
-              <a:spcAft>
-                <a:spcPts val="0"/>
-              </a:spcAft>
-              <a:buNone/>
-            </a:pPr>
-            <a:r>
-              <a:t/>
-            </a:r>
-            <a:endParaRPr sz="1800"/>
           </a:p>
         </p:txBody>
       </p:sp>
       <p:sp>
         <p:nvSpPr>
-          <p:cNvPr id="73" name="Google Shape;73;p15"/>
+          <p:cNvPr id="79" name="Google Shape;79;p16"/>
+          <p:cNvSpPr txBox="1"/>
+          <p:nvPr>
+            <p:ph idx="1" type="body"/>
+          </p:nvPr>
+        </p:nvSpPr>
+        <p:spPr>
+          <a:xfrm>
+            <a:off x="311700" y="1152475"/>
+            <a:ext cx="8520600" cy="3416400"/>
+          </a:xfrm>
+          <a:prstGeom prst="rect">
+            <a:avLst/>
+          </a:prstGeom>
+        </p:spPr>
+        <p:txBody>
+          <a:bodyPr anchorCtr="0" anchor="t" bIns="91425" lIns="91425" spcFirstLastPara="1" rIns="91425" wrap="square" tIns="91425">
+            <a:noAutofit/>
+          </a:bodyPr>
+          <a:lstStyle/>
+          <a:p>
+            <a:pPr indent="0" lvl="0" marL="0" rtl="0" algn="l">
+              <a:spcBef>
+                <a:spcPts val="0"/>
+              </a:spcBef>
+              <a:spcAft>
+                <a:spcPts val="0"/>
+              </a:spcAft>
+              <a:buNone/>
+            </a:pPr>
+            <a:r>
+              <a:rPr lang="en"/>
+              <a:t>After Ubuntu/ROS Installation:</a:t>
+            </a:r>
+            <a:endParaRPr/>
+          </a:p>
+          <a:p>
+            <a:pPr indent="-342900" lvl="0" marL="457200" rtl="0" algn="l">
+              <a:spcBef>
+                <a:spcPts val="1600"/>
+              </a:spcBef>
+              <a:spcAft>
+                <a:spcPts val="0"/>
+              </a:spcAft>
+              <a:buSzPts val="1800"/>
+              <a:buAutoNum type="arabicPeriod"/>
+            </a:pPr>
+            <a:r>
+              <a:rPr lang="en"/>
+              <a:t>Clone git repository: </a:t>
+            </a:r>
+            <a:r>
+              <a:rPr lang="en" u="sng">
+                <a:solidFill>
+                  <a:schemeClr val="hlink"/>
+                </a:solidFill>
+                <a:hlinkClick r:id="rId3"/>
+              </a:rPr>
+              <a:t>https://github.com/KritiHedau/Master_Project</a:t>
+            </a:r>
+            <a:endParaRPr/>
+          </a:p>
+          <a:p>
+            <a:pPr indent="-342900" lvl="0" marL="457200" rtl="0" algn="l">
+              <a:spcBef>
+                <a:spcPts val="0"/>
+              </a:spcBef>
+              <a:spcAft>
+                <a:spcPts val="0"/>
+              </a:spcAft>
+              <a:buSzPts val="1800"/>
+              <a:buAutoNum type="arabicPeriod"/>
+            </a:pPr>
+            <a:r>
+              <a:rPr lang="en"/>
+              <a:t>Change directory into the ‘cmpe295b_ROS’ </a:t>
+            </a:r>
+            <a:endParaRPr/>
+          </a:p>
+          <a:p>
+            <a:pPr indent="-317500" lvl="1" marL="914400" rtl="0" algn="l">
+              <a:spcBef>
+                <a:spcPts val="0"/>
+              </a:spcBef>
+              <a:spcAft>
+                <a:spcPts val="0"/>
+              </a:spcAft>
+              <a:buSzPts val="1400"/>
+              <a:buAutoNum type="alphaLcPeriod"/>
+            </a:pPr>
+            <a:r>
+              <a:rPr lang="en"/>
+              <a:t>‘cd Master_Project/cmpe295_ROS’</a:t>
+            </a:r>
+            <a:endParaRPr/>
+          </a:p>
+          <a:p>
+            <a:pPr indent="-342900" lvl="0" marL="457200" rtl="0" algn="l">
+              <a:spcBef>
+                <a:spcPts val="0"/>
+              </a:spcBef>
+              <a:spcAft>
+                <a:spcPts val="0"/>
+              </a:spcAft>
+              <a:buSzPts val="1800"/>
+              <a:buAutoNum type="arabicPeriod"/>
+            </a:pPr>
+            <a:r>
+              <a:rPr lang="en"/>
+              <a:t>Step-by-Step </a:t>
+            </a:r>
+            <a:r>
+              <a:rPr lang="en"/>
+              <a:t>Walkthrough</a:t>
+            </a:r>
+            <a:r>
+              <a:rPr lang="en"/>
+              <a:t> </a:t>
+            </a:r>
+            <a:endParaRPr/>
+          </a:p>
+          <a:p>
+            <a:pPr indent="-317500" lvl="1" marL="914400" rtl="0" algn="l">
+              <a:spcBef>
+                <a:spcPts val="0"/>
+              </a:spcBef>
+              <a:spcAft>
+                <a:spcPts val="0"/>
+              </a:spcAft>
+              <a:buSzPts val="1400"/>
+              <a:buAutoNum type="alphaLcPeriod"/>
+            </a:pPr>
+            <a:r>
+              <a:rPr lang="en"/>
+              <a:t>Youtube Video: </a:t>
+            </a:r>
+            <a:r>
+              <a:rPr lang="en" u="sng">
+                <a:solidFill>
+                  <a:schemeClr val="hlink"/>
+                </a:solidFill>
+                <a:hlinkClick r:id="rId4"/>
+              </a:rPr>
+              <a:t>https://youtu.be/ICDupz6L-vI</a:t>
+            </a:r>
+            <a:endParaRPr/>
+          </a:p>
+          <a:p>
+            <a:pPr indent="0" lvl="0" marL="914400" rtl="0" algn="l">
+              <a:spcBef>
+                <a:spcPts val="1600"/>
+              </a:spcBef>
+              <a:spcAft>
+                <a:spcPts val="0"/>
+              </a:spcAft>
+              <a:buNone/>
+            </a:pPr>
+            <a:r>
+              <a:t/>
+            </a:r>
+            <a:endParaRPr/>
+          </a:p>
+          <a:p>
+            <a:pPr indent="0" lvl="0" marL="0" rtl="0" algn="l">
+              <a:spcBef>
+                <a:spcPts val="1600"/>
+              </a:spcBef>
+              <a:spcAft>
+                <a:spcPts val="1600"/>
+              </a:spcAft>
+              <a:buNone/>
+            </a:pPr>
+            <a:r>
+              <a:t/>
+            </a:r>
+            <a:endParaRPr/>
+          </a:p>
+        </p:txBody>
+      </p:sp>
+    </p:spTree>
+  </p:cSld>
+  <p:clrMapOvr>
+    <a:masterClrMapping/>
+  </p:clrMapOvr>
+</p:sld>
+</file>
+
+<file path=ppt/slides/slide5.xml><?xml version="1.0" encoding="utf-8"?>
+<p:sld xmlns:a="http://schemas.openxmlformats.org/drawingml/2006/main" xmlns:r="http://schemas.openxmlformats.org/officeDocument/2006/relationships" xmlns:mc="http://schemas.openxmlformats.org/markup-compatibility/2006" xmlns:mv="urn:schemas-microsoft-com:mac:vml" xmlns:p="http://schemas.openxmlformats.org/presentationml/2006/main" xmlns:c="http://schemas.openxmlformats.org/drawingml/2006/chart" xmlns:dgm="http://schemas.openxmlformats.org/drawingml/2006/diagram" xmlns:o="urn:schemas-microsoft-com:office:office" xmlns:v="urn:schemas-microsoft-com:vml" xmlns:pvml="urn:schemas-microsoft-com:office:powerpoint" xmlns:com="http://schemas.openxmlformats.org/drawingml/2006/compatibility" xmlns:p14="http://schemas.microsoft.com/office/powerpoint/2010/main" xmlns:p15="http://schemas.microsoft.com/office/powerpoint/2012/main">
+  <p:cSld>
+    <p:spTree>
+      <p:nvGrpSpPr>
+        <p:cNvPr id="83" name="Shape 83"/>
+        <p:cNvGrpSpPr/>
+        <p:nvPr/>
+      </p:nvGrpSpPr>
+      <p:grpSpPr>
+        <a:xfrm>
+          <a:off x="0" y="0"/>
+          <a:ext cx="0" cy="0"/>
+          <a:chOff x="0" y="0"/>
+          <a:chExt cx="0" cy="0"/>
+        </a:xfrm>
+      </p:grpSpPr>
+      <p:sp>
+        <p:nvSpPr>
+          <p:cNvPr id="84" name="Google Shape;84;p17"/>
+          <p:cNvSpPr txBox="1"/>
+          <p:nvPr>
+            <p:ph type="title"/>
+          </p:nvPr>
+        </p:nvSpPr>
+        <p:spPr>
+          <a:xfrm>
+            <a:off x="311700" y="59275"/>
+            <a:ext cx="8520600" cy="572700"/>
+          </a:xfrm>
+          <a:prstGeom prst="rect">
+            <a:avLst/>
+          </a:prstGeom>
+        </p:spPr>
+        <p:txBody>
+          <a:bodyPr anchorCtr="0" anchor="t" bIns="91425" lIns="91425" spcFirstLastPara="1" rIns="91425" wrap="square" tIns="91425">
+            <a:noAutofit/>
+          </a:bodyPr>
+          <a:lstStyle/>
+          <a:p>
+            <a:pPr indent="0" lvl="0" marL="0" rtl="0" algn="l">
+              <a:spcBef>
+                <a:spcPts val="0"/>
+              </a:spcBef>
+              <a:spcAft>
+                <a:spcPts val="0"/>
+              </a:spcAft>
+              <a:buNone/>
+            </a:pPr>
+            <a:r>
+              <a:rPr lang="en"/>
+              <a:t>Robot Architecture </a:t>
+            </a:r>
+            <a:endParaRPr/>
+          </a:p>
+          <a:p>
+            <a:pPr indent="0" lvl="0" marL="0" rtl="0" algn="l">
+              <a:spcBef>
+                <a:spcPts val="0"/>
+              </a:spcBef>
+              <a:spcAft>
+                <a:spcPts val="0"/>
+              </a:spcAft>
+              <a:buNone/>
+            </a:pPr>
+            <a:r>
+              <a:t/>
+            </a:r>
+            <a:endParaRPr sz="1800"/>
+          </a:p>
+        </p:txBody>
+      </p:sp>
+      <p:sp>
+        <p:nvSpPr>
+          <p:cNvPr id="85" name="Google Shape;85;p17"/>
           <p:cNvSpPr txBox="1"/>
           <p:nvPr/>
         </p:nvSpPr>
         <p:spPr>
           <a:xfrm>
-            <a:off x="123150" y="1206725"/>
-            <a:ext cx="5701500" cy="3822600"/>
+            <a:off x="123250" y="593200"/>
+            <a:ext cx="5701500" cy="4168500"/>
           </a:xfrm>
           <a:prstGeom prst="rect">
             <a:avLst/>
@@ -8527,12 +9721,31 @@
               <a:buNone/>
             </a:pPr>
             <a:r>
-              <a:rPr lang="en" sz="1800">
+              <a:rPr lang="en" sz="1000">
                 <a:solidFill>
                   <a:srgbClr val="FFFFFF"/>
                 </a:solidFill>
               </a:rPr>
-              <a:t>Building Blocks for Graphical Model of Robot</a:t>
+              <a:t>Defined in File: ~/Master_Project/cmpe295b_ROS/simulation_ws/src/two_wheel_robot/4_two_wheel_robot_revA.xacro</a:t>
+            </a:r>
+            <a:endParaRPr sz="1000">
+              <a:solidFill>
+                <a:srgbClr val="FFFFFF"/>
+              </a:solidFill>
+            </a:endParaRPr>
+          </a:p>
+          <a:p>
+            <a:pPr indent="0" lvl="0" marL="0" rtl="0" algn="l">
+              <a:spcBef>
+                <a:spcPts val="0"/>
+              </a:spcBef>
+              <a:spcAft>
+                <a:spcPts val="0"/>
+              </a:spcAft>
+              <a:buNone/>
+            </a:pPr>
+            <a:r>
+              <a:t/>
             </a:r>
             <a:endParaRPr sz="1800">
               <a:solidFill>
@@ -8541,6 +9754,30 @@
             </a:endParaRPr>
           </a:p>
           <a:p>
+            <a:pPr indent="0" lvl="0" marL="0" rtl="0" algn="l">
+              <a:spcBef>
+                <a:spcPts val="0"/>
+              </a:spcBef>
+              <a:spcAft>
+                <a:spcPts val="0"/>
+              </a:spcAft>
+              <a:buNone/>
+            </a:pPr>
+            <a:r>
+              <a:rPr lang="en" sz="1800">
+                <a:solidFill>
+                  <a:srgbClr val="FFFFFF"/>
+                </a:solidFill>
+              </a:rPr>
+              <a:t>Building Blocks for Graphical Model of Robot</a:t>
+            </a:r>
+            <a:endParaRPr sz="1800">
+              <a:solidFill>
+                <a:srgbClr val="FFFFFF"/>
+              </a:solidFill>
+            </a:endParaRPr>
+          </a:p>
+          <a:p>
             <a:pPr indent="-342900" lvl="0" marL="457200" rtl="0" algn="l">
               <a:spcBef>
                 <a:spcPts val="0"/>
@@ -8883,7 +10120,7 @@
       </p:sp>
       <p:sp>
         <p:nvSpPr>
-          <p:cNvPr id="74" name="Google Shape;74;p15"/>
+          <p:cNvPr id="86" name="Google Shape;86;p17"/>
           <p:cNvSpPr txBox="1"/>
           <p:nvPr/>
         </p:nvSpPr>
@@ -8941,7 +10178,7 @@
       </p:sp>
       <p:sp>
         <p:nvSpPr>
-          <p:cNvPr id="75" name="Google Shape;75;p15"/>
+          <p:cNvPr id="87" name="Google Shape;87;p17"/>
           <p:cNvSpPr txBox="1"/>
           <p:nvPr/>
         </p:nvSpPr>
@@ -8991,7 +10228,7 @@
       </p:sp>
       <p:pic>
         <p:nvPicPr>
-          <p:cNvPr id="76" name="Google Shape;76;p15"/>
+          <p:cNvPr id="88" name="Google Shape;88;p17"/>
           <p:cNvPicPr preferRelativeResize="0"/>
           <p:nvPr/>
         </p:nvPicPr>
@@ -9019,7 +10256,7 @@
       </p:pic>
       <p:pic>
         <p:nvPicPr>
-          <p:cNvPr id="77" name="Google Shape;77;p15"/>
+          <p:cNvPr id="89" name="Google Shape;89;p17"/>
           <p:cNvPicPr preferRelativeResize="0"/>
           <p:nvPr/>
         </p:nvPicPr>
@@ -9053,12 +10290,12 @@
 </p:sld>
 </file>
 
-<file path=ppt/slides/slide4.xml><?xml version="1.0" encoding="utf-8"?>
+<file path=ppt/slides/slide6.xml><?xml version="1.0" encoding="utf-8"?>
 <p:sld xmlns:a="http://schemas.openxmlformats.org/drawingml/2006/main" xmlns:r="http://schemas.openxmlformats.org/officeDocument/2006/relationships" xmlns:mc="http://schemas.openxmlformats.org/markup-compatibility/2006" xmlns:mv="urn:schemas-microsoft-com:mac:vml" xmlns:p="http://schemas.openxmlformats.org/presentationml/2006/main" xmlns:c="http://schemas.openxmlformats.org/drawingml/2006/chart" xmlns:dgm="http://schemas.openxmlformats.org/drawingml/2006/diagram" xmlns:o="urn:schemas-microsoft-com:office:office" xmlns:v="urn:schemas-microsoft-com:vml" xmlns:pvml="urn:schemas-microsoft-com:office:powerpoint" xmlns:com="http://schemas.openxmlformats.org/drawingml/2006/compatibility" xmlns:p14="http://schemas.microsoft.com/office/powerpoint/2010/main" xmlns:p15="http://schemas.microsoft.com/office/powerpoint/2012/main">
   <p:cSld>
     <p:spTree>
       <p:nvGrpSpPr>
-        <p:cNvPr id="81" name="Shape 81"/>
+        <p:cNvPr id="93" name="Shape 93"/>
         <p:cNvGrpSpPr/>
         <p:nvPr/>
       </p:nvGrpSpPr>
@@ -9072,7 +10309,7 @@
       </p:grpSpPr>
       <p:sp>
         <p:nvSpPr>
-          <p:cNvPr id="82" name="Google Shape;82;p16"/>
+          <p:cNvPr id="94" name="Google Shape;94;p18"/>
           <p:cNvSpPr txBox="1"/>
           <p:nvPr>
             <p:ph type="title"/>
@@ -9112,7 +10349,7 @@
       </p:sp>
       <p:sp>
         <p:nvSpPr>
-          <p:cNvPr id="83" name="Google Shape;83;p16"/>
+          <p:cNvPr id="95" name="Google Shape;95;p18"/>
           <p:cNvSpPr txBox="1"/>
           <p:nvPr>
             <p:ph idx="1" type="body"/>
@@ -9284,7 +10521,7 @@
       </p:sp>
       <p:pic>
         <p:nvPicPr>
-          <p:cNvPr id="84" name="Google Shape;84;p16"/>
+          <p:cNvPr id="96" name="Google Shape;96;p18"/>
           <p:cNvPicPr preferRelativeResize="0"/>
           <p:nvPr/>
         </p:nvPicPr>
@@ -9312,7 +10549,7 @@
       </p:pic>
       <p:pic>
         <p:nvPicPr>
-          <p:cNvPr id="85" name="Google Shape;85;p16"/>
+          <p:cNvPr id="97" name="Google Shape;97;p18"/>
           <p:cNvPicPr preferRelativeResize="0"/>
           <p:nvPr/>
         </p:nvPicPr>
@@ -9346,659 +10583,6 @@
 </p:sld>
 </file>
 
-<file path=ppt/slides/slide5.xml><?xml version="1.0" encoding="utf-8"?>
-<p:sld xmlns:a="http://schemas.openxmlformats.org/drawingml/2006/main" xmlns:r="http://schemas.openxmlformats.org/officeDocument/2006/relationships" xmlns:mc="http://schemas.openxmlformats.org/markup-compatibility/2006" xmlns:mv="urn:schemas-microsoft-com:mac:vml" xmlns:p="http://schemas.openxmlformats.org/presentationml/2006/main" xmlns:c="http://schemas.openxmlformats.org/drawingml/2006/chart" xmlns:dgm="http://schemas.openxmlformats.org/drawingml/2006/diagram" xmlns:o="urn:schemas-microsoft-com:office:office" xmlns:v="urn:schemas-microsoft-com:vml" xmlns:pvml="urn:schemas-microsoft-com:office:powerpoint" xmlns:com="http://schemas.openxmlformats.org/drawingml/2006/compatibility" xmlns:p14="http://schemas.microsoft.com/office/powerpoint/2010/main" xmlns:p15="http://schemas.microsoft.com/office/powerpoint/2012/main">
-  <p:cSld>
-    <p:spTree>
-      <p:nvGrpSpPr>
-        <p:cNvPr id="89" name="Shape 89"/>
-        <p:cNvGrpSpPr/>
-        <p:nvPr/>
-      </p:nvGrpSpPr>
-      <p:grpSpPr>
-        <a:xfrm>
-          <a:off x="0" y="0"/>
-          <a:ext cx="0" cy="0"/>
-          <a:chOff x="0" y="0"/>
-          <a:chExt cx="0" cy="0"/>
-        </a:xfrm>
-      </p:grpSpPr>
-      <p:sp>
-        <p:nvSpPr>
-          <p:cNvPr id="90" name="Google Shape;90;p17"/>
-          <p:cNvSpPr txBox="1"/>
-          <p:nvPr>
-            <p:ph type="title"/>
-          </p:nvPr>
-        </p:nvSpPr>
-        <p:spPr>
-          <a:xfrm>
-            <a:off x="311700" y="445025"/>
-            <a:ext cx="8520600" cy="572700"/>
-          </a:xfrm>
-          <a:prstGeom prst="rect">
-            <a:avLst/>
-          </a:prstGeom>
-        </p:spPr>
-        <p:txBody>
-          <a:bodyPr anchorCtr="0" anchor="t" bIns="91425" lIns="91425" spcFirstLastPara="1" rIns="91425" wrap="square" tIns="91425">
-            <a:noAutofit/>
-          </a:bodyPr>
-          <a:lstStyle/>
-          <a:p>
-            <a:pPr indent="0" lvl="0" marL="0" rtl="0" algn="l">
-              <a:spcBef>
-                <a:spcPts val="0"/>
-              </a:spcBef>
-              <a:spcAft>
-                <a:spcPts val="0"/>
-              </a:spcAft>
-              <a:buNone/>
-            </a:pPr>
-            <a:r>
-              <a:rPr lang="en"/>
-              <a:t>Lidar </a:t>
-            </a:r>
-            <a:r>
-              <a:rPr lang="en"/>
-              <a:t>Visualization in ROS</a:t>
-            </a:r>
-            <a:endParaRPr/>
-          </a:p>
-        </p:txBody>
-      </p:sp>
-      <p:sp>
-        <p:nvSpPr>
-          <p:cNvPr id="91" name="Google Shape;91;p17"/>
-          <p:cNvSpPr txBox="1"/>
-          <p:nvPr>
-            <p:ph idx="1" type="body"/>
-          </p:nvPr>
-        </p:nvSpPr>
-        <p:spPr>
-          <a:xfrm>
-            <a:off x="131750" y="907900"/>
-            <a:ext cx="8520600" cy="3416400"/>
-          </a:xfrm>
-          <a:prstGeom prst="rect">
-            <a:avLst/>
-          </a:prstGeom>
-          <a:ln cap="flat" cmpd="sng" w="9525">
-            <a:solidFill>
-              <a:srgbClr val="000000"/>
-            </a:solidFill>
-            <a:prstDash val="solid"/>
-            <a:round/>
-            <a:headEnd len="sm" w="sm" type="none"/>
-            <a:tailEnd len="sm" w="sm" type="none"/>
-          </a:ln>
-        </p:spPr>
-        <p:txBody>
-          <a:bodyPr anchorCtr="0" anchor="t" bIns="91425" lIns="91425" spcFirstLastPara="1" rIns="91425" wrap="square" tIns="91425">
-            <a:noAutofit/>
-          </a:bodyPr>
-          <a:lstStyle/>
-          <a:p>
-            <a:pPr indent="0" lvl="0" marL="0" rtl="0" algn="l">
-              <a:lnSpc>
-                <a:spcPct val="70000"/>
-              </a:lnSpc>
-              <a:spcBef>
-                <a:spcPts val="0"/>
-              </a:spcBef>
-              <a:spcAft>
-                <a:spcPts val="0"/>
-              </a:spcAft>
-              <a:buNone/>
-            </a:pPr>
-            <a:r>
-              <a:rPr lang="en"/>
-              <a:t>1.Save lidar points into file (.pts):</a:t>
-            </a:r>
-            <a:endParaRPr/>
-          </a:p>
-          <a:p>
-            <a:pPr indent="0" lvl="0" marL="0" rtl="0" algn="l">
-              <a:lnSpc>
-                <a:spcPct val="70000"/>
-              </a:lnSpc>
-              <a:spcBef>
-                <a:spcPts val="1600"/>
-              </a:spcBef>
-              <a:spcAft>
-                <a:spcPts val="0"/>
-              </a:spcAft>
-              <a:buNone/>
-            </a:pPr>
-            <a:r>
-              <a:rPr lang="en"/>
-              <a:t>Number of points</a:t>
-            </a:r>
-            <a:endParaRPr/>
-          </a:p>
-          <a:p>
-            <a:pPr indent="0" lvl="0" marL="0" rtl="0" algn="l">
-              <a:lnSpc>
-                <a:spcPct val="70000"/>
-              </a:lnSpc>
-              <a:spcBef>
-                <a:spcPts val="1600"/>
-              </a:spcBef>
-              <a:spcAft>
-                <a:spcPts val="0"/>
-              </a:spcAft>
-              <a:buNone/>
-            </a:pPr>
-            <a:r>
-              <a:rPr lang="en"/>
-              <a:t>X Y Z Reflectance R G B</a:t>
-            </a:r>
-            <a:endParaRPr/>
-          </a:p>
-          <a:p>
-            <a:pPr indent="0" lvl="0" marL="0" rtl="0" algn="l">
-              <a:lnSpc>
-                <a:spcPct val="70000"/>
-              </a:lnSpc>
-              <a:spcBef>
-                <a:spcPts val="1600"/>
-              </a:spcBef>
-              <a:spcAft>
-                <a:spcPts val="0"/>
-              </a:spcAft>
-              <a:buNone/>
-            </a:pPr>
-            <a:r>
-              <a:rPr lang="en"/>
-              <a:t>2. Convert PTS to PCD</a:t>
-            </a:r>
-            <a:endParaRPr/>
-          </a:p>
-          <a:p>
-            <a:pPr indent="-342900" lvl="0" marL="914400" rtl="0" algn="l">
-              <a:lnSpc>
-                <a:spcPct val="70000"/>
-              </a:lnSpc>
-              <a:spcBef>
-                <a:spcPts val="1600"/>
-              </a:spcBef>
-              <a:spcAft>
-                <a:spcPts val="0"/>
-              </a:spcAft>
-              <a:buSzPts val="1800"/>
-              <a:buAutoNum type="alphaLcPeriod"/>
-            </a:pPr>
-            <a:r>
-              <a:rPr lang="en"/>
-              <a:t>Convert .pts to .ply using meshlab: </a:t>
-            </a:r>
-            <a:r>
-              <a:rPr lang="en" sz="1100" u="sng">
-                <a:solidFill>
-                  <a:schemeClr val="hlink"/>
-                </a:solidFill>
-                <a:latin typeface="Arial"/>
-                <a:ea typeface="Arial"/>
-                <a:cs typeface="Arial"/>
-                <a:sym typeface="Arial"/>
-                <a:hlinkClick r:id="rId3"/>
-              </a:rPr>
-              <a:t>http://www.meshlab.net/#download</a:t>
-            </a:r>
-            <a:endParaRPr/>
-          </a:p>
-          <a:p>
-            <a:pPr indent="-342900" lvl="0" marL="914400" rtl="0" algn="l">
-              <a:lnSpc>
-                <a:spcPct val="70000"/>
-              </a:lnSpc>
-              <a:spcBef>
-                <a:spcPts val="0"/>
-              </a:spcBef>
-              <a:spcAft>
-                <a:spcPts val="0"/>
-              </a:spcAft>
-              <a:buSzPts val="1800"/>
-              <a:buAutoNum type="alphaLcPeriod"/>
-            </a:pPr>
-            <a:r>
-              <a:rPr lang="en"/>
-              <a:t>Import .pts to mesh lab and save mesh as .ply</a:t>
-            </a:r>
-            <a:endParaRPr/>
-          </a:p>
-          <a:p>
-            <a:pPr indent="-342900" lvl="0" marL="914400" rtl="0" algn="l">
-              <a:lnSpc>
-                <a:spcPct val="70000"/>
-              </a:lnSpc>
-              <a:spcBef>
-                <a:spcPts val="0"/>
-              </a:spcBef>
-              <a:spcAft>
-                <a:spcPts val="0"/>
-              </a:spcAft>
-              <a:buSzPts val="1800"/>
-              <a:buAutoNum type="alphaLcPeriod"/>
-            </a:pPr>
-            <a:r>
-              <a:rPr lang="en"/>
-              <a:t>Convert .ply to .pcd using: </a:t>
-            </a:r>
-            <a:r>
-              <a:rPr lang="en" sz="1100" u="sng">
-                <a:solidFill>
-                  <a:schemeClr val="hlink"/>
-                </a:solidFill>
-                <a:latin typeface="Arial"/>
-                <a:ea typeface="Arial"/>
-                <a:cs typeface="Arial"/>
-                <a:sym typeface="Arial"/>
-                <a:hlinkClick r:id="rId4"/>
-              </a:rPr>
-              <a:t>https://github.com/PointCloudLibrary/pcl/blob/master/io/tools/converter.cpp</a:t>
-            </a:r>
-            <a:endParaRPr/>
-          </a:p>
-          <a:p>
-            <a:pPr indent="0" lvl="0" marL="0" rtl="0" algn="l">
-              <a:lnSpc>
-                <a:spcPct val="70000"/>
-              </a:lnSpc>
-              <a:spcBef>
-                <a:spcPts val="1600"/>
-              </a:spcBef>
-              <a:spcAft>
-                <a:spcPts val="0"/>
-              </a:spcAft>
-              <a:buNone/>
-            </a:pPr>
-            <a:r>
-              <a:rPr lang="en"/>
-              <a:t>3. Import pcd file to Rviz: </a:t>
-            </a:r>
-            <a:endParaRPr/>
-          </a:p>
-          <a:p>
-            <a:pPr indent="-317500" lvl="1" marL="914400" rtl="0" algn="l">
-              <a:lnSpc>
-                <a:spcPct val="70000"/>
-              </a:lnSpc>
-              <a:spcBef>
-                <a:spcPts val="1600"/>
-              </a:spcBef>
-              <a:spcAft>
-                <a:spcPts val="0"/>
-              </a:spcAft>
-              <a:buSzPts val="1400"/>
-              <a:buAutoNum type="alphaLcPeriod"/>
-            </a:pPr>
-            <a:r>
-              <a:rPr lang="en"/>
-              <a:t>Roscore/Rosrun available after installing ROS</a:t>
-            </a:r>
-            <a:endParaRPr/>
-          </a:p>
-          <a:p>
-            <a:pPr indent="-317500" lvl="1" marL="914400" rtl="0" algn="l">
-              <a:lnSpc>
-                <a:spcPct val="70000"/>
-              </a:lnSpc>
-              <a:spcBef>
-                <a:spcPts val="0"/>
-              </a:spcBef>
-              <a:spcAft>
-                <a:spcPts val="0"/>
-              </a:spcAft>
-              <a:buSzPts val="1400"/>
-              <a:buAutoNum type="alphaLcPeriod"/>
-            </a:pPr>
-            <a:r>
-              <a:rPr lang="en"/>
-              <a:t>4 terminals required to visualize lidar data</a:t>
-            </a:r>
-            <a:endParaRPr/>
-          </a:p>
-          <a:p>
-            <a:pPr indent="-317500" lvl="1" marL="914400" rtl="0" algn="l">
-              <a:lnSpc>
-                <a:spcPct val="70000"/>
-              </a:lnSpc>
-              <a:spcBef>
-                <a:spcPts val="0"/>
-              </a:spcBef>
-              <a:spcAft>
-                <a:spcPts val="0"/>
-              </a:spcAft>
-              <a:buSzPts val="1400"/>
-              <a:buAutoNum type="alphaLcPeriod"/>
-            </a:pPr>
-            <a:r>
-              <a:rPr lang="en"/>
-              <a:t>1st terminal: “roscore” runs ROS</a:t>
-            </a:r>
-            <a:endParaRPr/>
-          </a:p>
-          <a:p>
-            <a:pPr indent="-317500" lvl="1" marL="914400" rtl="0" algn="l">
-              <a:lnSpc>
-                <a:spcPct val="70000"/>
-              </a:lnSpc>
-              <a:spcBef>
-                <a:spcPts val="0"/>
-              </a:spcBef>
-              <a:spcAft>
-                <a:spcPts val="0"/>
-              </a:spcAft>
-              <a:buSzPts val="1400"/>
-              <a:buAutoNum type="alphaLcPeriod"/>
-            </a:pPr>
-            <a:r>
-              <a:rPr lang="en"/>
-              <a:t>2nd terminal: read in .pcd file “</a:t>
-            </a:r>
-            <a:r>
-              <a:rPr lang="en" sz="1000">
-                <a:solidFill>
-                  <a:srgbClr val="FFFFFF"/>
-                </a:solidFill>
-                <a:latin typeface="Arial"/>
-                <a:ea typeface="Arial"/>
-                <a:cs typeface="Arial"/>
-                <a:sym typeface="Arial"/>
-              </a:rPr>
-              <a:t>rosrun pcl_ros pcd_to_pointcloud file.pcd 0.1_frame_id:=/odom”</a:t>
-            </a:r>
-            <a:endParaRPr sz="1000">
-              <a:solidFill>
-                <a:srgbClr val="FFFFFF"/>
-              </a:solidFill>
-              <a:latin typeface="Arial"/>
-              <a:ea typeface="Arial"/>
-              <a:cs typeface="Arial"/>
-              <a:sym typeface="Arial"/>
-            </a:endParaRPr>
-          </a:p>
-          <a:p>
-            <a:pPr indent="-317500" lvl="1" marL="914400" rtl="0" algn="l">
-              <a:lnSpc>
-                <a:spcPct val="70000"/>
-              </a:lnSpc>
-              <a:spcBef>
-                <a:spcPts val="0"/>
-              </a:spcBef>
-              <a:spcAft>
-                <a:spcPts val="0"/>
-              </a:spcAft>
-              <a:buSzPts val="1400"/>
-              <a:buAutoNum type="alphaLcPeriod"/>
-            </a:pPr>
-            <a:r>
-              <a:rPr lang="en"/>
-              <a:t>3rd terminal: set the position of the axes in the world: “</a:t>
-            </a:r>
-            <a:r>
-              <a:rPr lang="en" sz="1000">
-                <a:solidFill>
-                  <a:srgbClr val="FFFFFF"/>
-                </a:solidFill>
-                <a:latin typeface="Arial"/>
-                <a:ea typeface="Arial"/>
-                <a:cs typeface="Arial"/>
-                <a:sym typeface="Arial"/>
-              </a:rPr>
-              <a:t>rosrun tf static_transform_publisher -0.25 -2.5 0 79.5 0 0 odom start 1</a:t>
-            </a:r>
-            <a:r>
-              <a:rPr lang="en"/>
-              <a:t>”</a:t>
-            </a:r>
-            <a:endParaRPr/>
-          </a:p>
-          <a:p>
-            <a:pPr indent="-317500" lvl="1" marL="914400" rtl="0" algn="l">
-              <a:lnSpc>
-                <a:spcPct val="70000"/>
-              </a:lnSpc>
-              <a:spcBef>
-                <a:spcPts val="0"/>
-              </a:spcBef>
-              <a:spcAft>
-                <a:spcPts val="0"/>
-              </a:spcAft>
-              <a:buSzPts val="1400"/>
-              <a:buAutoNum type="alphaLcPeriod"/>
-            </a:pPr>
-            <a:r>
-              <a:rPr lang="en"/>
-              <a:t>4th terminal: run rviz for visualization: “rosrun rviz rviz”</a:t>
-            </a:r>
-            <a:endParaRPr sz="1000">
-              <a:solidFill>
-                <a:srgbClr val="FFFFFF"/>
-              </a:solidFill>
-              <a:latin typeface="Arial"/>
-              <a:ea typeface="Arial"/>
-              <a:cs typeface="Arial"/>
-              <a:sym typeface="Arial"/>
-            </a:endParaRPr>
-          </a:p>
-        </p:txBody>
-      </p:sp>
-    </p:spTree>
-  </p:cSld>
-  <p:clrMapOvr>
-    <a:masterClrMapping/>
-  </p:clrMapOvr>
-</p:sld>
-</file>
-
-<file path=ppt/slides/slide6.xml><?xml version="1.0" encoding="utf-8"?>
-<p:sld xmlns:a="http://schemas.openxmlformats.org/drawingml/2006/main" xmlns:r="http://schemas.openxmlformats.org/officeDocument/2006/relationships" xmlns:mc="http://schemas.openxmlformats.org/markup-compatibility/2006" xmlns:mv="urn:schemas-microsoft-com:mac:vml" xmlns:p="http://schemas.openxmlformats.org/presentationml/2006/main" xmlns:c="http://schemas.openxmlformats.org/drawingml/2006/chart" xmlns:dgm="http://schemas.openxmlformats.org/drawingml/2006/diagram" xmlns:o="urn:schemas-microsoft-com:office:office" xmlns:v="urn:schemas-microsoft-com:vml" xmlns:pvml="urn:schemas-microsoft-com:office:powerpoint" xmlns:com="http://schemas.openxmlformats.org/drawingml/2006/compatibility" xmlns:p14="http://schemas.microsoft.com/office/powerpoint/2010/main" xmlns:p15="http://schemas.microsoft.com/office/powerpoint/2012/main">
-  <p:cSld>
-    <p:spTree>
-      <p:nvGrpSpPr>
-        <p:cNvPr id="95" name="Shape 95"/>
-        <p:cNvGrpSpPr/>
-        <p:nvPr/>
-      </p:nvGrpSpPr>
-      <p:grpSpPr>
-        <a:xfrm>
-          <a:off x="0" y="0"/>
-          <a:ext cx="0" cy="0"/>
-          <a:chOff x="0" y="0"/>
-          <a:chExt cx="0" cy="0"/>
-        </a:xfrm>
-      </p:grpSpPr>
-      <p:sp>
-        <p:nvSpPr>
-          <p:cNvPr id="96" name="Google Shape;96;p18"/>
-          <p:cNvSpPr txBox="1"/>
-          <p:nvPr>
-            <p:ph type="title"/>
-          </p:nvPr>
-        </p:nvSpPr>
-        <p:spPr>
-          <a:xfrm>
-            <a:off x="311700" y="290850"/>
-            <a:ext cx="8520600" cy="572700"/>
-          </a:xfrm>
-          <a:prstGeom prst="rect">
-            <a:avLst/>
-          </a:prstGeom>
-        </p:spPr>
-        <p:txBody>
-          <a:bodyPr anchorCtr="0" anchor="t" bIns="91425" lIns="91425" spcFirstLastPara="1" rIns="91425" wrap="square" tIns="91425">
-            <a:noAutofit/>
-          </a:bodyPr>
-          <a:lstStyle/>
-          <a:p>
-            <a:pPr indent="0" lvl="0" marL="0" rtl="0" algn="l">
-              <a:spcBef>
-                <a:spcPts val="0"/>
-              </a:spcBef>
-              <a:spcAft>
-                <a:spcPts val="0"/>
-              </a:spcAft>
-              <a:buNone/>
-            </a:pPr>
-            <a:r>
-              <a:rPr lang="en"/>
-              <a:t>Lidar Visualization in ROS cont.</a:t>
-            </a:r>
-            <a:endParaRPr/>
-          </a:p>
-        </p:txBody>
-      </p:sp>
-      <p:sp>
-        <p:nvSpPr>
-          <p:cNvPr id="97" name="Google Shape;97;p18"/>
-          <p:cNvSpPr txBox="1"/>
-          <p:nvPr>
-            <p:ph idx="1" type="body"/>
-          </p:nvPr>
-        </p:nvSpPr>
-        <p:spPr>
-          <a:xfrm>
-            <a:off x="153925" y="863550"/>
-            <a:ext cx="8520600" cy="3416400"/>
-          </a:xfrm>
-          <a:prstGeom prst="rect">
-            <a:avLst/>
-          </a:prstGeom>
-          <a:ln cap="flat" cmpd="sng" w="9525">
-            <a:solidFill>
-              <a:srgbClr val="000000"/>
-            </a:solidFill>
-            <a:prstDash val="solid"/>
-            <a:round/>
-            <a:headEnd len="sm" w="sm" type="none"/>
-            <a:tailEnd len="sm" w="sm" type="none"/>
-          </a:ln>
-        </p:spPr>
-        <p:txBody>
-          <a:bodyPr anchorCtr="0" anchor="t" bIns="91425" lIns="91425" spcFirstLastPara="1" rIns="91425" wrap="square" tIns="91425">
-            <a:noAutofit/>
-          </a:bodyPr>
-          <a:lstStyle/>
-          <a:p>
-            <a:pPr indent="-342900" lvl="0" marL="457200" rtl="0" algn="l">
-              <a:lnSpc>
-                <a:spcPct val="70000"/>
-              </a:lnSpc>
-              <a:spcBef>
-                <a:spcPts val="0"/>
-              </a:spcBef>
-              <a:spcAft>
-                <a:spcPts val="0"/>
-              </a:spcAft>
-              <a:buSzPts val="1800"/>
-              <a:buAutoNum type="arabicPeriod"/>
-            </a:pPr>
-            <a:r>
-              <a:rPr lang="en"/>
-              <a:t>RVIZ GUI</a:t>
-            </a:r>
-            <a:endParaRPr/>
-          </a:p>
-          <a:p>
-            <a:pPr indent="-342900" lvl="1" marL="914400" rtl="0" algn="l">
-              <a:lnSpc>
-                <a:spcPct val="70000"/>
-              </a:lnSpc>
-              <a:spcBef>
-                <a:spcPts val="0"/>
-              </a:spcBef>
-              <a:spcAft>
-                <a:spcPts val="0"/>
-              </a:spcAft>
-              <a:buSzPts val="1800"/>
-              <a:buAutoNum type="alphaLcPeriod"/>
-            </a:pPr>
-            <a:r>
-              <a:rPr lang="en" sz="1800"/>
-              <a:t>Change fixed frame to “odom”</a:t>
-            </a:r>
-            <a:endParaRPr sz="1800"/>
-          </a:p>
-          <a:p>
-            <a:pPr indent="-342900" lvl="1" marL="914400" rtl="0" algn="l">
-              <a:lnSpc>
-                <a:spcPct val="70000"/>
-              </a:lnSpc>
-              <a:spcBef>
-                <a:spcPts val="0"/>
-              </a:spcBef>
-              <a:spcAft>
-                <a:spcPts val="0"/>
-              </a:spcAft>
-              <a:buSzPts val="1800"/>
-              <a:buAutoNum type="alphaLcPeriod"/>
-            </a:pPr>
-            <a:r>
-              <a:rPr lang="en" sz="1800"/>
-              <a:t>Add pointcloud 2 node and change topic to “cloud_pcd”*see terminal 2 for topic name</a:t>
-            </a:r>
-            <a:endParaRPr sz="1800"/>
-          </a:p>
-          <a:p>
-            <a:pPr indent="-342900" lvl="1" marL="914400" rtl="0" algn="l">
-              <a:lnSpc>
-                <a:spcPct val="70000"/>
-              </a:lnSpc>
-              <a:spcBef>
-                <a:spcPts val="0"/>
-              </a:spcBef>
-              <a:spcAft>
-                <a:spcPts val="0"/>
-              </a:spcAft>
-              <a:buSzPts val="1800"/>
-              <a:buAutoNum type="alphaLcPeriod"/>
-            </a:pPr>
-            <a:r>
-              <a:rPr lang="en" sz="1800"/>
-              <a:t>Add axes and change fixed frame to “start” *see terminal 3 for frame name</a:t>
-            </a:r>
-            <a:endParaRPr sz="1800"/>
-          </a:p>
-          <a:p>
-            <a:pPr indent="0" lvl="0" marL="914400" rtl="0" algn="l">
-              <a:lnSpc>
-                <a:spcPct val="70000"/>
-              </a:lnSpc>
-              <a:spcBef>
-                <a:spcPts val="1600"/>
-              </a:spcBef>
-              <a:spcAft>
-                <a:spcPts val="1600"/>
-              </a:spcAft>
-              <a:buNone/>
-            </a:pPr>
-            <a:r>
-              <a:rPr lang="en" sz="1800"/>
-              <a:t> </a:t>
-            </a:r>
-            <a:r>
-              <a:rPr lang="en" sz="1800" u="sng">
-                <a:solidFill>
-                  <a:schemeClr val="hlink"/>
-                </a:solidFill>
-                <a:hlinkClick r:id="rId3"/>
-              </a:rPr>
-              <a:t>https://l.facebook.com/l.php?u=https%3A%2F%2Fyoutu.be%2F0o2tK4Y-kJY%3Ffbclid%3DIwAR0cUdC4mrfm-OJrsdSawqM2E4pHQEb5XxkdxMj0KUHy_Hp9A8NGMv_m7TY&amp;h=AT33fdlC4mo0WG-C8sfU1kqyx3cyJVuomyDNPFE8yy07B00aQC1izUlf39qT2Cy2to9_KjzxuzEDRwMqSx8bkEp_SmTgiRnCFm9HWLzpqu8BrCasZyh4gnFz8F9j_X3H9W3l</a:t>
-            </a:r>
-            <a:endParaRPr sz="1800"/>
-          </a:p>
-        </p:txBody>
-      </p:sp>
-    </p:spTree>
-  </p:cSld>
-  <p:clrMapOvr>
-    <a:masterClrMapping/>
-  </p:clrMapOvr>
-</p:sld>
-</file>
-
 <file path=ppt/slides/slide7.xml><?xml version="1.0" encoding="utf-8"?>
 <p:sld xmlns:a="http://schemas.openxmlformats.org/drawingml/2006/main" xmlns:r="http://schemas.openxmlformats.org/officeDocument/2006/relationships" xmlns:mc="http://schemas.openxmlformats.org/markup-compatibility/2006" xmlns:mv="urn:schemas-microsoft-com:mac:vml" xmlns:p="http://schemas.openxmlformats.org/presentationml/2006/main" xmlns:c="http://schemas.openxmlformats.org/drawingml/2006/chart" xmlns:dgm="http://schemas.openxmlformats.org/drawingml/2006/diagram" xmlns:o="urn:schemas-microsoft-com:office:office" xmlns:v="urn:schemas-microsoft-com:vml" xmlns:pvml="urn:schemas-microsoft-com:office:powerpoint" xmlns:com="http://schemas.openxmlformats.org/drawingml/2006/compatibility" xmlns:p14="http://schemas.microsoft.com/office/powerpoint/2010/main" xmlns:p15="http://schemas.microsoft.com/office/powerpoint/2012/main">
   <p:cSld>
@@ -10021,13 +10605,13 @@
           <p:cNvPr id="102" name="Google Shape;102;p19"/>
           <p:cNvSpPr txBox="1"/>
           <p:nvPr>
-            <p:ph idx="1" type="subTitle"/>
+            <p:ph type="title"/>
           </p:nvPr>
         </p:nvSpPr>
         <p:spPr>
           <a:xfrm>
-            <a:off x="6080075" y="74250"/>
-            <a:ext cx="3316500" cy="4995000"/>
+            <a:off x="311700" y="140225"/>
+            <a:ext cx="8520600" cy="572700"/>
           </a:xfrm>
           <a:prstGeom prst="rect">
             <a:avLst/>
@@ -10039,7 +10623,7 @@
           </a:bodyPr>
           <a:lstStyle/>
           <a:p>
-            <a:pPr indent="0" lvl="0" marL="0" rtl="0" algn="ctr">
+            <a:pPr indent="0" lvl="0" marL="0" rtl="0" algn="l">
               <a:spcBef>
                 <a:spcPts val="0"/>
               </a:spcBef>
@@ -10050,223 +10634,150 @@
             </a:pPr>
             <a:r>
               <a:rPr lang="en"/>
-              <a:t>World: (0, 0)</a:t>
+              <a:t>Office ROS Visualization</a:t>
             </a:r>
             <a:endParaRPr/>
           </a:p>
-          <a:p>
-            <a:pPr indent="0" lvl="0" marL="0" rtl="0" algn="ctr">
-              <a:spcBef>
-                <a:spcPts val="0"/>
-              </a:spcBef>
-              <a:spcAft>
-                <a:spcPts val="0"/>
-              </a:spcAft>
-              <a:buNone/>
-            </a:pPr>
-            <a:r>
-              <a:rPr lang="en"/>
-              <a:t>M1:(3.72, -0.792)</a:t>
-            </a:r>
-            <a:endParaRPr/>
-          </a:p>
-          <a:p>
-            <a:pPr indent="0" lvl="0" marL="0" rtl="0" algn="ctr">
-              <a:spcBef>
-                <a:spcPts val="0"/>
-              </a:spcBef>
-              <a:spcAft>
-                <a:spcPts val="0"/>
-              </a:spcAft>
-              <a:buNone/>
-            </a:pPr>
-            <a:r>
-              <a:rPr lang="en"/>
-              <a:t>M2: (3.69, 0.913)</a:t>
-            </a:r>
-            <a:endParaRPr/>
-          </a:p>
-          <a:p>
-            <a:pPr indent="0" lvl="0" marL="0" rtl="0" algn="ctr">
-              <a:spcBef>
-                <a:spcPts val="0"/>
-              </a:spcBef>
-              <a:spcAft>
-                <a:spcPts val="0"/>
-              </a:spcAft>
-              <a:buNone/>
-            </a:pPr>
-            <a:r>
-              <a:rPr lang="en"/>
-              <a:t>M3: (9.34, -0.626)</a:t>
-            </a:r>
-            <a:endParaRPr/>
-          </a:p>
-          <a:p>
-            <a:pPr indent="0" lvl="0" marL="0" rtl="0" algn="ctr">
-              <a:spcBef>
-                <a:spcPts val="0"/>
-              </a:spcBef>
-              <a:spcAft>
-                <a:spcPts val="0"/>
-              </a:spcAft>
-              <a:buNone/>
-            </a:pPr>
-            <a:r>
-              <a:rPr lang="en"/>
-              <a:t>M4: (9.31, 0.347)</a:t>
-            </a:r>
-            <a:endParaRPr/>
-          </a:p>
-          <a:p>
-            <a:pPr indent="0" lvl="0" marL="0" rtl="0" algn="ctr">
-              <a:spcBef>
-                <a:spcPts val="0"/>
-              </a:spcBef>
-              <a:spcAft>
-                <a:spcPts val="0"/>
-              </a:spcAft>
-              <a:buNone/>
-            </a:pPr>
-            <a:r>
-              <a:rPr lang="en"/>
-              <a:t>M5: (9.23, 1.47)</a:t>
-            </a:r>
-            <a:endParaRPr/>
-          </a:p>
-          <a:p>
-            <a:pPr indent="0" lvl="0" marL="0" rtl="0" algn="ctr">
-              <a:spcBef>
-                <a:spcPts val="0"/>
-              </a:spcBef>
-              <a:spcAft>
-                <a:spcPts val="0"/>
-              </a:spcAft>
-              <a:buNone/>
-            </a:pPr>
-            <a:r>
-              <a:rPr lang="en"/>
-              <a:t>M6: (9.11, 3.18)</a:t>
-            </a:r>
-            <a:endParaRPr/>
-          </a:p>
-          <a:p>
-            <a:pPr indent="0" lvl="0" marL="0" rtl="0" algn="ctr">
-              <a:spcBef>
-                <a:spcPts val="0"/>
-              </a:spcBef>
-              <a:spcAft>
-                <a:spcPts val="0"/>
-              </a:spcAft>
-              <a:buNone/>
-            </a:pPr>
-            <a:r>
-              <a:rPr lang="en"/>
-              <a:t>M7: (10.4, 0.567)</a:t>
-            </a:r>
-            <a:endParaRPr/>
-          </a:p>
-          <a:p>
-            <a:pPr indent="0" lvl="0" marL="0" rtl="0" algn="ctr">
-              <a:spcBef>
-                <a:spcPts val="0"/>
-              </a:spcBef>
-              <a:spcAft>
-                <a:spcPts val="0"/>
-              </a:spcAft>
-              <a:buNone/>
-            </a:pPr>
-            <a:r>
-              <a:rPr lang="en"/>
-              <a:t>M8: (12.2, 0.567)</a:t>
-            </a:r>
-            <a:endParaRPr/>
-          </a:p>
-          <a:p>
-            <a:pPr indent="0" lvl="0" marL="0" rtl="0" algn="ctr">
-              <a:spcBef>
-                <a:spcPts val="0"/>
-              </a:spcBef>
-              <a:spcAft>
-                <a:spcPts val="0"/>
-              </a:spcAft>
-              <a:buNone/>
-            </a:pPr>
-            <a:r>
-              <a:rPr lang="en"/>
-              <a:t>M9: (14.6 0.773)</a:t>
-            </a:r>
-            <a:endParaRPr/>
-          </a:p>
-          <a:p>
-            <a:pPr indent="0" lvl="0" marL="0" rtl="0" algn="ctr">
-              <a:spcBef>
-                <a:spcPts val="0"/>
-              </a:spcBef>
-              <a:spcAft>
-                <a:spcPts val="0"/>
-              </a:spcAft>
-              <a:buNone/>
-            </a:pPr>
-            <a:r>
-              <a:rPr lang="en"/>
-              <a:t>M10: (15.4, 0.788)</a:t>
-            </a:r>
-            <a:endParaRPr/>
-          </a:p>
-          <a:p>
-            <a:pPr indent="0" lvl="0" marL="0" rtl="0" algn="ctr">
-              <a:spcBef>
-                <a:spcPts val="0"/>
-              </a:spcBef>
-              <a:spcAft>
-                <a:spcPts val="0"/>
-              </a:spcAft>
-              <a:buNone/>
-            </a:pPr>
-            <a:r>
-              <a:rPr lang="en"/>
-              <a:t>M11: (15.9, 0.856)</a:t>
-            </a:r>
-            <a:endParaRPr/>
-          </a:p>
-          <a:p>
-            <a:pPr indent="0" lvl="0" marL="0" rtl="0" algn="ctr">
-              <a:spcBef>
-                <a:spcPts val="0"/>
-              </a:spcBef>
-              <a:spcAft>
-                <a:spcPts val="0"/>
-              </a:spcAft>
-              <a:buNone/>
-            </a:pPr>
-            <a:r>
-              <a:rPr lang="en"/>
-              <a:t>M12: (16.8, 0.857)</a:t>
-            </a:r>
-            <a:endParaRPr/>
-          </a:p>
-          <a:p>
-            <a:pPr indent="0" lvl="0" marL="0" rtl="0" algn="ctr">
-              <a:spcBef>
-                <a:spcPts val="0"/>
-              </a:spcBef>
-              <a:spcAft>
-                <a:spcPts val="0"/>
-              </a:spcAft>
-              <a:buNone/>
-            </a:pPr>
-            <a:r>
-              <a:rPr lang="en"/>
-              <a:t>SCALE 1 Unit= 1 meter</a:t>
-            </a:r>
-            <a:endParaRPr/>
+        </p:txBody>
+      </p:sp>
+      <p:sp>
+        <p:nvSpPr>
+          <p:cNvPr id="103" name="Google Shape;103;p19"/>
+          <p:cNvSpPr txBox="1"/>
+          <p:nvPr>
+            <p:ph idx="1" type="body"/>
+          </p:nvPr>
+        </p:nvSpPr>
+        <p:spPr>
+          <a:xfrm>
+            <a:off x="311700" y="557650"/>
+            <a:ext cx="8520600" cy="3416400"/>
+          </a:xfrm>
+          <a:prstGeom prst="rect">
+            <a:avLst/>
+          </a:prstGeom>
+        </p:spPr>
+        <p:txBody>
+          <a:bodyPr anchorCtr="0" anchor="t" bIns="91425" lIns="91425" spcFirstLastPara="1" rIns="91425" wrap="square" tIns="91425">
+            <a:noAutofit/>
+          </a:bodyPr>
+          <a:lstStyle/>
+          <a:p>
+            <a:pPr indent="-342900" lvl="0" marL="457200" rtl="0" algn="l">
+              <a:spcBef>
+                <a:spcPts val="0"/>
+              </a:spcBef>
+              <a:spcAft>
+                <a:spcPts val="0"/>
+              </a:spcAft>
+              <a:buClr>
+                <a:srgbClr val="FFFFFF"/>
+              </a:buClr>
+              <a:buSzPts val="1800"/>
+              <a:buChar char="●"/>
+            </a:pPr>
+            <a:r>
+              <a:rPr lang="en">
+                <a:solidFill>
+                  <a:srgbClr val="FFFFFF"/>
+                </a:solidFill>
+              </a:rPr>
+              <a:t>Import Lidar Visualization Data (yellow) into Gazebo and placed it on the plane</a:t>
+            </a:r>
+            <a:endParaRPr>
+              <a:solidFill>
+                <a:srgbClr val="FFFFFF"/>
+              </a:solidFill>
+            </a:endParaRPr>
+          </a:p>
+          <a:p>
+            <a:pPr indent="-342900" lvl="0" marL="457200" rtl="0" algn="l">
+              <a:spcBef>
+                <a:spcPts val="0"/>
+              </a:spcBef>
+              <a:spcAft>
+                <a:spcPts val="0"/>
+              </a:spcAft>
+              <a:buClr>
+                <a:srgbClr val="FFFFFF"/>
+              </a:buClr>
+              <a:buSzPts val="1800"/>
+              <a:buChar char="●"/>
+            </a:pPr>
+            <a:r>
+              <a:rPr lang="en">
+                <a:solidFill>
+                  <a:srgbClr val="FFFFFF"/>
+                </a:solidFill>
+              </a:rPr>
+              <a:t>Use Building Editor and Create the Walls and Doorways </a:t>
+            </a:r>
+            <a:endParaRPr>
+              <a:solidFill>
+                <a:srgbClr val="FFFFFF"/>
+              </a:solidFill>
+            </a:endParaRPr>
+          </a:p>
+          <a:p>
+            <a:pPr indent="-342900" lvl="0" marL="457200" rtl="0" algn="l">
+              <a:spcBef>
+                <a:spcPts val="0"/>
+              </a:spcBef>
+              <a:spcAft>
+                <a:spcPts val="0"/>
+              </a:spcAft>
+              <a:buClr>
+                <a:srgbClr val="FFFFFF"/>
+              </a:buClr>
+              <a:buSzPts val="1800"/>
+              <a:buChar char="●"/>
+            </a:pPr>
+            <a:r>
+              <a:rPr lang="en">
+                <a:solidFill>
+                  <a:srgbClr val="FFFFFF"/>
+                </a:solidFill>
+              </a:rPr>
+              <a:t>File: ~/Master_Project/cmpe295b_ros/</a:t>
+            </a:r>
+            <a:r>
+              <a:rPr lang="en">
+                <a:solidFill>
+                  <a:srgbClr val="FFFFFF"/>
+                </a:solidFill>
+              </a:rPr>
+              <a:t>scaled_office_revA</a:t>
+            </a:r>
+            <a:endParaRPr>
+              <a:solidFill>
+                <a:srgbClr val="FFFFFF"/>
+              </a:solidFill>
+            </a:endParaRPr>
+          </a:p>
+          <a:p>
+            <a:pPr indent="0" lvl="0" marL="0" rtl="0" algn="l">
+              <a:spcBef>
+                <a:spcPts val="1600"/>
+              </a:spcBef>
+              <a:spcAft>
+                <a:spcPts val="1600"/>
+              </a:spcAft>
+              <a:buNone/>
+            </a:pPr>
+            <a:r>
+              <a:t/>
+            </a:r>
+            <a:endParaRPr>
+              <a:solidFill>
+                <a:srgbClr val="FFFFFF"/>
+              </a:solidFill>
+            </a:endParaRPr>
           </a:p>
         </p:txBody>
       </p:sp>
       <p:pic>
         <p:nvPicPr>
-          <p:cNvPr id="103" name="Google Shape;103;p19"/>
+          <p:cNvPr id="104" name="Google Shape;104;p19"/>
           <p:cNvPicPr preferRelativeResize="0"/>
           <p:nvPr/>
         </p:nvPicPr>
@@ -10279,9 +10790,65 @@
           </a:stretch>
         </p:blipFill>
         <p:spPr>
+          <a:xfrm rot="-5400000">
+            <a:off x="601725" y="1315350"/>
+            <a:ext cx="3188350" cy="3710500"/>
+          </a:xfrm>
+          <a:prstGeom prst="rect">
+            <a:avLst/>
+          </a:prstGeom>
+          <a:noFill/>
+          <a:ln>
+            <a:noFill/>
+          </a:ln>
+        </p:spPr>
+      </p:pic>
+      <p:pic>
+        <p:nvPicPr>
+          <p:cNvPr id="105" name="Google Shape;105;p19"/>
+          <p:cNvPicPr preferRelativeResize="0"/>
+          <p:nvPr/>
+        </p:nvPicPr>
+        <p:blipFill>
+          <a:blip r:embed="rId4">
+            <a:alphaModFix/>
+          </a:blip>
+          <a:stretch>
+            <a:fillRect/>
+          </a:stretch>
+        </p:blipFill>
+        <p:spPr>
           <a:xfrm>
-            <a:off x="103150" y="175853"/>
-            <a:ext cx="5799999" cy="2679950"/>
+            <a:off x="4673350" y="1576426"/>
+            <a:ext cx="4070250" cy="1248450"/>
+          </a:xfrm>
+          <a:prstGeom prst="rect">
+            <a:avLst/>
+          </a:prstGeom>
+          <a:noFill/>
+          <a:ln>
+            <a:noFill/>
+          </a:ln>
+        </p:spPr>
+      </p:pic>
+      <p:pic>
+        <p:nvPicPr>
+          <p:cNvPr id="106" name="Google Shape;106;p19"/>
+          <p:cNvPicPr preferRelativeResize="0"/>
+          <p:nvPr/>
+        </p:nvPicPr>
+        <p:blipFill>
+          <a:blip r:embed="rId5">
+            <a:alphaModFix/>
+          </a:blip>
+          <a:stretch>
+            <a:fillRect/>
+          </a:stretch>
+        </p:blipFill>
+        <p:spPr>
+          <a:xfrm flipH="1">
+            <a:off x="4776825" y="2877650"/>
+            <a:ext cx="3766473" cy="1887125"/>
           </a:xfrm>
           <a:prstGeom prst="rect">
             <a:avLst/>
@@ -10305,7 +10872,7 @@
   <p:cSld>
     <p:spTree>
       <p:nvGrpSpPr>
-        <p:cNvPr id="107" name="Shape 107"/>
+        <p:cNvPr id="110" name="Shape 110"/>
         <p:cNvGrpSpPr/>
         <p:nvPr/>
       </p:nvGrpSpPr>
@@ -10317,34 +10884,425 @@
           <a:chExt cx="0" cy="0"/>
         </a:xfrm>
       </p:grpSpPr>
-      <p:pic>
-        <p:nvPicPr>
-          <p:cNvPr id="108" name="Google Shape;108;p20"/>
-          <p:cNvPicPr preferRelativeResize="0"/>
-          <p:nvPr/>
-        </p:nvPicPr>
-        <p:blipFill>
-          <a:blip r:embed="rId3">
-            <a:alphaModFix/>
-          </a:blip>
-          <a:stretch>
-            <a:fillRect/>
-          </a:stretch>
-        </p:blipFill>
+      <p:sp>
+        <p:nvSpPr>
+          <p:cNvPr id="111" name="Google Shape;111;p20"/>
+          <p:cNvSpPr txBox="1"/>
+          <p:nvPr>
+            <p:ph type="title"/>
+          </p:nvPr>
+        </p:nvSpPr>
         <p:spPr>
           <a:xfrm>
-            <a:off x="152400" y="152400"/>
-            <a:ext cx="6583125" cy="4108500"/>
+            <a:off x="311700" y="393275"/>
+            <a:ext cx="8520600" cy="572700"/>
           </a:xfrm>
           <a:prstGeom prst="rect">
             <a:avLst/>
           </a:prstGeom>
-          <a:noFill/>
+        </p:spPr>
+        <p:txBody>
+          <a:bodyPr anchorCtr="0" anchor="t" bIns="91425" lIns="91425" spcFirstLastPara="1" rIns="91425" wrap="square" tIns="91425">
+            <a:noAutofit/>
+          </a:bodyPr>
+          <a:lstStyle/>
+          <a:p>
+            <a:pPr indent="0" lvl="0" marL="0" rtl="0" algn="l">
+              <a:spcBef>
+                <a:spcPts val="0"/>
+              </a:spcBef>
+              <a:spcAft>
+                <a:spcPts val="0"/>
+              </a:spcAft>
+              <a:buNone/>
+            </a:pPr>
+            <a:r>
+              <a:rPr lang="en"/>
+              <a:t>Lidar </a:t>
+            </a:r>
+            <a:r>
+              <a:rPr lang="en"/>
+              <a:t>Visualization in ROS</a:t>
+            </a:r>
+            <a:endParaRPr/>
+          </a:p>
+        </p:txBody>
+      </p:sp>
+      <p:sp>
+        <p:nvSpPr>
+          <p:cNvPr id="112" name="Google Shape;112;p20"/>
+          <p:cNvSpPr txBox="1"/>
+          <p:nvPr>
+            <p:ph idx="1" type="body"/>
+          </p:nvPr>
+        </p:nvSpPr>
+        <p:spPr>
+          <a:xfrm>
+            <a:off x="131750" y="907900"/>
+            <a:ext cx="8520600" cy="3416400"/>
+          </a:xfrm>
+          <a:prstGeom prst="rect">
+            <a:avLst/>
+          </a:prstGeom>
+          <a:solidFill>
+            <a:schemeClr val="lt1"/>
+          </a:solidFill>
           <a:ln>
             <a:noFill/>
           </a:ln>
         </p:spPr>
-      </p:pic>
+        <p:txBody>
+          <a:bodyPr anchorCtr="0" anchor="t" bIns="91425" lIns="91425" spcFirstLastPara="1" rIns="91425" wrap="square" tIns="91425">
+            <a:noAutofit/>
+          </a:bodyPr>
+          <a:lstStyle/>
+          <a:p>
+            <a:pPr indent="0" lvl="0" marL="0" rtl="0" algn="l">
+              <a:lnSpc>
+                <a:spcPct val="70000"/>
+              </a:lnSpc>
+              <a:spcBef>
+                <a:spcPts val="0"/>
+              </a:spcBef>
+              <a:spcAft>
+                <a:spcPts val="0"/>
+              </a:spcAft>
+              <a:buNone/>
+            </a:pPr>
+            <a:r>
+              <a:rPr lang="en"/>
+              <a:t>1.Save lidar points into file (.pts):</a:t>
+            </a:r>
+            <a:endParaRPr/>
+          </a:p>
+          <a:p>
+            <a:pPr indent="0" lvl="0" marL="0" rtl="0" algn="l">
+              <a:lnSpc>
+                <a:spcPct val="70000"/>
+              </a:lnSpc>
+              <a:spcBef>
+                <a:spcPts val="1600"/>
+              </a:spcBef>
+              <a:spcAft>
+                <a:spcPts val="0"/>
+              </a:spcAft>
+              <a:buNone/>
+            </a:pPr>
+            <a:r>
+              <a:rPr lang="en"/>
+              <a:t>Number of points</a:t>
+            </a:r>
+            <a:endParaRPr/>
+          </a:p>
+          <a:p>
+            <a:pPr indent="0" lvl="0" marL="0" rtl="0" algn="l">
+              <a:lnSpc>
+                <a:spcPct val="70000"/>
+              </a:lnSpc>
+              <a:spcBef>
+                <a:spcPts val="1600"/>
+              </a:spcBef>
+              <a:spcAft>
+                <a:spcPts val="0"/>
+              </a:spcAft>
+              <a:buNone/>
+            </a:pPr>
+            <a:r>
+              <a:rPr lang="en"/>
+              <a:t>X Y Z Reflectance R G B</a:t>
+            </a:r>
+            <a:endParaRPr/>
+          </a:p>
+          <a:p>
+            <a:pPr indent="0" lvl="0" marL="0" rtl="0" algn="l">
+              <a:lnSpc>
+                <a:spcPct val="70000"/>
+              </a:lnSpc>
+              <a:spcBef>
+                <a:spcPts val="1600"/>
+              </a:spcBef>
+              <a:spcAft>
+                <a:spcPts val="0"/>
+              </a:spcAft>
+              <a:buNone/>
+            </a:pPr>
+            <a:r>
+              <a:rPr lang="en"/>
+              <a:t>2. Convert PTS to PCD</a:t>
+            </a:r>
+            <a:endParaRPr/>
+          </a:p>
+          <a:p>
+            <a:pPr indent="-342900" lvl="0" marL="914400" rtl="0" algn="l">
+              <a:lnSpc>
+                <a:spcPct val="70000"/>
+              </a:lnSpc>
+              <a:spcBef>
+                <a:spcPts val="1600"/>
+              </a:spcBef>
+              <a:spcAft>
+                <a:spcPts val="0"/>
+              </a:spcAft>
+              <a:buSzPts val="1800"/>
+              <a:buAutoNum type="alphaLcPeriod"/>
+            </a:pPr>
+            <a:r>
+              <a:rPr lang="en"/>
+              <a:t>Convert .pts to .ply using meshlab: </a:t>
+            </a:r>
+            <a:r>
+              <a:rPr lang="en" sz="1100" u="sng">
+                <a:solidFill>
+                  <a:schemeClr val="hlink"/>
+                </a:solidFill>
+                <a:latin typeface="Arial"/>
+                <a:ea typeface="Arial"/>
+                <a:cs typeface="Arial"/>
+                <a:sym typeface="Arial"/>
+                <a:hlinkClick r:id="rId3"/>
+              </a:rPr>
+              <a:t>http://www.meshlab.net/#download</a:t>
+            </a:r>
+            <a:endParaRPr/>
+          </a:p>
+          <a:p>
+            <a:pPr indent="-342900" lvl="0" marL="914400" rtl="0" algn="l">
+              <a:lnSpc>
+                <a:spcPct val="70000"/>
+              </a:lnSpc>
+              <a:spcBef>
+                <a:spcPts val="0"/>
+              </a:spcBef>
+              <a:spcAft>
+                <a:spcPts val="0"/>
+              </a:spcAft>
+              <a:buSzPts val="1800"/>
+              <a:buAutoNum type="alphaLcPeriod"/>
+            </a:pPr>
+            <a:r>
+              <a:rPr lang="en"/>
+              <a:t>Import .pts to mesh lab and save mesh as .ply</a:t>
+            </a:r>
+            <a:endParaRPr/>
+          </a:p>
+          <a:p>
+            <a:pPr indent="-342900" lvl="0" marL="914400" rtl="0" algn="l">
+              <a:lnSpc>
+                <a:spcPct val="70000"/>
+              </a:lnSpc>
+              <a:spcBef>
+                <a:spcPts val="0"/>
+              </a:spcBef>
+              <a:spcAft>
+                <a:spcPts val="0"/>
+              </a:spcAft>
+              <a:buSzPts val="1800"/>
+              <a:buAutoNum type="alphaLcPeriod"/>
+            </a:pPr>
+            <a:r>
+              <a:rPr lang="en"/>
+              <a:t>Convert .ply to .pcd using: </a:t>
+            </a:r>
+            <a:r>
+              <a:rPr lang="en" sz="1100" u="sng">
+                <a:solidFill>
+                  <a:schemeClr val="hlink"/>
+                </a:solidFill>
+                <a:latin typeface="Arial"/>
+                <a:ea typeface="Arial"/>
+                <a:cs typeface="Arial"/>
+                <a:sym typeface="Arial"/>
+                <a:hlinkClick r:id="rId4"/>
+              </a:rPr>
+              <a:t>https://github.com/PointCloudLibrary/pcl/blob/master/io/tools/converter.cpp</a:t>
+            </a:r>
+            <a:endParaRPr/>
+          </a:p>
+          <a:p>
+            <a:pPr indent="0" lvl="0" marL="0" rtl="0" algn="l">
+              <a:lnSpc>
+                <a:spcPct val="70000"/>
+              </a:lnSpc>
+              <a:spcBef>
+                <a:spcPts val="1600"/>
+              </a:spcBef>
+              <a:spcAft>
+                <a:spcPts val="0"/>
+              </a:spcAft>
+              <a:buNone/>
+            </a:pPr>
+            <a:r>
+              <a:rPr lang="en"/>
+              <a:t>3. Import pcd file to Rviz: </a:t>
+            </a:r>
+            <a:endParaRPr/>
+          </a:p>
+          <a:p>
+            <a:pPr indent="-317500" lvl="1" marL="914400" rtl="0" algn="l">
+              <a:lnSpc>
+                <a:spcPct val="70000"/>
+              </a:lnSpc>
+              <a:spcBef>
+                <a:spcPts val="1600"/>
+              </a:spcBef>
+              <a:spcAft>
+                <a:spcPts val="0"/>
+              </a:spcAft>
+              <a:buSzPts val="1400"/>
+              <a:buAutoNum type="alphaLcPeriod"/>
+            </a:pPr>
+            <a:r>
+              <a:rPr lang="en"/>
+              <a:t>Roscore/Rosrun available after installing ROS</a:t>
+            </a:r>
+            <a:endParaRPr/>
+          </a:p>
+          <a:p>
+            <a:pPr indent="-317500" lvl="1" marL="914400" rtl="0" algn="l">
+              <a:lnSpc>
+                <a:spcPct val="70000"/>
+              </a:lnSpc>
+              <a:spcBef>
+                <a:spcPts val="0"/>
+              </a:spcBef>
+              <a:spcAft>
+                <a:spcPts val="0"/>
+              </a:spcAft>
+              <a:buSzPts val="1400"/>
+              <a:buAutoNum type="alphaLcPeriod"/>
+            </a:pPr>
+            <a:r>
+              <a:rPr lang="en"/>
+              <a:t>4 terminals required to visualize lidar data</a:t>
+            </a:r>
+            <a:endParaRPr/>
+          </a:p>
+          <a:p>
+            <a:pPr indent="-317500" lvl="1" marL="914400" rtl="0" algn="l">
+              <a:lnSpc>
+                <a:spcPct val="70000"/>
+              </a:lnSpc>
+              <a:spcBef>
+                <a:spcPts val="0"/>
+              </a:spcBef>
+              <a:spcAft>
+                <a:spcPts val="0"/>
+              </a:spcAft>
+              <a:buSzPts val="1400"/>
+              <a:buAutoNum type="alphaLcPeriod"/>
+            </a:pPr>
+            <a:r>
+              <a:rPr lang="en"/>
+              <a:t>1st terminal: “roscore” runs ROS</a:t>
+            </a:r>
+            <a:endParaRPr/>
+          </a:p>
+          <a:p>
+            <a:pPr indent="-317500" lvl="1" marL="914400" rtl="0" algn="l">
+              <a:lnSpc>
+                <a:spcPct val="70000"/>
+              </a:lnSpc>
+              <a:spcBef>
+                <a:spcPts val="0"/>
+              </a:spcBef>
+              <a:spcAft>
+                <a:spcPts val="0"/>
+              </a:spcAft>
+              <a:buSzPts val="1400"/>
+              <a:buAutoNum type="alphaLcPeriod"/>
+            </a:pPr>
+            <a:r>
+              <a:rPr lang="en"/>
+              <a:t>2nd terminal: read in .pcd file “</a:t>
+            </a:r>
+            <a:r>
+              <a:rPr lang="en" sz="1000">
+                <a:solidFill>
+                  <a:srgbClr val="FFFFFF"/>
+                </a:solidFill>
+                <a:latin typeface="Arial"/>
+                <a:ea typeface="Arial"/>
+                <a:cs typeface="Arial"/>
+                <a:sym typeface="Arial"/>
+              </a:rPr>
+              <a:t>rosrun pcl_ros pcd_to_pointcloud file.pcd 0.1_frame_id:=/odom”</a:t>
+            </a:r>
+            <a:endParaRPr sz="1000">
+              <a:solidFill>
+                <a:srgbClr val="FFFFFF"/>
+              </a:solidFill>
+              <a:latin typeface="Arial"/>
+              <a:ea typeface="Arial"/>
+              <a:cs typeface="Arial"/>
+              <a:sym typeface="Arial"/>
+            </a:endParaRPr>
+          </a:p>
+          <a:p>
+            <a:pPr indent="-317500" lvl="1" marL="914400" rtl="0" algn="l">
+              <a:lnSpc>
+                <a:spcPct val="70000"/>
+              </a:lnSpc>
+              <a:spcBef>
+                <a:spcPts val="0"/>
+              </a:spcBef>
+              <a:spcAft>
+                <a:spcPts val="0"/>
+              </a:spcAft>
+              <a:buSzPts val="1400"/>
+              <a:buAutoNum type="alphaLcPeriod"/>
+            </a:pPr>
+            <a:r>
+              <a:rPr lang="en"/>
+              <a:t>3rd terminal: set the position of the axes in the world: “</a:t>
+            </a:r>
+            <a:r>
+              <a:rPr lang="en" sz="1000">
+                <a:solidFill>
+                  <a:srgbClr val="FFFFFF"/>
+                </a:solidFill>
+                <a:latin typeface="Arial"/>
+                <a:ea typeface="Arial"/>
+                <a:cs typeface="Arial"/>
+                <a:sym typeface="Arial"/>
+              </a:rPr>
+              <a:t>rosrun tf static_transform_publisher -0.25 -2.5 0 79.5 0 0 odom start 1</a:t>
+            </a:r>
+            <a:r>
+              <a:rPr lang="en"/>
+              <a:t>”</a:t>
+            </a:r>
+            <a:endParaRPr/>
+          </a:p>
+          <a:p>
+            <a:pPr indent="-317500" lvl="1" marL="914400" rtl="0" algn="l">
+              <a:lnSpc>
+                <a:spcPct val="70000"/>
+              </a:lnSpc>
+              <a:spcBef>
+                <a:spcPts val="0"/>
+              </a:spcBef>
+              <a:spcAft>
+                <a:spcPts val="0"/>
+              </a:spcAft>
+              <a:buSzPts val="1400"/>
+              <a:buAutoNum type="alphaLcPeriod"/>
+            </a:pPr>
+            <a:r>
+              <a:rPr lang="en"/>
+              <a:t>4th terminal: run rviz for visualization: “rosrun rviz rviz”</a:t>
+            </a:r>
+            <a:endParaRPr sz="1000">
+              <a:solidFill>
+                <a:srgbClr val="FFFFFF"/>
+              </a:solidFill>
+              <a:latin typeface="Arial"/>
+              <a:ea typeface="Arial"/>
+              <a:cs typeface="Arial"/>
+              <a:sym typeface="Arial"/>
+            </a:endParaRPr>
+          </a:p>
+        </p:txBody>
+      </p:sp>
     </p:spTree>
   </p:cSld>
   <p:clrMapOvr>
@@ -10358,7 +11316,7 @@
   <p:cSld>
     <p:spTree>
       <p:nvGrpSpPr>
-        <p:cNvPr id="112" name="Shape 112"/>
+        <p:cNvPr id="116" name="Shape 116"/>
         <p:cNvGrpSpPr/>
         <p:nvPr/>
       </p:nvGrpSpPr>
@@ -10372,7 +11330,7 @@
       </p:grpSpPr>
       <p:sp>
         <p:nvSpPr>
-          <p:cNvPr id="113" name="Google Shape;113;p21"/>
+          <p:cNvPr id="117" name="Google Shape;117;p21"/>
           <p:cNvSpPr txBox="1"/>
           <p:nvPr>
             <p:ph type="title"/>
@@ -10380,7 +11338,7 @@
         </p:nvSpPr>
         <p:spPr>
           <a:xfrm>
-            <a:off x="311700" y="445025"/>
+            <a:off x="311700" y="290850"/>
             <a:ext cx="8520600" cy="572700"/>
           </a:xfrm>
           <a:prstGeom prst="rect">
@@ -10404,7 +11362,7 @@
             </a:pPr>
             <a:r>
               <a:rPr lang="en"/>
-              <a:t>Pending Tasks</a:t>
+              <a:t>Lidar Visualization in ROS cont.</a:t>
             </a:r>
             <a:endParaRPr/>
           </a:p>
@@ -10412,7 +11370,7 @@
       </p:sp>
       <p:sp>
         <p:nvSpPr>
-          <p:cNvPr id="114" name="Google Shape;114;p21"/>
+          <p:cNvPr id="118" name="Google Shape;118;p21"/>
           <p:cNvSpPr txBox="1"/>
           <p:nvPr>
             <p:ph idx="1" type="body"/>
@@ -10420,12 +11378,15 @@
         </p:nvSpPr>
         <p:spPr>
           <a:xfrm>
-            <a:off x="600650" y="1160975"/>
-            <a:ext cx="6401700" cy="3416400"/>
+            <a:off x="153925" y="863550"/>
+            <a:ext cx="8520600" cy="3416400"/>
           </a:xfrm>
           <a:prstGeom prst="rect">
             <a:avLst/>
           </a:prstGeom>
+          <a:ln>
+            <a:noFill/>
+          </a:ln>
         </p:spPr>
         <p:txBody>
           <a:bodyPr anchorCtr="0" anchor="t" bIns="91425" lIns="91425" spcFirstLastPara="1" rIns="91425" wrap="square" tIns="91425">
@@ -10434,127 +11395,111 @@
           <a:lstStyle/>
           <a:p>
             <a:pPr indent="-342900" lvl="0" marL="457200" rtl="0" algn="l">
-              <a:spcBef>
-                <a:spcPts val="0"/>
-              </a:spcBef>
-              <a:spcAft>
-                <a:spcPts val="0"/>
-              </a:spcAft>
-              <a:buClr>
-                <a:srgbClr val="FFFFFF"/>
-              </a:buClr>
+              <a:lnSpc>
+                <a:spcPct val="70000"/>
+              </a:lnSpc>
+              <a:spcBef>
+                <a:spcPts val="0"/>
+              </a:spcBef>
+              <a:spcAft>
+                <a:spcPts val="0"/>
+              </a:spcAft>
               <a:buSzPts val="1800"/>
               <a:buAutoNum type="arabicPeriod"/>
             </a:pPr>
             <a:r>
-              <a:rPr lang="en">
-                <a:solidFill>
-                  <a:srgbClr val="FFFFFF"/>
-                </a:solidFill>
+              <a:rPr lang="en"/>
+              <a:t>RVIZ GUI</a:t>
+            </a:r>
+            <a:endParaRPr/>
+          </a:p>
+          <a:p>
+            <a:pPr indent="-342900" lvl="1" marL="914400" rtl="0" algn="l">
+              <a:lnSpc>
+                <a:spcPct val="70000"/>
+              </a:lnSpc>
+              <a:spcBef>
+                <a:spcPts val="0"/>
+              </a:spcBef>
+              <a:spcAft>
+                <a:spcPts val="0"/>
+              </a:spcAft>
+              <a:buSzPts val="1800"/>
+              <a:buAutoNum type="alphaLcPeriod"/>
+            </a:pPr>
+            <a:r>
+              <a:rPr lang="en" sz="1800"/>
+              <a:t>Change fixed frame to “odom”</a:t>
+            </a:r>
+            <a:endParaRPr sz="1800"/>
+          </a:p>
+          <a:p>
+            <a:pPr indent="-342900" lvl="1" marL="914400" rtl="0" algn="l">
+              <a:lnSpc>
+                <a:spcPct val="70000"/>
+              </a:lnSpc>
+              <a:spcBef>
+                <a:spcPts val="0"/>
+              </a:spcBef>
+              <a:spcAft>
+                <a:spcPts val="0"/>
+              </a:spcAft>
+              <a:buSzPts val="1800"/>
+              <a:buAutoNum type="alphaLcPeriod"/>
+            </a:pPr>
+            <a:r>
+              <a:rPr lang="en" sz="1800"/>
+              <a:t>Add pointcloud 2 node and change topic to “cloud_pcd”*see terminal 2 for topic name</a:t>
+            </a:r>
+            <a:endParaRPr sz="1800"/>
+          </a:p>
+          <a:p>
+            <a:pPr indent="-342900" lvl="1" marL="914400" rtl="0" algn="l">
+              <a:lnSpc>
+                <a:spcPct val="70000"/>
+              </a:lnSpc>
+              <a:spcBef>
+                <a:spcPts val="0"/>
+              </a:spcBef>
+              <a:spcAft>
+                <a:spcPts val="0"/>
+              </a:spcAft>
+              <a:buSzPts val="1800"/>
+              <a:buAutoNum type="alphaLcPeriod"/>
+            </a:pPr>
+            <a:r>
+              <a:rPr lang="en" sz="1800"/>
+              <a:t>Add axes and change fixed frame to “start” *see terminal 3 for frame name</a:t>
+            </a:r>
+            <a:endParaRPr sz="1800"/>
+          </a:p>
+          <a:p>
+            <a:pPr indent="0" lvl="0" marL="914400" rtl="0" algn="l">
+              <a:lnSpc>
+                <a:spcPct val="70000"/>
+              </a:lnSpc>
+              <a:spcBef>
+                <a:spcPts val="1600"/>
+              </a:spcBef>
+              <a:spcAft>
+                <a:spcPts val="1600"/>
+              </a:spcAft>
+              <a:buNone/>
+            </a:pPr>
+            <a:r>
+              <a:rPr lang="en" sz="1800"/>
+              <a:t> </a:t>
+            </a:r>
+            <a:r>
+              <a:rPr lang="en" sz="1800" u="sng">
+                <a:solidFill>
+                  <a:schemeClr val="hlink"/>
+                </a:solidFill>
+                <a:hlinkClick r:id="rId3"/>
               </a:rPr>
-              <a:t>Drive simulated </a:t>
-            </a:r>
-            <a:r>
-              <a:rPr lang="en">
-                <a:solidFill>
-                  <a:srgbClr val="FFFFFF"/>
-                </a:solidFill>
-              </a:rPr>
-              <a:t>vehicle</a:t>
-            </a:r>
-            <a:r>
-              <a:rPr lang="en">
-                <a:solidFill>
-                  <a:srgbClr val="FFFFFF"/>
-                </a:solidFill>
-              </a:rPr>
-              <a:t> to desired marker</a:t>
-            </a:r>
-            <a:endParaRPr sz="1800">
-              <a:solidFill>
-                <a:srgbClr val="FFFFFF"/>
-              </a:solidFill>
-            </a:endParaRPr>
-          </a:p>
-          <a:p>
-            <a:pPr indent="-342900" lvl="0" marL="457200" rtl="0" algn="l">
-              <a:spcBef>
-                <a:spcPts val="0"/>
-              </a:spcBef>
-              <a:spcAft>
-                <a:spcPts val="0"/>
-              </a:spcAft>
-              <a:buClr>
-                <a:srgbClr val="FFFFFF"/>
-              </a:buClr>
-              <a:buSzPts val="1800"/>
-              <a:buAutoNum type="arabicPeriod"/>
-            </a:pPr>
-            <a:r>
-              <a:rPr lang="en">
-                <a:solidFill>
-                  <a:srgbClr val="FFFFFF"/>
-                </a:solidFill>
-              </a:rPr>
-              <a:t>Draw Path from </a:t>
-            </a:r>
-            <a:r>
-              <a:rPr lang="en">
-                <a:solidFill>
-                  <a:srgbClr val="FFFFFF"/>
-                </a:solidFill>
-              </a:rPr>
-              <a:t>vehicle</a:t>
-            </a:r>
-            <a:r>
-              <a:rPr lang="en">
-                <a:solidFill>
-                  <a:srgbClr val="FFFFFF"/>
-                </a:solidFill>
-              </a:rPr>
-              <a:t> to marker</a:t>
-            </a:r>
-            <a:r>
-              <a:rPr lang="en">
-                <a:solidFill>
-                  <a:srgbClr val="FFFFFF"/>
-                </a:solidFill>
-              </a:rPr>
-              <a:t> </a:t>
-            </a:r>
-            <a:endParaRPr>
-              <a:solidFill>
-                <a:srgbClr val="FFFFFF"/>
-              </a:solidFill>
-            </a:endParaRPr>
-          </a:p>
-          <a:p>
-            <a:pPr indent="-342900" lvl="0" marL="457200" rtl="0" algn="l">
-              <a:spcBef>
-                <a:spcPts val="0"/>
-              </a:spcBef>
-              <a:spcAft>
-                <a:spcPts val="0"/>
-              </a:spcAft>
-              <a:buClr>
-                <a:srgbClr val="FFFFFF"/>
-              </a:buClr>
-              <a:buSzPts val="1800"/>
-              <a:buAutoNum type="arabicPeriod"/>
-            </a:pPr>
-            <a:r>
-              <a:rPr lang="en">
-                <a:solidFill>
-                  <a:srgbClr val="FFFFFF"/>
-                </a:solidFill>
-              </a:rPr>
-              <a:t>Set up Github</a:t>
-            </a:r>
-            <a:endParaRPr>
-              <a:solidFill>
-                <a:srgbClr val="FFFFFF"/>
-              </a:solidFill>
-            </a:endParaRPr>
+              <a:t>https://l.facebook.com/l.php?u=https%3A%2F%2Fyoutu.be%2F0o2tK4Y-kJY%3Ffbclid%3DIwAR0cUdC4mrfm-OJrsdSawqM2E4pHQEb5XxkdxMj0KUHy_Hp9A8NGMv_m7TY&amp;h=AT33fdlC4mo0WG-C8sfU1kqyx3cyJVuomyDNPFE8yy07B00aQC1izUlf39qT2Cy2to9_KjzxuzEDRwMqSx8bkEp_SmTgiRnCFm9HWLzpqu8BrCasZyh4gnFz8F9j_X3H9W3l</a:t>
+            </a:r>
+            <a:endParaRPr sz="1800"/>
           </a:p>
         </p:txBody>
       </p:sp>

--- a/Presentation/CMPE295B Update.pptx
+++ b/Presentation/CMPE295B Update.pptx
@@ -811,7 +811,7 @@
   <p:cSld>
     <p:spTree>
       <p:nvGrpSpPr>
-        <p:cNvPr id="119" name="Shape 119"/>
+        <p:cNvPr id="121" name="Shape 121"/>
         <p:cNvGrpSpPr/>
         <p:nvPr/>
       </p:nvGrpSpPr>
@@ -825,7 +825,7 @@
       </p:grpSpPr>
       <p:sp>
         <p:nvSpPr>
-          <p:cNvPr id="120" name="Google Shape;120;g725e25efa5_0_0:notes"/>
+          <p:cNvPr id="122" name="Google Shape;122;g725e25efa5_0_0:notes"/>
           <p:cNvSpPr/>
           <p:nvPr>
             <p:ph idx="2" type="sldImg"/>
@@ -860,7 +860,7 @@
       </p:sp>
       <p:sp>
         <p:nvSpPr>
-          <p:cNvPr id="121" name="Google Shape;121;g725e25efa5_0_0:notes"/>
+          <p:cNvPr id="123" name="Google Shape;123;g725e25efa5_0_0:notes"/>
           <p:cNvSpPr txBox="1"/>
           <p:nvPr>
             <p:ph idx="1" type="body"/>
@@ -910,7 +910,7 @@
   <p:cSld>
     <p:spTree>
       <p:nvGrpSpPr>
-        <p:cNvPr id="125" name="Shape 125"/>
+        <p:cNvPr id="127" name="Shape 127"/>
         <p:cNvGrpSpPr/>
         <p:nvPr/>
       </p:nvGrpSpPr>
@@ -924,7 +924,7 @@
       </p:grpSpPr>
       <p:sp>
         <p:nvSpPr>
-          <p:cNvPr id="126" name="Google Shape;126;g83ae6afe23_0_0:notes"/>
+          <p:cNvPr id="128" name="Google Shape;128;g83ae6afe23_0_0:notes"/>
           <p:cNvSpPr/>
           <p:nvPr>
             <p:ph idx="2" type="sldImg"/>
@@ -959,7 +959,7 @@
       </p:sp>
       <p:sp>
         <p:nvSpPr>
-          <p:cNvPr id="127" name="Google Shape;127;g83ae6afe23_0_0:notes"/>
+          <p:cNvPr id="129" name="Google Shape;129;g83ae6afe23_0_0:notes"/>
           <p:cNvSpPr txBox="1"/>
           <p:nvPr>
             <p:ph idx="1" type="body"/>
@@ -1382,7 +1382,7 @@
   <p:cSld>
     <p:spTree>
       <p:nvGrpSpPr>
-        <p:cNvPr id="80" name="Shape 80"/>
+        <p:cNvPr id="82" name="Shape 82"/>
         <p:cNvGrpSpPr/>
         <p:nvPr/>
       </p:nvGrpSpPr>
@@ -1396,7 +1396,7 @@
       </p:grpSpPr>
       <p:sp>
         <p:nvSpPr>
-          <p:cNvPr id="81" name="Google Shape;81;g71e2b47bf6_1_0:notes"/>
+          <p:cNvPr id="83" name="Google Shape;83;g71e2b47bf6_1_0:notes"/>
           <p:cNvSpPr/>
           <p:nvPr>
             <p:ph idx="2" type="sldImg"/>
@@ -1431,7 +1431,7 @@
       </p:sp>
       <p:sp>
         <p:nvSpPr>
-          <p:cNvPr id="82" name="Google Shape;82;g71e2b47bf6_1_0:notes"/>
+          <p:cNvPr id="84" name="Google Shape;84;g71e2b47bf6_1_0:notes"/>
           <p:cNvSpPr txBox="1"/>
           <p:nvPr>
             <p:ph idx="1" type="body"/>
@@ -1625,7 +1625,7 @@
   <p:cSld>
     <p:spTree>
       <p:nvGrpSpPr>
-        <p:cNvPr id="90" name="Shape 90"/>
+        <p:cNvPr id="92" name="Shape 92"/>
         <p:cNvGrpSpPr/>
         <p:nvPr/>
       </p:nvGrpSpPr>
@@ -1639,7 +1639,7 @@
       </p:grpSpPr>
       <p:sp>
         <p:nvSpPr>
-          <p:cNvPr id="91" name="Google Shape;91;g71e2b47bf6_1_26:notes"/>
+          <p:cNvPr id="93" name="Google Shape;93;g71e2b47bf6_1_26:notes"/>
           <p:cNvSpPr/>
           <p:nvPr>
             <p:ph idx="2" type="sldImg"/>
@@ -1674,7 +1674,7 @@
       </p:sp>
       <p:sp>
         <p:nvSpPr>
-          <p:cNvPr id="92" name="Google Shape;92;g71e2b47bf6_1_26:notes"/>
+          <p:cNvPr id="94" name="Google Shape;94;g71e2b47bf6_1_26:notes"/>
           <p:cNvSpPr txBox="1"/>
           <p:nvPr>
             <p:ph idx="1" type="body"/>
@@ -1764,7 +1764,7 @@
   <p:cSld>
     <p:spTree>
       <p:nvGrpSpPr>
-        <p:cNvPr id="98" name="Shape 98"/>
+        <p:cNvPr id="100" name="Shape 100"/>
         <p:cNvGrpSpPr/>
         <p:nvPr/>
       </p:nvGrpSpPr>
@@ -1778,7 +1778,7 @@
       </p:grpSpPr>
       <p:sp>
         <p:nvSpPr>
-          <p:cNvPr id="99" name="Google Shape;99;g7fe7cfadbe_2_26:notes"/>
+          <p:cNvPr id="101" name="Google Shape;101;g7fe7cfadbe_2_26:notes"/>
           <p:cNvSpPr/>
           <p:nvPr>
             <p:ph idx="2" type="sldImg"/>
@@ -1813,7 +1813,7 @@
       </p:sp>
       <p:sp>
         <p:nvSpPr>
-          <p:cNvPr id="100" name="Google Shape;100;g7fe7cfadbe_2_26:notes"/>
+          <p:cNvPr id="102" name="Google Shape;102;g7fe7cfadbe_2_26:notes"/>
           <p:cNvSpPr txBox="1"/>
           <p:nvPr>
             <p:ph idx="1" type="body"/>
@@ -1903,7 +1903,7 @@
   <p:cSld>
     <p:spTree>
       <p:nvGrpSpPr>
-        <p:cNvPr id="107" name="Shape 107"/>
+        <p:cNvPr id="109" name="Shape 109"/>
         <p:cNvGrpSpPr/>
         <p:nvPr/>
       </p:nvGrpSpPr>
@@ -1917,7 +1917,7 @@
       </p:grpSpPr>
       <p:sp>
         <p:nvSpPr>
-          <p:cNvPr id="108" name="Google Shape;108;g71e2b47bf6_1_5:notes"/>
+          <p:cNvPr id="110" name="Google Shape;110;g71e2b47bf6_1_5:notes"/>
           <p:cNvSpPr/>
           <p:nvPr>
             <p:ph idx="2" type="sldImg"/>
@@ -1952,7 +1952,7 @@
       </p:sp>
       <p:sp>
         <p:nvSpPr>
-          <p:cNvPr id="109" name="Google Shape;109;g71e2b47bf6_1_5:notes"/>
+          <p:cNvPr id="111" name="Google Shape;111;g71e2b47bf6_1_5:notes"/>
           <p:cNvSpPr txBox="1"/>
           <p:nvPr>
             <p:ph idx="1" type="body"/>
@@ -2146,7 +2146,7 @@
   <p:cSld>
     <p:spTree>
       <p:nvGrpSpPr>
-        <p:cNvPr id="113" name="Shape 113"/>
+        <p:cNvPr id="115" name="Shape 115"/>
         <p:cNvGrpSpPr/>
         <p:nvPr/>
       </p:nvGrpSpPr>
@@ -2160,7 +2160,7 @@
       </p:grpSpPr>
       <p:sp>
         <p:nvSpPr>
-          <p:cNvPr id="114" name="Google Shape;114;g82de7da685_0_7:notes"/>
+          <p:cNvPr id="116" name="Google Shape;116;g82de7da685_0_7:notes"/>
           <p:cNvSpPr/>
           <p:nvPr>
             <p:ph idx="2" type="sldImg"/>
@@ -2195,7 +2195,7 @@
       </p:sp>
       <p:sp>
         <p:nvSpPr>
-          <p:cNvPr id="115" name="Google Shape;115;g82de7da685_0_7:notes"/>
+          <p:cNvPr id="117" name="Google Shape;117;g82de7da685_0_7:notes"/>
           <p:cNvSpPr txBox="1"/>
           <p:nvPr>
             <p:ph idx="1" type="body"/>
@@ -7953,7 +7953,7 @@
   <p:cSld>
     <p:spTree>
       <p:nvGrpSpPr>
-        <p:cNvPr id="122" name="Shape 122"/>
+        <p:cNvPr id="124" name="Shape 124"/>
         <p:cNvGrpSpPr/>
         <p:nvPr/>
       </p:nvGrpSpPr>
@@ -7967,7 +7967,7 @@
       </p:grpSpPr>
       <p:sp>
         <p:nvSpPr>
-          <p:cNvPr id="123" name="Google Shape;123;p22"/>
+          <p:cNvPr id="125" name="Google Shape;125;p22"/>
           <p:cNvSpPr txBox="1"/>
           <p:nvPr>
             <p:ph idx="1" type="subTitle"/>
@@ -8215,7 +8215,7 @@
       </p:sp>
       <p:pic>
         <p:nvPicPr>
-          <p:cNvPr id="124" name="Google Shape;124;p22"/>
+          <p:cNvPr id="126" name="Google Shape;126;p22"/>
           <p:cNvPicPr preferRelativeResize="0"/>
           <p:nvPr/>
         </p:nvPicPr>
@@ -8254,7 +8254,7 @@
   <p:cSld>
     <p:spTree>
       <p:nvGrpSpPr>
-        <p:cNvPr id="128" name="Shape 128"/>
+        <p:cNvPr id="130" name="Shape 130"/>
         <p:cNvGrpSpPr/>
         <p:nvPr/>
       </p:nvGrpSpPr>
@@ -8268,7 +8268,7 @@
       </p:grpSpPr>
       <p:pic>
         <p:nvPicPr>
-          <p:cNvPr id="129" name="Google Shape;129;p23"/>
+          <p:cNvPr id="131" name="Google Shape;131;p23"/>
           <p:cNvPicPr preferRelativeResize="0"/>
           <p:nvPr/>
         </p:nvPicPr>
@@ -9436,7 +9436,7 @@
         <p:spPr>
           <a:xfrm>
             <a:off x="311700" y="1152475"/>
-            <a:ext cx="8520600" cy="3416400"/>
+            <a:ext cx="5395500" cy="3876000"/>
           </a:xfrm>
           <a:prstGeom prst="rect">
             <a:avLst/>
@@ -9575,17 +9575,23 @@
             <a:endParaRPr/>
           </a:p>
           <a:p>
-            <a:pPr indent="0" lvl="0" marL="914400" rtl="0" algn="l">
-              <a:spcBef>
-                <a:spcPts val="1600"/>
-              </a:spcBef>
-              <a:spcAft>
-                <a:spcPts val="0"/>
-              </a:spcAft>
-              <a:buNone/>
-            </a:pPr>
-            <a:r>
-              <a:t/>
+            <a:pPr indent="-342900" lvl="0" marL="1371600" rtl="0" algn="l">
+              <a:spcBef>
+                <a:spcPts val="0"/>
+              </a:spcBef>
+              <a:spcAft>
+                <a:spcPts val="0"/>
+              </a:spcAft>
+              <a:buSzPts val="1800"/>
+              <a:buChar char="●"/>
+            </a:pPr>
+            <a:r>
+              <a:rPr b="1" lang="en" sz="1400" u="sng"/>
+              <a:t>Note</a:t>
+            </a:r>
+            <a:r>
+              <a:rPr lang="en" sz="1400"/>
+              <a:t>: If using the script (start.sh), for line 2, change your the IP address to your local Ubuntu System. Type ‘ifconfig’ in your terminal:  </a:t>
             </a:r>
             <a:endParaRPr/>
           </a:p>
@@ -9606,6 +9612,62 @@
           </a:p>
         </p:txBody>
       </p:sp>
+      <p:pic>
+        <p:nvPicPr>
+          <p:cNvPr id="80" name="Google Shape;80;p16"/>
+          <p:cNvPicPr preferRelativeResize="0"/>
+          <p:nvPr/>
+        </p:nvPicPr>
+        <p:blipFill>
+          <a:blip r:embed="rId5">
+            <a:alphaModFix/>
+          </a:blip>
+          <a:stretch>
+            <a:fillRect/>
+          </a:stretch>
+        </p:blipFill>
+        <p:spPr>
+          <a:xfrm>
+            <a:off x="5844800" y="1367431"/>
+            <a:ext cx="2994601" cy="2015600"/>
+          </a:xfrm>
+          <a:prstGeom prst="rect">
+            <a:avLst/>
+          </a:prstGeom>
+          <a:noFill/>
+          <a:ln>
+            <a:noFill/>
+          </a:ln>
+        </p:spPr>
+      </p:pic>
+      <p:pic>
+        <p:nvPicPr>
+          <p:cNvPr id="81" name="Google Shape;81;p16"/>
+          <p:cNvPicPr preferRelativeResize="0"/>
+          <p:nvPr/>
+        </p:nvPicPr>
+        <p:blipFill>
+          <a:blip r:embed="rId6">
+            <a:alphaModFix/>
+          </a:blip>
+          <a:stretch>
+            <a:fillRect/>
+          </a:stretch>
+        </p:blipFill>
+        <p:spPr>
+          <a:xfrm>
+            <a:off x="5880013" y="3592293"/>
+            <a:ext cx="2924175" cy="371475"/>
+          </a:xfrm>
+          <a:prstGeom prst="rect">
+            <a:avLst/>
+          </a:prstGeom>
+          <a:noFill/>
+          <a:ln>
+            <a:noFill/>
+          </a:ln>
+        </p:spPr>
+      </p:pic>
     </p:spTree>
   </p:cSld>
   <p:clrMapOvr>
@@ -9619,7 +9681,7 @@
   <p:cSld>
     <p:spTree>
       <p:nvGrpSpPr>
-        <p:cNvPr id="83" name="Shape 83"/>
+        <p:cNvPr id="85" name="Shape 85"/>
         <p:cNvGrpSpPr/>
         <p:nvPr/>
       </p:nvGrpSpPr>
@@ -9633,7 +9695,7 @@
       </p:grpSpPr>
       <p:sp>
         <p:nvSpPr>
-          <p:cNvPr id="84" name="Google Shape;84;p17"/>
+          <p:cNvPr id="86" name="Google Shape;86;p17"/>
           <p:cNvSpPr txBox="1"/>
           <p:nvPr>
             <p:ph type="title"/>
@@ -9688,7 +9750,7 @@
       </p:sp>
       <p:sp>
         <p:nvSpPr>
-          <p:cNvPr id="85" name="Google Shape;85;p17"/>
+          <p:cNvPr id="87" name="Google Shape;87;p17"/>
           <p:cNvSpPr txBox="1"/>
           <p:nvPr/>
         </p:nvSpPr>
@@ -10120,7 +10182,7 @@
       </p:sp>
       <p:sp>
         <p:nvSpPr>
-          <p:cNvPr id="86" name="Google Shape;86;p17"/>
+          <p:cNvPr id="88" name="Google Shape;88;p17"/>
           <p:cNvSpPr txBox="1"/>
           <p:nvPr/>
         </p:nvSpPr>
@@ -10178,7 +10240,7 @@
       </p:sp>
       <p:sp>
         <p:nvSpPr>
-          <p:cNvPr id="87" name="Google Shape;87;p17"/>
+          <p:cNvPr id="89" name="Google Shape;89;p17"/>
           <p:cNvSpPr txBox="1"/>
           <p:nvPr/>
         </p:nvSpPr>
@@ -10228,7 +10290,7 @@
       </p:sp>
       <p:pic>
         <p:nvPicPr>
-          <p:cNvPr id="88" name="Google Shape;88;p17"/>
+          <p:cNvPr id="90" name="Google Shape;90;p17"/>
           <p:cNvPicPr preferRelativeResize="0"/>
           <p:nvPr/>
         </p:nvPicPr>
@@ -10256,7 +10318,7 @@
       </p:pic>
       <p:pic>
         <p:nvPicPr>
-          <p:cNvPr id="89" name="Google Shape;89;p17"/>
+          <p:cNvPr id="91" name="Google Shape;91;p17"/>
           <p:cNvPicPr preferRelativeResize="0"/>
           <p:nvPr/>
         </p:nvPicPr>
@@ -10295,7 +10357,7 @@
   <p:cSld>
     <p:spTree>
       <p:nvGrpSpPr>
-        <p:cNvPr id="93" name="Shape 93"/>
+        <p:cNvPr id="95" name="Shape 95"/>
         <p:cNvGrpSpPr/>
         <p:nvPr/>
       </p:nvGrpSpPr>
@@ -10309,7 +10371,7 @@
       </p:grpSpPr>
       <p:sp>
         <p:nvSpPr>
-          <p:cNvPr id="94" name="Google Shape;94;p18"/>
+          <p:cNvPr id="96" name="Google Shape;96;p18"/>
           <p:cNvSpPr txBox="1"/>
           <p:nvPr>
             <p:ph type="title"/>
@@ -10349,7 +10411,7 @@
       </p:sp>
       <p:sp>
         <p:nvSpPr>
-          <p:cNvPr id="95" name="Google Shape;95;p18"/>
+          <p:cNvPr id="97" name="Google Shape;97;p18"/>
           <p:cNvSpPr txBox="1"/>
           <p:nvPr>
             <p:ph idx="1" type="body"/>
@@ -10521,7 +10583,7 @@
       </p:sp>
       <p:pic>
         <p:nvPicPr>
-          <p:cNvPr id="96" name="Google Shape;96;p18"/>
+          <p:cNvPr id="98" name="Google Shape;98;p18"/>
           <p:cNvPicPr preferRelativeResize="0"/>
           <p:nvPr/>
         </p:nvPicPr>
@@ -10549,7 +10611,7 @@
       </p:pic>
       <p:pic>
         <p:nvPicPr>
-          <p:cNvPr id="97" name="Google Shape;97;p18"/>
+          <p:cNvPr id="99" name="Google Shape;99;p18"/>
           <p:cNvPicPr preferRelativeResize="0"/>
           <p:nvPr/>
         </p:nvPicPr>
@@ -10588,7 +10650,7 @@
   <p:cSld>
     <p:spTree>
       <p:nvGrpSpPr>
-        <p:cNvPr id="101" name="Shape 101"/>
+        <p:cNvPr id="103" name="Shape 103"/>
         <p:cNvGrpSpPr/>
         <p:nvPr/>
       </p:nvGrpSpPr>
@@ -10602,7 +10664,7 @@
       </p:grpSpPr>
       <p:sp>
         <p:nvSpPr>
-          <p:cNvPr id="102" name="Google Shape;102;p19"/>
+          <p:cNvPr id="104" name="Google Shape;104;p19"/>
           <p:cNvSpPr txBox="1"/>
           <p:nvPr>
             <p:ph type="title"/>
@@ -10642,7 +10704,7 @@
       </p:sp>
       <p:sp>
         <p:nvSpPr>
-          <p:cNvPr id="103" name="Google Shape;103;p19"/>
+          <p:cNvPr id="105" name="Google Shape;105;p19"/>
           <p:cNvSpPr txBox="1"/>
           <p:nvPr>
             <p:ph idx="1" type="body"/>
@@ -10777,7 +10839,7 @@
       </p:sp>
       <p:pic>
         <p:nvPicPr>
-          <p:cNvPr id="104" name="Google Shape;104;p19"/>
+          <p:cNvPr id="106" name="Google Shape;106;p19"/>
           <p:cNvPicPr preferRelativeResize="0"/>
           <p:nvPr/>
         </p:nvPicPr>
@@ -10805,7 +10867,7 @@
       </p:pic>
       <p:pic>
         <p:nvPicPr>
-          <p:cNvPr id="105" name="Google Shape;105;p19"/>
+          <p:cNvPr id="107" name="Google Shape;107;p19"/>
           <p:cNvPicPr preferRelativeResize="0"/>
           <p:nvPr/>
         </p:nvPicPr>
@@ -10833,7 +10895,7 @@
       </p:pic>
       <p:pic>
         <p:nvPicPr>
-          <p:cNvPr id="106" name="Google Shape;106;p19"/>
+          <p:cNvPr id="108" name="Google Shape;108;p19"/>
           <p:cNvPicPr preferRelativeResize="0"/>
           <p:nvPr/>
         </p:nvPicPr>
@@ -10872,7 +10934,7 @@
   <p:cSld>
     <p:spTree>
       <p:nvGrpSpPr>
-        <p:cNvPr id="110" name="Shape 110"/>
+        <p:cNvPr id="112" name="Shape 112"/>
         <p:cNvGrpSpPr/>
         <p:nvPr/>
       </p:nvGrpSpPr>
@@ -10886,7 +10948,7 @@
       </p:grpSpPr>
       <p:sp>
         <p:nvSpPr>
-          <p:cNvPr id="111" name="Google Shape;111;p20"/>
+          <p:cNvPr id="113" name="Google Shape;113;p20"/>
           <p:cNvSpPr txBox="1"/>
           <p:nvPr>
             <p:ph type="title"/>
@@ -10930,7 +10992,7 @@
       </p:sp>
       <p:sp>
         <p:nvSpPr>
-          <p:cNvPr id="112" name="Google Shape;112;p20"/>
+          <p:cNvPr id="114" name="Google Shape;114;p20"/>
           <p:cNvSpPr txBox="1"/>
           <p:nvPr>
             <p:ph idx="1" type="body"/>
@@ -11316,7 +11378,7 @@
   <p:cSld>
     <p:spTree>
       <p:nvGrpSpPr>
-        <p:cNvPr id="116" name="Shape 116"/>
+        <p:cNvPr id="118" name="Shape 118"/>
         <p:cNvGrpSpPr/>
         <p:nvPr/>
       </p:nvGrpSpPr>
@@ -11330,7 +11392,7 @@
       </p:grpSpPr>
       <p:sp>
         <p:nvSpPr>
-          <p:cNvPr id="117" name="Google Shape;117;p21"/>
+          <p:cNvPr id="119" name="Google Shape;119;p21"/>
           <p:cNvSpPr txBox="1"/>
           <p:nvPr>
             <p:ph type="title"/>
@@ -11370,7 +11432,7 @@
       </p:sp>
       <p:sp>
         <p:nvSpPr>
-          <p:cNvPr id="118" name="Google Shape;118;p21"/>
+          <p:cNvPr id="120" name="Google Shape;120;p21"/>
           <p:cNvSpPr txBox="1"/>
           <p:nvPr>
             <p:ph idx="1" type="body"/>
@@ -11512,6 +11574,285 @@
 </file>
 
 <file path=ppt/theme/theme1.xml><?xml version="1.0" encoding="utf-8"?>
+<a:theme xmlns:a="http://schemas.openxmlformats.org/drawingml/2006/main" xmlns:r="http://schemas.openxmlformats.org/officeDocument/2006/relationships" name="Slate">
+  <a:themeElements>
+    <a:clrScheme name="Slate">
+      <a:dk1>
+        <a:srgbClr val="FFFFFF"/>
+      </a:dk1>
+      <a:lt1>
+        <a:srgbClr val="37474F"/>
+      </a:lt1>
+      <a:dk2>
+        <a:srgbClr val="9E9E9E"/>
+      </a:dk2>
+      <a:lt2>
+        <a:srgbClr val="E0E0E0"/>
+      </a:lt2>
+      <a:accent1>
+        <a:srgbClr val="616161"/>
+      </a:accent1>
+      <a:accent2>
+        <a:srgbClr val="78909C"/>
+      </a:accent2>
+      <a:accent3>
+        <a:srgbClr val="CACACA"/>
+      </a:accent3>
+      <a:accent4>
+        <a:srgbClr val="64FFDA"/>
+      </a:accent4>
+      <a:accent5>
+        <a:srgbClr val="FFD966"/>
+      </a:accent5>
+      <a:accent6>
+        <a:srgbClr val="F5F5F5"/>
+      </a:accent6>
+      <a:hlink>
+        <a:srgbClr val="FFD966"/>
+      </a:hlink>
+      <a:folHlink>
+        <a:srgbClr val="FFD966"/>
+      </a:folHlink>
+    </a:clrScheme>
+    <a:fontScheme name="Office">
+      <a:majorFont>
+        <a:latin typeface="Arial"/>
+        <a:ea typeface=""/>
+        <a:cs typeface=""/>
+        <a:font script="Jpan" typeface="ＭＳ Ｐゴシック"/>
+        <a:font script="Hang" typeface="맑은 고딕"/>
+        <a:font script="Hans" typeface="宋体"/>
+        <a:font script="Hant" typeface="新細明體"/>
+        <a:font script="Arab" typeface="Times New Roman"/>
+        <a:font script="Hebr" typeface="Times New Roman"/>
+        <a:font script="Thai" typeface="Angsana New"/>
+        <a:font script="Ethi" typeface="Nyala"/>
+        <a:font script="Beng" typeface="Vrinda"/>
+        <a:font script="Gujr" typeface="Shruti"/>
+        <a:font script="Khmr" typeface="MoolBoran"/>
+        <a:font script="Knda" typeface="Tunga"/>
+        <a:font script="Guru" typeface="Raavi"/>
+        <a:font script="Cans" typeface="Euphemia"/>
+        <a:font script="Cher" typeface="Plantagenet Cherokee"/>
+        <a:font script="Yiii" typeface="Microsoft Yi Baiti"/>
+        <a:font script="Tibt" typeface="Microsoft Himalaya"/>
+        <a:font script="Thaa" typeface="MV Boli"/>
+        <a:font script="Deva" typeface="Mangal"/>
+        <a:font script="Telu" typeface="Gautami"/>
+        <a:font script="Taml" typeface="Latha"/>
+        <a:font script="Syrc" typeface="Estrangelo Edessa"/>
+        <a:font script="Orya" typeface="Kalinga"/>
+        <a:font script="Mlym" typeface="Kartika"/>
+        <a:font script="Laoo" typeface="DokChampa"/>
+        <a:font script="Sinh" typeface="Iskoola Pota"/>
+        <a:font script="Mong" typeface="Mongolian Baiti"/>
+        <a:font script="Viet" typeface="Times New Roman"/>
+        <a:font script="Uigh" typeface="Microsoft Uighur"/>
+        <a:font script="Geor" typeface="Sylfaen"/>
+      </a:majorFont>
+      <a:minorFont>
+        <a:latin typeface="Arial"/>
+        <a:ea typeface=""/>
+        <a:cs typeface=""/>
+        <a:font script="Jpan" typeface="ＭＳ Ｐゴシック"/>
+        <a:font script="Hang" typeface="맑은 고딕"/>
+        <a:font script="Hans" typeface="宋体"/>
+        <a:font script="Hant" typeface="新細明體"/>
+        <a:font script="Arab" typeface="Arial"/>
+        <a:font script="Hebr" typeface="Arial"/>
+        <a:font script="Thai" typeface="Cordia New"/>
+        <a:font script="Ethi" typeface="Nyala"/>
+        <a:font script="Beng" typeface="Vrinda"/>
+        <a:font script="Gujr" typeface="Shruti"/>
+        <a:font script="Khmr" typeface="DaunPenh"/>
+        <a:font script="Knda" typeface="Tunga"/>
+        <a:font script="Guru" typeface="Raavi"/>
+        <a:font script="Cans" typeface="Euphemia"/>
+        <a:font script="Cher" typeface="Plantagenet Cherokee"/>
+        <a:font script="Yiii" typeface="Microsoft Yi Baiti"/>
+        <a:font script="Tibt" typeface="Microsoft Himalaya"/>
+        <a:font script="Thaa" typeface="MV Boli"/>
+        <a:font script="Deva" typeface="Mangal"/>
+        <a:font script="Telu" typeface="Gautami"/>
+        <a:font script="Taml" typeface="Latha"/>
+        <a:font script="Syrc" typeface="Estrangelo Edessa"/>
+        <a:font script="Orya" typeface="Kalinga"/>
+        <a:font script="Mlym" typeface="Kartika"/>
+        <a:font script="Laoo" typeface="DokChampa"/>
+        <a:font script="Sinh" typeface="Iskoola Pota"/>
+        <a:font script="Mong" typeface="Mongolian Baiti"/>
+        <a:font script="Viet" typeface="Arial"/>
+        <a:font script="Uigh" typeface="Microsoft Uighur"/>
+        <a:font script="Geor" typeface="Sylfaen"/>
+      </a:minorFont>
+    </a:fontScheme>
+    <a:fmtScheme name="Office">
+      <a:fillStyleLst>
+        <a:solidFill>
+          <a:schemeClr val="phClr"/>
+        </a:solidFill>
+        <a:gradFill rotWithShape="1">
+          <a:gsLst>
+            <a:gs pos="0">
+              <a:schemeClr val="phClr">
+                <a:tint val="50000"/>
+                <a:satMod val="300000"/>
+              </a:schemeClr>
+            </a:gs>
+            <a:gs pos="35000">
+              <a:schemeClr val="phClr">
+                <a:tint val="37000"/>
+                <a:satMod val="300000"/>
+              </a:schemeClr>
+            </a:gs>
+            <a:gs pos="100000">
+              <a:schemeClr val="phClr">
+                <a:tint val="15000"/>
+                <a:satMod val="350000"/>
+              </a:schemeClr>
+            </a:gs>
+          </a:gsLst>
+          <a:lin ang="16200000" scaled="1"/>
+        </a:gradFill>
+        <a:gradFill rotWithShape="1">
+          <a:gsLst>
+            <a:gs pos="0">
+              <a:schemeClr val="phClr">
+                <a:tint val="100000"/>
+                <a:shade val="100000"/>
+                <a:satMod val="130000"/>
+              </a:schemeClr>
+            </a:gs>
+            <a:gs pos="100000">
+              <a:schemeClr val="phClr">
+                <a:tint val="50000"/>
+                <a:shade val="100000"/>
+                <a:satMod val="350000"/>
+              </a:schemeClr>
+            </a:gs>
+          </a:gsLst>
+          <a:lin ang="16200000" scaled="0"/>
+        </a:gradFill>
+      </a:fillStyleLst>
+      <a:lnStyleLst>
+        <a:ln w="9525" cap="flat" cmpd="sng" algn="ctr">
+          <a:solidFill>
+            <a:schemeClr val="phClr">
+              <a:shade val="95000"/>
+              <a:satMod val="105000"/>
+            </a:schemeClr>
+          </a:solidFill>
+          <a:prstDash val="solid"/>
+        </a:ln>
+        <a:ln w="25400" cap="flat" cmpd="sng" algn="ctr">
+          <a:solidFill>
+            <a:schemeClr val="phClr"/>
+          </a:solidFill>
+          <a:prstDash val="solid"/>
+        </a:ln>
+        <a:ln w="38100" cap="flat" cmpd="sng" algn="ctr">
+          <a:solidFill>
+            <a:schemeClr val="phClr"/>
+          </a:solidFill>
+          <a:prstDash val="solid"/>
+        </a:ln>
+      </a:lnStyleLst>
+      <a:effectStyleLst>
+        <a:effectStyle>
+          <a:effectLst>
+            <a:outerShdw blurRad="40000" dist="20000" dir="5400000" rotWithShape="0">
+              <a:srgbClr val="000000">
+                <a:alpha val="38000"/>
+              </a:srgbClr>
+            </a:outerShdw>
+          </a:effectLst>
+        </a:effectStyle>
+        <a:effectStyle>
+          <a:effectLst>
+            <a:outerShdw blurRad="40000" dist="23000" dir="5400000" rotWithShape="0">
+              <a:srgbClr val="000000">
+                <a:alpha val="35000"/>
+              </a:srgbClr>
+            </a:outerShdw>
+          </a:effectLst>
+        </a:effectStyle>
+        <a:effectStyle>
+          <a:effectLst>
+            <a:outerShdw blurRad="40000" dist="23000" dir="5400000" rotWithShape="0">
+              <a:srgbClr val="000000">
+                <a:alpha val="35000"/>
+              </a:srgbClr>
+            </a:outerShdw>
+          </a:effectLst>
+          <a:scene3d>
+            <a:camera prst="orthographicFront">
+              <a:rot lat="0" lon="0" rev="0"/>
+            </a:camera>
+            <a:lightRig rig="threePt" dir="t">
+              <a:rot lat="0" lon="0" rev="1200000"/>
+            </a:lightRig>
+          </a:scene3d>
+          <a:sp3d>
+            <a:bevelT w="63500" h="25400"/>
+          </a:sp3d>
+        </a:effectStyle>
+      </a:effectStyleLst>
+      <a:bgFillStyleLst>
+        <a:solidFill>
+          <a:schemeClr val="phClr"/>
+        </a:solidFill>
+        <a:gradFill rotWithShape="1">
+          <a:gsLst>
+            <a:gs pos="0">
+              <a:schemeClr val="phClr">
+                <a:tint val="40000"/>
+                <a:satMod val="350000"/>
+              </a:schemeClr>
+            </a:gs>
+            <a:gs pos="40000">
+              <a:schemeClr val="phClr">
+                <a:tint val="45000"/>
+                <a:shade val="99000"/>
+                <a:satMod val="350000"/>
+              </a:schemeClr>
+            </a:gs>
+            <a:gs pos="100000">
+              <a:schemeClr val="phClr">
+                <a:shade val="20000"/>
+                <a:satMod val="255000"/>
+              </a:schemeClr>
+            </a:gs>
+          </a:gsLst>
+          <a:path path="circle">
+            <a:fillToRect l="50000" t="-80000" r="50000" b="180000"/>
+          </a:path>
+        </a:gradFill>
+        <a:gradFill rotWithShape="1">
+          <a:gsLst>
+            <a:gs pos="0">
+              <a:schemeClr val="phClr">
+                <a:tint val="80000"/>
+                <a:satMod val="300000"/>
+              </a:schemeClr>
+            </a:gs>
+            <a:gs pos="100000">
+              <a:schemeClr val="phClr">
+                <a:shade val="30000"/>
+                <a:satMod val="200000"/>
+              </a:schemeClr>
+            </a:gs>
+          </a:gsLst>
+          <a:path path="circle">
+            <a:fillToRect l="50000" t="50000" r="50000" b="50000"/>
+          </a:path>
+        </a:gradFill>
+      </a:bgFillStyleLst>
+    </a:fmtScheme>
+  </a:themeElements>
+</a:theme>
+</file>
+
+<file path=ppt/theme/theme2.xml><?xml version="1.0" encoding="utf-8"?>
 <a:theme xmlns:a="http://schemas.openxmlformats.org/drawingml/2006/main" xmlns:r="http://schemas.openxmlformats.org/officeDocument/2006/relationships">
   <a:themeElements>
     <a:clrScheme name="Default">
@@ -11788,283 +12129,4 @@
     </a:fmtScheme>
   </a:themeElements>
 </a:theme>
-</file>
-
-<file path=ppt/theme/theme2.xml><?xml version="1.0" encoding="utf-8"?>
-<a:theme xmlns:a="http://schemas.openxmlformats.org/drawingml/2006/main" xmlns:r="http://schemas.openxmlformats.org/officeDocument/2006/relationships" name="Slate">
-  <a:themeElements>
-    <a:clrScheme name="Slate">
-      <a:dk1>
-        <a:srgbClr val="FFFFFF"/>
-      </a:dk1>
-      <a:lt1>
-        <a:srgbClr val="37474F"/>
-      </a:lt1>
-      <a:dk2>
-        <a:srgbClr val="9E9E9E"/>
-      </a:dk2>
-      <a:lt2>
-        <a:srgbClr val="E0E0E0"/>
-      </a:lt2>
-      <a:accent1>
-        <a:srgbClr val="616161"/>
-      </a:accent1>
-      <a:accent2>
-        <a:srgbClr val="78909C"/>
-      </a:accent2>
-      <a:accent3>
-        <a:srgbClr val="CACACA"/>
-      </a:accent3>
-      <a:accent4>
-        <a:srgbClr val="64FFDA"/>
-      </a:accent4>
-      <a:accent5>
-        <a:srgbClr val="FFD966"/>
-      </a:accent5>
-      <a:accent6>
-        <a:srgbClr val="F5F5F5"/>
-      </a:accent6>
-      <a:hlink>
-        <a:srgbClr val="FFD966"/>
-      </a:hlink>
-      <a:folHlink>
-        <a:srgbClr val="FFD966"/>
-      </a:folHlink>
-    </a:clrScheme>
-    <a:fontScheme name="Office">
-      <a:majorFont>
-        <a:latin typeface="Arial"/>
-        <a:ea typeface=""/>
-        <a:cs typeface=""/>
-        <a:font script="Jpan" typeface="ＭＳ Ｐゴシック"/>
-        <a:font script="Hang" typeface="맑은 고딕"/>
-        <a:font script="Hans" typeface="宋体"/>
-        <a:font script="Hant" typeface="新細明體"/>
-        <a:font script="Arab" typeface="Times New Roman"/>
-        <a:font script="Hebr" typeface="Times New Roman"/>
-        <a:font script="Thai" typeface="Angsana New"/>
-        <a:font script="Ethi" typeface="Nyala"/>
-        <a:font script="Beng" typeface="Vrinda"/>
-        <a:font script="Gujr" typeface="Shruti"/>
-        <a:font script="Khmr" typeface="MoolBoran"/>
-        <a:font script="Knda" typeface="Tunga"/>
-        <a:font script="Guru" typeface="Raavi"/>
-        <a:font script="Cans" typeface="Euphemia"/>
-        <a:font script="Cher" typeface="Plantagenet Cherokee"/>
-        <a:font script="Yiii" typeface="Microsoft Yi Baiti"/>
-        <a:font script="Tibt" typeface="Microsoft Himalaya"/>
-        <a:font script="Thaa" typeface="MV Boli"/>
-        <a:font script="Deva" typeface="Mangal"/>
-        <a:font script="Telu" typeface="Gautami"/>
-        <a:font script="Taml" typeface="Latha"/>
-        <a:font script="Syrc" typeface="Estrangelo Edessa"/>
-        <a:font script="Orya" typeface="Kalinga"/>
-        <a:font script="Mlym" typeface="Kartika"/>
-        <a:font script="Laoo" typeface="DokChampa"/>
-        <a:font script="Sinh" typeface="Iskoola Pota"/>
-        <a:font script="Mong" typeface="Mongolian Baiti"/>
-        <a:font script="Viet" typeface="Times New Roman"/>
-        <a:font script="Uigh" typeface="Microsoft Uighur"/>
-        <a:font script="Geor" typeface="Sylfaen"/>
-      </a:majorFont>
-      <a:minorFont>
-        <a:latin typeface="Arial"/>
-        <a:ea typeface=""/>
-        <a:cs typeface=""/>
-        <a:font script="Jpan" typeface="ＭＳ Ｐゴシック"/>
-        <a:font script="Hang" typeface="맑은 고딕"/>
-        <a:font script="Hans" typeface="宋体"/>
-        <a:font script="Hant" typeface="新細明體"/>
-        <a:font script="Arab" typeface="Arial"/>
-        <a:font script="Hebr" typeface="Arial"/>
-        <a:font script="Thai" typeface="Cordia New"/>
-        <a:font script="Ethi" typeface="Nyala"/>
-        <a:font script="Beng" typeface="Vrinda"/>
-        <a:font script="Gujr" typeface="Shruti"/>
-        <a:font script="Khmr" typeface="DaunPenh"/>
-        <a:font script="Knda" typeface="Tunga"/>
-        <a:font script="Guru" typeface="Raavi"/>
-        <a:font script="Cans" typeface="Euphemia"/>
-        <a:font script="Cher" typeface="Plantagenet Cherokee"/>
-        <a:font script="Yiii" typeface="Microsoft Yi Baiti"/>
-        <a:font script="Tibt" typeface="Microsoft Himalaya"/>
-        <a:font script="Thaa" typeface="MV Boli"/>
-        <a:font script="Deva" typeface="Mangal"/>
-        <a:font script="Telu" typeface="Gautami"/>
-        <a:font script="Taml" typeface="Latha"/>
-        <a:font script="Syrc" typeface="Estrangelo Edessa"/>
-        <a:font script="Orya" typeface="Kalinga"/>
-        <a:font script="Mlym" typeface="Kartika"/>
-        <a:font script="Laoo" typeface="DokChampa"/>
-        <a:font script="Sinh" typeface="Iskoola Pota"/>
-        <a:font script="Mong" typeface="Mongolian Baiti"/>
-        <a:font script="Viet" typeface="Arial"/>
-        <a:font script="Uigh" typeface="Microsoft Uighur"/>
-        <a:font script="Geor" typeface="Sylfaen"/>
-      </a:minorFont>
-    </a:fontScheme>
-    <a:fmtScheme name="Office">
-      <a:fillStyleLst>
-        <a:solidFill>
-          <a:schemeClr val="phClr"/>
-        </a:solidFill>
-        <a:gradFill rotWithShape="1">
-          <a:gsLst>
-            <a:gs pos="0">
-              <a:schemeClr val="phClr">
-                <a:tint val="50000"/>
-                <a:satMod val="300000"/>
-              </a:schemeClr>
-            </a:gs>
-            <a:gs pos="35000">
-              <a:schemeClr val="phClr">
-                <a:tint val="37000"/>
-                <a:satMod val="300000"/>
-              </a:schemeClr>
-            </a:gs>
-            <a:gs pos="100000">
-              <a:schemeClr val="phClr">
-                <a:tint val="15000"/>
-                <a:satMod val="350000"/>
-              </a:schemeClr>
-            </a:gs>
-          </a:gsLst>
-          <a:lin ang="16200000" scaled="1"/>
-        </a:gradFill>
-        <a:gradFill rotWithShape="1">
-          <a:gsLst>
-            <a:gs pos="0">
-              <a:schemeClr val="phClr">
-                <a:tint val="100000"/>
-                <a:shade val="100000"/>
-                <a:satMod val="130000"/>
-              </a:schemeClr>
-            </a:gs>
-            <a:gs pos="100000">
-              <a:schemeClr val="phClr">
-                <a:tint val="50000"/>
-                <a:shade val="100000"/>
-                <a:satMod val="350000"/>
-              </a:schemeClr>
-            </a:gs>
-          </a:gsLst>
-          <a:lin ang="16200000" scaled="0"/>
-        </a:gradFill>
-      </a:fillStyleLst>
-      <a:lnStyleLst>
-        <a:ln w="9525" cap="flat" cmpd="sng" algn="ctr">
-          <a:solidFill>
-            <a:schemeClr val="phClr">
-              <a:shade val="95000"/>
-              <a:satMod val="105000"/>
-            </a:schemeClr>
-          </a:solidFill>
-          <a:prstDash val="solid"/>
-        </a:ln>
-        <a:ln w="25400" cap="flat" cmpd="sng" algn="ctr">
-          <a:solidFill>
-            <a:schemeClr val="phClr"/>
-          </a:solidFill>
-          <a:prstDash val="solid"/>
-        </a:ln>
-        <a:ln w="38100" cap="flat" cmpd="sng" algn="ctr">
-          <a:solidFill>
-            <a:schemeClr val="phClr"/>
-          </a:solidFill>
-          <a:prstDash val="solid"/>
-        </a:ln>
-      </a:lnStyleLst>
-      <a:effectStyleLst>
-        <a:effectStyle>
-          <a:effectLst>
-            <a:outerShdw blurRad="40000" dist="20000" dir="5400000" rotWithShape="0">
-              <a:srgbClr val="000000">
-                <a:alpha val="38000"/>
-              </a:srgbClr>
-            </a:outerShdw>
-          </a:effectLst>
-        </a:effectStyle>
-        <a:effectStyle>
-          <a:effectLst>
-            <a:outerShdw blurRad="40000" dist="23000" dir="5400000" rotWithShape="0">
-              <a:srgbClr val="000000">
-                <a:alpha val="35000"/>
-              </a:srgbClr>
-            </a:outerShdw>
-          </a:effectLst>
-        </a:effectStyle>
-        <a:effectStyle>
-          <a:effectLst>
-            <a:outerShdw blurRad="40000" dist="23000" dir="5400000" rotWithShape="0">
-              <a:srgbClr val="000000">
-                <a:alpha val="35000"/>
-              </a:srgbClr>
-            </a:outerShdw>
-          </a:effectLst>
-          <a:scene3d>
-            <a:camera prst="orthographicFront">
-              <a:rot lat="0" lon="0" rev="0"/>
-            </a:camera>
-            <a:lightRig rig="threePt" dir="t">
-              <a:rot lat="0" lon="0" rev="1200000"/>
-            </a:lightRig>
-          </a:scene3d>
-          <a:sp3d>
-            <a:bevelT w="63500" h="25400"/>
-          </a:sp3d>
-        </a:effectStyle>
-      </a:effectStyleLst>
-      <a:bgFillStyleLst>
-        <a:solidFill>
-          <a:schemeClr val="phClr"/>
-        </a:solidFill>
-        <a:gradFill rotWithShape="1">
-          <a:gsLst>
-            <a:gs pos="0">
-              <a:schemeClr val="phClr">
-                <a:tint val="40000"/>
-                <a:satMod val="350000"/>
-              </a:schemeClr>
-            </a:gs>
-            <a:gs pos="40000">
-              <a:schemeClr val="phClr">
-                <a:tint val="45000"/>
-                <a:shade val="99000"/>
-                <a:satMod val="350000"/>
-              </a:schemeClr>
-            </a:gs>
-            <a:gs pos="100000">
-              <a:schemeClr val="phClr">
-                <a:shade val="20000"/>
-                <a:satMod val="255000"/>
-              </a:schemeClr>
-            </a:gs>
-          </a:gsLst>
-          <a:path path="circle">
-            <a:fillToRect l="50000" t="-80000" r="50000" b="180000"/>
-          </a:path>
-        </a:gradFill>
-        <a:gradFill rotWithShape="1">
-          <a:gsLst>
-            <a:gs pos="0">
-              <a:schemeClr val="phClr">
-                <a:tint val="80000"/>
-                <a:satMod val="300000"/>
-              </a:schemeClr>
-            </a:gs>
-            <a:gs pos="100000">
-              <a:schemeClr val="phClr">
-                <a:shade val="30000"/>
-                <a:satMod val="200000"/>
-              </a:schemeClr>
-            </a:gs>
-          </a:gsLst>
-          <a:path path="circle">
-            <a:fillToRect l="50000" t="50000" r="50000" b="50000"/>
-          </a:path>
-        </a:gradFill>
-      </a:bgFillStyleLst>
-    </a:fmtScheme>
-  </a:themeElements>
-</a:theme>
 </file>